--- a/Capstone_2_SlideDeck.pptx
+++ b/Capstone_2_SlideDeck.pptx
@@ -5,34 +5,25 @@
     <p:sldMasterId id="2147483725" r:id="rId1"/>
   </p:sldMasterIdLst>
   <p:notesMasterIdLst>
-    <p:notesMasterId r:id="rId27"/>
+    <p:notesMasterId r:id="rId18"/>
   </p:notesMasterIdLst>
   <p:sldIdLst>
     <p:sldId id="256" r:id="rId2"/>
     <p:sldId id="257" r:id="rId3"/>
     <p:sldId id="258" r:id="rId4"/>
-    <p:sldId id="259" r:id="rId5"/>
-    <p:sldId id="260" r:id="rId6"/>
-    <p:sldId id="261" r:id="rId7"/>
-    <p:sldId id="263" r:id="rId8"/>
-    <p:sldId id="262" r:id="rId9"/>
-    <p:sldId id="264" r:id="rId10"/>
-    <p:sldId id="265" r:id="rId11"/>
-    <p:sldId id="266" r:id="rId12"/>
-    <p:sldId id="267" r:id="rId13"/>
-    <p:sldId id="268" r:id="rId14"/>
-    <p:sldId id="269" r:id="rId15"/>
-    <p:sldId id="274" r:id="rId16"/>
-    <p:sldId id="270" r:id="rId17"/>
-    <p:sldId id="271" r:id="rId18"/>
-    <p:sldId id="272" r:id="rId19"/>
-    <p:sldId id="273" r:id="rId20"/>
-    <p:sldId id="275" r:id="rId21"/>
-    <p:sldId id="276" r:id="rId22"/>
-    <p:sldId id="277" r:id="rId23"/>
-    <p:sldId id="278" r:id="rId24"/>
-    <p:sldId id="279" r:id="rId25"/>
-    <p:sldId id="280" r:id="rId26"/>
+    <p:sldId id="260" r:id="rId5"/>
+    <p:sldId id="261" r:id="rId6"/>
+    <p:sldId id="263" r:id="rId7"/>
+    <p:sldId id="262" r:id="rId8"/>
+    <p:sldId id="270" r:id="rId9"/>
+    <p:sldId id="271" r:id="rId10"/>
+    <p:sldId id="275" r:id="rId11"/>
+    <p:sldId id="276" r:id="rId12"/>
+    <p:sldId id="284" r:id="rId13"/>
+    <p:sldId id="280" r:id="rId14"/>
+    <p:sldId id="279" r:id="rId15"/>
+    <p:sldId id="282" r:id="rId16"/>
+    <p:sldId id="283" r:id="rId17"/>
   </p:sldIdLst>
   <p:sldSz cx="12192000" cy="6858000"/>
   <p:notesSz cx="6858000" cy="9144000"/>
@@ -131,7 +122,2777 @@
       </a:defRPr>
     </a:lvl9pPr>
   </p:defaultTextStyle>
+  <p:extLst>
+    <p:ext uri="{EFAFB233-063F-42B5-8137-9DF3F51BA10A}">
+      <p15:sldGuideLst xmlns:p15="http://schemas.microsoft.com/office/powerpoint/2012/main"/>
+    </p:ext>
+  </p:extLst>
 </p:presentation>
+</file>
+
+<file path=ppt/diagrams/colors1.xml><?xml version="1.0" encoding="utf-8"?>
+<dgm:colorsDef xmlns:dgm="http://schemas.openxmlformats.org/drawingml/2006/diagram" xmlns:a="http://schemas.openxmlformats.org/drawingml/2006/main" uniqueId="urn:microsoft.com/office/officeart/2005/8/colors/accent0_3">
+  <dgm:title val=""/>
+  <dgm:desc val=""/>
+  <dgm:catLst>
+    <dgm:cat type="mainScheme" pri="10300"/>
+  </dgm:catLst>
+  <dgm:styleLbl name="node0">
+    <dgm:fillClrLst meth="repeat">
+      <a:schemeClr val="dk2"/>
+    </dgm:fillClrLst>
+    <dgm:linClrLst meth="repeat">
+      <a:schemeClr val="lt2"/>
+    </dgm:linClrLst>
+    <dgm:effectClrLst/>
+    <dgm:txLinClrLst/>
+    <dgm:txFillClrLst/>
+    <dgm:txEffectClrLst/>
+  </dgm:styleLbl>
+  <dgm:styleLbl name="alignNode1">
+    <dgm:fillClrLst meth="repeat">
+      <a:schemeClr val="dk2"/>
+    </dgm:fillClrLst>
+    <dgm:linClrLst meth="repeat">
+      <a:schemeClr val="dk2"/>
+    </dgm:linClrLst>
+    <dgm:effectClrLst/>
+    <dgm:txLinClrLst/>
+    <dgm:txFillClrLst/>
+    <dgm:txEffectClrLst/>
+  </dgm:styleLbl>
+  <dgm:styleLbl name="node1">
+    <dgm:fillClrLst meth="repeat">
+      <a:schemeClr val="dk2"/>
+    </dgm:fillClrLst>
+    <dgm:linClrLst meth="repeat">
+      <a:schemeClr val="lt2"/>
+    </dgm:linClrLst>
+    <dgm:effectClrLst/>
+    <dgm:txLinClrLst/>
+    <dgm:txFillClrLst/>
+    <dgm:txEffectClrLst/>
+  </dgm:styleLbl>
+  <dgm:styleLbl name="lnNode1">
+    <dgm:fillClrLst meth="repeat">
+      <a:schemeClr val="dk2"/>
+    </dgm:fillClrLst>
+    <dgm:linClrLst meth="repeat">
+      <a:schemeClr val="lt2"/>
+    </dgm:linClrLst>
+    <dgm:effectClrLst/>
+    <dgm:txLinClrLst/>
+    <dgm:txFillClrLst/>
+    <dgm:txEffectClrLst/>
+  </dgm:styleLbl>
+  <dgm:styleLbl name="vennNode1">
+    <dgm:fillClrLst meth="repeat">
+      <a:schemeClr val="dk2">
+        <a:alpha val="50000"/>
+      </a:schemeClr>
+    </dgm:fillClrLst>
+    <dgm:linClrLst meth="repeat">
+      <a:schemeClr val="lt2"/>
+    </dgm:linClrLst>
+    <dgm:effectClrLst/>
+    <dgm:txLinClrLst/>
+    <dgm:txFillClrLst/>
+    <dgm:txEffectClrLst/>
+  </dgm:styleLbl>
+  <dgm:styleLbl name="node2">
+    <dgm:fillClrLst meth="repeat">
+      <a:schemeClr val="dk2"/>
+    </dgm:fillClrLst>
+    <dgm:linClrLst meth="repeat">
+      <a:schemeClr val="lt2"/>
+    </dgm:linClrLst>
+    <dgm:effectClrLst/>
+    <dgm:txLinClrLst/>
+    <dgm:txFillClrLst/>
+    <dgm:txEffectClrLst/>
+  </dgm:styleLbl>
+  <dgm:styleLbl name="node3">
+    <dgm:fillClrLst meth="repeat">
+      <a:schemeClr val="dk2"/>
+    </dgm:fillClrLst>
+    <dgm:linClrLst meth="repeat">
+      <a:schemeClr val="lt2"/>
+    </dgm:linClrLst>
+    <dgm:effectClrLst/>
+    <dgm:txLinClrLst/>
+    <dgm:txFillClrLst/>
+    <dgm:txEffectClrLst/>
+  </dgm:styleLbl>
+  <dgm:styleLbl name="node4">
+    <dgm:fillClrLst meth="repeat">
+      <a:schemeClr val="dk2"/>
+    </dgm:fillClrLst>
+    <dgm:linClrLst meth="repeat">
+      <a:schemeClr val="lt2"/>
+    </dgm:linClrLst>
+    <dgm:effectClrLst/>
+    <dgm:txLinClrLst/>
+    <dgm:txFillClrLst/>
+    <dgm:txEffectClrLst/>
+  </dgm:styleLbl>
+  <dgm:styleLbl name="fgImgPlace1">
+    <dgm:fillClrLst meth="repeat">
+      <a:schemeClr val="dk2">
+        <a:tint val="50000"/>
+      </a:schemeClr>
+    </dgm:fillClrLst>
+    <dgm:linClrLst meth="repeat">
+      <a:schemeClr val="lt2"/>
+    </dgm:linClrLst>
+    <dgm:effectClrLst/>
+    <dgm:txLinClrLst/>
+    <dgm:txFillClrLst meth="repeat">
+      <a:schemeClr val="lt2"/>
+    </dgm:txFillClrLst>
+    <dgm:txEffectClrLst/>
+  </dgm:styleLbl>
+  <dgm:styleLbl name="alignImgPlace1">
+    <dgm:fillClrLst meth="repeat">
+      <a:schemeClr val="dk2">
+        <a:tint val="50000"/>
+      </a:schemeClr>
+    </dgm:fillClrLst>
+    <dgm:linClrLst meth="repeat">
+      <a:schemeClr val="dk2">
+        <a:shade val="80000"/>
+      </a:schemeClr>
+    </dgm:linClrLst>
+    <dgm:effectClrLst/>
+    <dgm:txLinClrLst/>
+    <dgm:txFillClrLst meth="repeat">
+      <a:schemeClr val="lt2"/>
+    </dgm:txFillClrLst>
+    <dgm:txEffectClrLst/>
+  </dgm:styleLbl>
+  <dgm:styleLbl name="bgImgPlace1">
+    <dgm:fillClrLst meth="repeat">
+      <a:schemeClr val="dk2">
+        <a:tint val="50000"/>
+      </a:schemeClr>
+    </dgm:fillClrLst>
+    <dgm:linClrLst meth="repeat">
+      <a:schemeClr val="dk2">
+        <a:shade val="80000"/>
+      </a:schemeClr>
+    </dgm:linClrLst>
+    <dgm:effectClrLst/>
+    <dgm:txLinClrLst/>
+    <dgm:txFillClrLst meth="repeat">
+      <a:schemeClr val="lt2"/>
+    </dgm:txFillClrLst>
+    <dgm:txEffectClrLst/>
+  </dgm:styleLbl>
+  <dgm:styleLbl name="sibTrans2D1">
+    <dgm:fillClrLst meth="repeat">
+      <a:schemeClr val="dk2">
+        <a:tint val="60000"/>
+      </a:schemeClr>
+    </dgm:fillClrLst>
+    <dgm:linClrLst meth="repeat">
+      <a:schemeClr val="dk2">
+        <a:tint val="60000"/>
+      </a:schemeClr>
+    </dgm:linClrLst>
+    <dgm:effectClrLst/>
+    <dgm:txLinClrLst/>
+    <dgm:txFillClrLst/>
+    <dgm:txEffectClrLst/>
+  </dgm:styleLbl>
+  <dgm:styleLbl name="fgSibTrans2D1">
+    <dgm:fillClrLst meth="repeat">
+      <a:schemeClr val="dk2">
+        <a:tint val="60000"/>
+      </a:schemeClr>
+    </dgm:fillClrLst>
+    <dgm:linClrLst meth="repeat">
+      <a:schemeClr val="dk2">
+        <a:tint val="60000"/>
+      </a:schemeClr>
+    </dgm:linClrLst>
+    <dgm:effectClrLst/>
+    <dgm:txLinClrLst/>
+    <dgm:txFillClrLst/>
+    <dgm:txEffectClrLst/>
+  </dgm:styleLbl>
+  <dgm:styleLbl name="bgSibTrans2D1">
+    <dgm:fillClrLst meth="repeat">
+      <a:schemeClr val="dk2">
+        <a:tint val="60000"/>
+      </a:schemeClr>
+    </dgm:fillClrLst>
+    <dgm:linClrLst meth="repeat">
+      <a:schemeClr val="dk2">
+        <a:tint val="60000"/>
+      </a:schemeClr>
+    </dgm:linClrLst>
+    <dgm:effectClrLst/>
+    <dgm:txLinClrLst/>
+    <dgm:txFillClrLst/>
+    <dgm:txEffectClrLst/>
+  </dgm:styleLbl>
+  <dgm:styleLbl name="sibTrans1D1">
+    <dgm:fillClrLst meth="repeat">
+      <a:schemeClr val="dk2"/>
+    </dgm:fillClrLst>
+    <dgm:linClrLst meth="repeat">
+      <a:schemeClr val="dk2"/>
+    </dgm:linClrLst>
+    <dgm:effectClrLst/>
+    <dgm:txLinClrLst/>
+    <dgm:txFillClrLst meth="repeat">
+      <a:schemeClr val="lt2"/>
+    </dgm:txFillClrLst>
+    <dgm:txEffectClrLst/>
+  </dgm:styleLbl>
+  <dgm:styleLbl name="callout">
+    <dgm:fillClrLst meth="repeat">
+      <a:schemeClr val="dk2"/>
+    </dgm:fillClrLst>
+    <dgm:linClrLst meth="repeat">
+      <a:schemeClr val="dk2">
+        <a:tint val="50000"/>
+      </a:schemeClr>
+    </dgm:linClrLst>
+    <dgm:effectClrLst/>
+    <dgm:txLinClrLst/>
+    <dgm:txFillClrLst meth="repeat">
+      <a:schemeClr val="lt2"/>
+    </dgm:txFillClrLst>
+    <dgm:txEffectClrLst/>
+  </dgm:styleLbl>
+  <dgm:styleLbl name="asst0">
+    <dgm:fillClrLst meth="repeat">
+      <a:schemeClr val="dk2"/>
+    </dgm:fillClrLst>
+    <dgm:linClrLst meth="repeat">
+      <a:schemeClr val="lt2"/>
+    </dgm:linClrLst>
+    <dgm:effectClrLst/>
+    <dgm:txLinClrLst/>
+    <dgm:txFillClrLst/>
+    <dgm:txEffectClrLst/>
+  </dgm:styleLbl>
+  <dgm:styleLbl name="asst1">
+    <dgm:fillClrLst meth="repeat">
+      <a:schemeClr val="dk2"/>
+    </dgm:fillClrLst>
+    <dgm:linClrLst meth="repeat">
+      <a:schemeClr val="lt2"/>
+    </dgm:linClrLst>
+    <dgm:effectClrLst/>
+    <dgm:txLinClrLst/>
+    <dgm:txFillClrLst/>
+    <dgm:txEffectClrLst/>
+  </dgm:styleLbl>
+  <dgm:styleLbl name="asst2">
+    <dgm:fillClrLst meth="repeat">
+      <a:schemeClr val="dk2"/>
+    </dgm:fillClrLst>
+    <dgm:linClrLst meth="repeat">
+      <a:schemeClr val="lt2"/>
+    </dgm:linClrLst>
+    <dgm:effectClrLst/>
+    <dgm:txLinClrLst/>
+    <dgm:txFillClrLst/>
+    <dgm:txEffectClrLst/>
+  </dgm:styleLbl>
+  <dgm:styleLbl name="asst3">
+    <dgm:fillClrLst meth="repeat">
+      <a:schemeClr val="dk2"/>
+    </dgm:fillClrLst>
+    <dgm:linClrLst meth="repeat">
+      <a:schemeClr val="lt2"/>
+    </dgm:linClrLst>
+    <dgm:effectClrLst/>
+    <dgm:txLinClrLst/>
+    <dgm:txFillClrLst/>
+    <dgm:txEffectClrLst/>
+  </dgm:styleLbl>
+  <dgm:styleLbl name="asst4">
+    <dgm:fillClrLst meth="repeat">
+      <a:schemeClr val="dk2"/>
+    </dgm:fillClrLst>
+    <dgm:linClrLst meth="repeat">
+      <a:schemeClr val="lt2"/>
+    </dgm:linClrLst>
+    <dgm:effectClrLst/>
+    <dgm:txLinClrLst/>
+    <dgm:txFillClrLst/>
+    <dgm:txEffectClrLst/>
+  </dgm:styleLbl>
+  <dgm:styleLbl name="parChTrans2D1">
+    <dgm:fillClrLst meth="repeat">
+      <a:schemeClr val="dk2">
+        <a:tint val="60000"/>
+      </a:schemeClr>
+    </dgm:fillClrLst>
+    <dgm:linClrLst meth="repeat">
+      <a:schemeClr val="dk2">
+        <a:tint val="60000"/>
+      </a:schemeClr>
+    </dgm:linClrLst>
+    <dgm:effectClrLst/>
+    <dgm:txLinClrLst/>
+    <dgm:txFillClrLst meth="repeat">
+      <a:schemeClr val="lt2"/>
+    </dgm:txFillClrLst>
+    <dgm:txEffectClrLst/>
+  </dgm:styleLbl>
+  <dgm:styleLbl name="parChTrans2D2">
+    <dgm:fillClrLst meth="repeat">
+      <a:schemeClr val="dk2"/>
+    </dgm:fillClrLst>
+    <dgm:linClrLst meth="repeat">
+      <a:schemeClr val="dk2"/>
+    </dgm:linClrLst>
+    <dgm:effectClrLst/>
+    <dgm:txLinClrLst/>
+    <dgm:txFillClrLst meth="repeat">
+      <a:schemeClr val="lt2"/>
+    </dgm:txFillClrLst>
+    <dgm:txEffectClrLst/>
+  </dgm:styleLbl>
+  <dgm:styleLbl name="parChTrans2D3">
+    <dgm:fillClrLst meth="repeat">
+      <a:schemeClr val="dk2"/>
+    </dgm:fillClrLst>
+    <dgm:linClrLst meth="repeat">
+      <a:schemeClr val="dk2"/>
+    </dgm:linClrLst>
+    <dgm:effectClrLst/>
+    <dgm:txLinClrLst/>
+    <dgm:txFillClrLst meth="repeat">
+      <a:schemeClr val="lt2"/>
+    </dgm:txFillClrLst>
+    <dgm:txEffectClrLst/>
+  </dgm:styleLbl>
+  <dgm:styleLbl name="parChTrans2D4">
+    <dgm:fillClrLst meth="repeat">
+      <a:schemeClr val="dk2"/>
+    </dgm:fillClrLst>
+    <dgm:linClrLst meth="repeat">
+      <a:schemeClr val="dk2"/>
+    </dgm:linClrLst>
+    <dgm:effectClrLst/>
+    <dgm:txLinClrLst/>
+    <dgm:txFillClrLst meth="repeat">
+      <a:schemeClr val="lt2"/>
+    </dgm:txFillClrLst>
+    <dgm:txEffectClrLst/>
+  </dgm:styleLbl>
+  <dgm:styleLbl name="parChTrans1D1">
+    <dgm:fillClrLst meth="repeat">
+      <a:schemeClr val="dk2"/>
+    </dgm:fillClrLst>
+    <dgm:linClrLst meth="repeat">
+      <a:schemeClr val="dk2">
+        <a:shade val="60000"/>
+      </a:schemeClr>
+    </dgm:linClrLst>
+    <dgm:effectClrLst/>
+    <dgm:txLinClrLst/>
+    <dgm:txFillClrLst meth="repeat">
+      <a:schemeClr val="tx1"/>
+    </dgm:txFillClrLst>
+    <dgm:txEffectClrLst/>
+  </dgm:styleLbl>
+  <dgm:styleLbl name="parChTrans1D2">
+    <dgm:fillClrLst meth="repeat">
+      <a:schemeClr val="dk2"/>
+    </dgm:fillClrLst>
+    <dgm:linClrLst meth="repeat">
+      <a:schemeClr val="dk2">
+        <a:shade val="60000"/>
+      </a:schemeClr>
+    </dgm:linClrLst>
+    <dgm:effectClrLst/>
+    <dgm:txLinClrLst/>
+    <dgm:txFillClrLst meth="repeat">
+      <a:schemeClr val="tx1"/>
+    </dgm:txFillClrLst>
+    <dgm:txEffectClrLst/>
+  </dgm:styleLbl>
+  <dgm:styleLbl name="parChTrans1D3">
+    <dgm:fillClrLst meth="repeat">
+      <a:schemeClr val="dk2"/>
+    </dgm:fillClrLst>
+    <dgm:linClrLst meth="repeat">
+      <a:schemeClr val="dk2">
+        <a:shade val="80000"/>
+      </a:schemeClr>
+    </dgm:linClrLst>
+    <dgm:effectClrLst/>
+    <dgm:txLinClrLst/>
+    <dgm:txFillClrLst meth="repeat">
+      <a:schemeClr val="tx1"/>
+    </dgm:txFillClrLst>
+    <dgm:txEffectClrLst/>
+  </dgm:styleLbl>
+  <dgm:styleLbl name="parChTrans1D4">
+    <dgm:fillClrLst meth="repeat">
+      <a:schemeClr val="dk2"/>
+    </dgm:fillClrLst>
+    <dgm:linClrLst meth="repeat">
+      <a:schemeClr val="dk2">
+        <a:shade val="80000"/>
+      </a:schemeClr>
+    </dgm:linClrLst>
+    <dgm:effectClrLst/>
+    <dgm:txLinClrLst/>
+    <dgm:txFillClrLst meth="repeat">
+      <a:schemeClr val="tx1"/>
+    </dgm:txFillClrLst>
+    <dgm:txEffectClrLst/>
+  </dgm:styleLbl>
+  <dgm:styleLbl name="fgAcc1">
+    <dgm:fillClrLst meth="repeat">
+      <a:schemeClr val="lt2">
+        <a:alpha val="90000"/>
+      </a:schemeClr>
+    </dgm:fillClrLst>
+    <dgm:linClrLst meth="repeat">
+      <a:schemeClr val="dk2"/>
+    </dgm:linClrLst>
+    <dgm:effectClrLst/>
+    <dgm:txLinClrLst/>
+    <dgm:txFillClrLst meth="repeat">
+      <a:schemeClr val="dk1"/>
+    </dgm:txFillClrLst>
+    <dgm:txEffectClrLst/>
+  </dgm:styleLbl>
+  <dgm:styleLbl name="conFgAcc1">
+    <dgm:fillClrLst meth="repeat">
+      <a:schemeClr val="lt2">
+        <a:alpha val="90000"/>
+      </a:schemeClr>
+    </dgm:fillClrLst>
+    <dgm:linClrLst meth="repeat">
+      <a:schemeClr val="dk2"/>
+    </dgm:linClrLst>
+    <dgm:effectClrLst/>
+    <dgm:txLinClrLst/>
+    <dgm:txFillClrLst meth="repeat">
+      <a:schemeClr val="dk1"/>
+    </dgm:txFillClrLst>
+    <dgm:txEffectClrLst/>
+  </dgm:styleLbl>
+  <dgm:styleLbl name="alignAcc1">
+    <dgm:fillClrLst meth="repeat">
+      <a:schemeClr val="lt2">
+        <a:alpha val="90000"/>
+      </a:schemeClr>
+    </dgm:fillClrLst>
+    <dgm:linClrLst meth="repeat">
+      <a:schemeClr val="dk2"/>
+    </dgm:linClrLst>
+    <dgm:effectClrLst/>
+    <dgm:txLinClrLst/>
+    <dgm:txFillClrLst meth="repeat">
+      <a:schemeClr val="dk1"/>
+    </dgm:txFillClrLst>
+    <dgm:txEffectClrLst/>
+  </dgm:styleLbl>
+  <dgm:styleLbl name="trAlignAcc1">
+    <dgm:fillClrLst meth="repeat">
+      <a:schemeClr val="lt2">
+        <a:alpha val="40000"/>
+      </a:schemeClr>
+    </dgm:fillClrLst>
+    <dgm:linClrLst meth="repeat">
+      <a:schemeClr val="dk2"/>
+    </dgm:linClrLst>
+    <dgm:effectClrLst/>
+    <dgm:txLinClrLst/>
+    <dgm:txFillClrLst meth="repeat">
+      <a:schemeClr val="dk1"/>
+    </dgm:txFillClrLst>
+    <dgm:txEffectClrLst/>
+  </dgm:styleLbl>
+  <dgm:styleLbl name="bgAcc1">
+    <dgm:fillClrLst meth="repeat">
+      <a:schemeClr val="lt2">
+        <a:alpha val="90000"/>
+      </a:schemeClr>
+    </dgm:fillClrLst>
+    <dgm:linClrLst meth="repeat">
+      <a:schemeClr val="dk2"/>
+    </dgm:linClrLst>
+    <dgm:effectClrLst/>
+    <dgm:txLinClrLst/>
+    <dgm:txFillClrLst meth="repeat">
+      <a:schemeClr val="dk1"/>
+    </dgm:txFillClrLst>
+    <dgm:txEffectClrLst/>
+  </dgm:styleLbl>
+  <dgm:styleLbl name="solidFgAcc1">
+    <dgm:fillClrLst meth="repeat">
+      <a:schemeClr val="lt2"/>
+    </dgm:fillClrLst>
+    <dgm:linClrLst meth="repeat">
+      <a:schemeClr val="dk2"/>
+    </dgm:linClrLst>
+    <dgm:effectClrLst/>
+    <dgm:txLinClrLst/>
+    <dgm:txFillClrLst meth="repeat">
+      <a:schemeClr val="dk1"/>
+    </dgm:txFillClrLst>
+    <dgm:txEffectClrLst/>
+  </dgm:styleLbl>
+  <dgm:styleLbl name="solidAlignAcc1">
+    <dgm:fillClrLst meth="repeat">
+      <a:schemeClr val="lt2"/>
+    </dgm:fillClrLst>
+    <dgm:linClrLst meth="repeat">
+      <a:schemeClr val="dk2"/>
+    </dgm:linClrLst>
+    <dgm:effectClrLst/>
+    <dgm:txLinClrLst/>
+    <dgm:txFillClrLst meth="repeat">
+      <a:schemeClr val="dk1"/>
+    </dgm:txFillClrLst>
+    <dgm:txEffectClrLst/>
+  </dgm:styleLbl>
+  <dgm:styleLbl name="solidBgAcc1">
+    <dgm:fillClrLst meth="repeat">
+      <a:schemeClr val="lt2"/>
+    </dgm:fillClrLst>
+    <dgm:linClrLst meth="repeat">
+      <a:schemeClr val="dk2"/>
+    </dgm:linClrLst>
+    <dgm:effectClrLst/>
+    <dgm:txLinClrLst/>
+    <dgm:txFillClrLst meth="repeat">
+      <a:schemeClr val="dk1"/>
+    </dgm:txFillClrLst>
+    <dgm:txEffectClrLst/>
+  </dgm:styleLbl>
+  <dgm:styleLbl name="fgAccFollowNode1">
+    <dgm:fillClrLst meth="repeat">
+      <a:schemeClr val="dk2">
+        <a:alpha val="90000"/>
+        <a:tint val="40000"/>
+      </a:schemeClr>
+    </dgm:fillClrLst>
+    <dgm:linClrLst meth="repeat">
+      <a:schemeClr val="dk2">
+        <a:alpha val="90000"/>
+        <a:tint val="40000"/>
+      </a:schemeClr>
+    </dgm:linClrLst>
+    <dgm:effectClrLst/>
+    <dgm:txLinClrLst/>
+    <dgm:txFillClrLst meth="repeat">
+      <a:schemeClr val="dk1"/>
+    </dgm:txFillClrLst>
+    <dgm:txEffectClrLst/>
+  </dgm:styleLbl>
+  <dgm:styleLbl name="alignAccFollowNode1">
+    <dgm:fillClrLst meth="repeat">
+      <a:schemeClr val="dk2">
+        <a:alpha val="90000"/>
+        <a:tint val="40000"/>
+      </a:schemeClr>
+    </dgm:fillClrLst>
+    <dgm:linClrLst meth="repeat">
+      <a:schemeClr val="dk2">
+        <a:alpha val="90000"/>
+        <a:tint val="40000"/>
+      </a:schemeClr>
+    </dgm:linClrLst>
+    <dgm:effectClrLst/>
+    <dgm:txLinClrLst/>
+    <dgm:txFillClrLst meth="repeat">
+      <a:schemeClr val="dk1"/>
+    </dgm:txFillClrLst>
+    <dgm:txEffectClrLst/>
+  </dgm:styleLbl>
+  <dgm:styleLbl name="bgAccFollowNode1">
+    <dgm:fillClrLst meth="repeat">
+      <a:schemeClr val="dk2">
+        <a:alpha val="90000"/>
+        <a:tint val="40000"/>
+      </a:schemeClr>
+    </dgm:fillClrLst>
+    <dgm:linClrLst meth="repeat">
+      <a:schemeClr val="dk2">
+        <a:alpha val="90000"/>
+        <a:tint val="40000"/>
+      </a:schemeClr>
+    </dgm:linClrLst>
+    <dgm:effectClrLst/>
+    <dgm:txLinClrLst/>
+    <dgm:txFillClrLst meth="repeat">
+      <a:schemeClr val="dk1"/>
+    </dgm:txFillClrLst>
+    <dgm:txEffectClrLst/>
+  </dgm:styleLbl>
+  <dgm:styleLbl name="fgAcc0">
+    <dgm:fillClrLst meth="repeat">
+      <a:schemeClr val="lt2">
+        <a:alpha val="90000"/>
+      </a:schemeClr>
+    </dgm:fillClrLst>
+    <dgm:linClrLst meth="repeat">
+      <a:schemeClr val="dk2"/>
+    </dgm:linClrLst>
+    <dgm:effectClrLst/>
+    <dgm:txLinClrLst/>
+    <dgm:txFillClrLst meth="repeat">
+      <a:schemeClr val="dk1"/>
+    </dgm:txFillClrLst>
+    <dgm:txEffectClrLst/>
+  </dgm:styleLbl>
+  <dgm:styleLbl name="fgAcc2">
+    <dgm:fillClrLst meth="repeat">
+      <a:schemeClr val="lt2">
+        <a:alpha val="90000"/>
+      </a:schemeClr>
+    </dgm:fillClrLst>
+    <dgm:linClrLst meth="repeat">
+      <a:schemeClr val="dk2"/>
+    </dgm:linClrLst>
+    <dgm:effectClrLst/>
+    <dgm:txLinClrLst/>
+    <dgm:txFillClrLst meth="repeat">
+      <a:schemeClr val="dk1"/>
+    </dgm:txFillClrLst>
+    <dgm:txEffectClrLst/>
+  </dgm:styleLbl>
+  <dgm:styleLbl name="fgAcc3">
+    <dgm:fillClrLst meth="repeat">
+      <a:schemeClr val="lt2">
+        <a:alpha val="90000"/>
+      </a:schemeClr>
+    </dgm:fillClrLst>
+    <dgm:linClrLst meth="repeat">
+      <a:schemeClr val="dk2"/>
+    </dgm:linClrLst>
+    <dgm:effectClrLst/>
+    <dgm:txLinClrLst/>
+    <dgm:txFillClrLst meth="repeat">
+      <a:schemeClr val="dk1"/>
+    </dgm:txFillClrLst>
+    <dgm:txEffectClrLst/>
+  </dgm:styleLbl>
+  <dgm:styleLbl name="fgAcc4">
+    <dgm:fillClrLst meth="repeat">
+      <a:schemeClr val="lt2">
+        <a:alpha val="90000"/>
+      </a:schemeClr>
+    </dgm:fillClrLst>
+    <dgm:linClrLst meth="repeat">
+      <a:schemeClr val="dk2"/>
+    </dgm:linClrLst>
+    <dgm:effectClrLst/>
+    <dgm:txLinClrLst/>
+    <dgm:txFillClrLst meth="repeat">
+      <a:schemeClr val="dk1"/>
+    </dgm:txFillClrLst>
+    <dgm:txEffectClrLst/>
+  </dgm:styleLbl>
+  <dgm:styleLbl name="bgShp">
+    <dgm:fillClrLst meth="repeat">
+      <a:schemeClr val="dk2">
+        <a:tint val="40000"/>
+      </a:schemeClr>
+    </dgm:fillClrLst>
+    <dgm:linClrLst meth="repeat">
+      <a:schemeClr val="dk2"/>
+    </dgm:linClrLst>
+    <dgm:effectClrLst/>
+    <dgm:txLinClrLst/>
+    <dgm:txFillClrLst meth="repeat">
+      <a:schemeClr val="dk1"/>
+    </dgm:txFillClrLst>
+    <dgm:txEffectClrLst/>
+  </dgm:styleLbl>
+  <dgm:styleLbl name="dkBgShp">
+    <dgm:fillClrLst meth="repeat">
+      <a:schemeClr val="dk2">
+        <a:shade val="80000"/>
+      </a:schemeClr>
+    </dgm:fillClrLst>
+    <dgm:linClrLst meth="repeat">
+      <a:schemeClr val="dk2"/>
+    </dgm:linClrLst>
+    <dgm:effectClrLst/>
+    <dgm:txLinClrLst/>
+    <dgm:txFillClrLst meth="repeat">
+      <a:schemeClr val="lt1"/>
+    </dgm:txFillClrLst>
+    <dgm:txEffectClrLst/>
+  </dgm:styleLbl>
+  <dgm:styleLbl name="trBgShp">
+    <dgm:fillClrLst meth="repeat">
+      <a:schemeClr val="dk2">
+        <a:tint val="50000"/>
+        <a:alpha val="40000"/>
+      </a:schemeClr>
+    </dgm:fillClrLst>
+    <dgm:linClrLst meth="repeat">
+      <a:schemeClr val="dk2"/>
+    </dgm:linClrLst>
+    <dgm:effectClrLst/>
+    <dgm:txLinClrLst/>
+    <dgm:txFillClrLst meth="repeat">
+      <a:schemeClr val="lt1"/>
+    </dgm:txFillClrLst>
+    <dgm:txEffectClrLst/>
+  </dgm:styleLbl>
+  <dgm:styleLbl name="fgShp">
+    <dgm:fillClrLst meth="repeat">
+      <a:schemeClr val="dk2">
+        <a:tint val="60000"/>
+      </a:schemeClr>
+    </dgm:fillClrLst>
+    <dgm:linClrLst meth="repeat">
+      <a:schemeClr val="lt2"/>
+    </dgm:linClrLst>
+    <dgm:effectClrLst/>
+    <dgm:txLinClrLst/>
+    <dgm:txFillClrLst meth="repeat">
+      <a:schemeClr val="dk1"/>
+    </dgm:txFillClrLst>
+    <dgm:txEffectClrLst/>
+  </dgm:styleLbl>
+  <dgm:styleLbl name="revTx">
+    <dgm:fillClrLst meth="repeat">
+      <a:schemeClr val="lt2">
+        <a:alpha val="0"/>
+      </a:schemeClr>
+    </dgm:fillClrLst>
+    <dgm:linClrLst meth="repeat">
+      <a:schemeClr val="dk1">
+        <a:alpha val="0"/>
+      </a:schemeClr>
+    </dgm:linClrLst>
+    <dgm:effectClrLst/>
+    <dgm:txLinClrLst/>
+    <dgm:txFillClrLst meth="repeat">
+      <a:schemeClr val="tx1"/>
+    </dgm:txFillClrLst>
+    <dgm:txEffectClrLst/>
+  </dgm:styleLbl>
+</dgm:colorsDef>
+</file>
+
+<file path=ppt/diagrams/data1.xml><?xml version="1.0" encoding="utf-8"?>
+<dgm:dataModel xmlns:dgm="http://schemas.openxmlformats.org/drawingml/2006/diagram" xmlns:a="http://schemas.openxmlformats.org/drawingml/2006/main">
+  <dgm:ptLst>
+    <dgm:pt modelId="{C187BC67-A1B9-476A-A11E-207513679BBF}" type="doc">
+      <dgm:prSet loTypeId="urn:microsoft.com/office/officeart/2005/8/layout/list1" loCatId="list" qsTypeId="urn:microsoft.com/office/officeart/2005/8/quickstyle/simple1" qsCatId="simple" csTypeId="urn:microsoft.com/office/officeart/2005/8/colors/accent0_3" csCatId="mainScheme"/>
+      <dgm:spPr/>
+      <dgm:t>
+        <a:bodyPr/>
+        <a:lstStyle/>
+        <a:p>
+          <a:endParaRPr lang="en-US"/>
+        </a:p>
+      </dgm:t>
+    </dgm:pt>
+    <dgm:pt modelId="{89C9F7FB-D51E-40E9-A67B-6C39C4B1A7BD}">
+      <dgm:prSet/>
+      <dgm:spPr/>
+      <dgm:t>
+        <a:bodyPr/>
+        <a:lstStyle/>
+        <a:p>
+          <a:r>
+            <a:rPr lang="en-US"/>
+            <a:t>Achievements:</a:t>
+          </a:r>
+        </a:p>
+      </dgm:t>
+    </dgm:pt>
+    <dgm:pt modelId="{D0DDFF51-AA25-47B1-9A37-9E05CB7FD600}" type="parTrans" cxnId="{49436C28-82FE-4FD7-A360-FDA212F713C8}">
+      <dgm:prSet/>
+      <dgm:spPr/>
+      <dgm:t>
+        <a:bodyPr/>
+        <a:lstStyle/>
+        <a:p>
+          <a:endParaRPr lang="en-US"/>
+        </a:p>
+      </dgm:t>
+    </dgm:pt>
+    <dgm:pt modelId="{43BEB21E-F7B2-4340-80F9-A826D74703AF}" type="sibTrans" cxnId="{49436C28-82FE-4FD7-A360-FDA212F713C8}">
+      <dgm:prSet/>
+      <dgm:spPr/>
+      <dgm:t>
+        <a:bodyPr/>
+        <a:lstStyle/>
+        <a:p>
+          <a:endParaRPr lang="en-US"/>
+        </a:p>
+      </dgm:t>
+    </dgm:pt>
+    <dgm:pt modelId="{F6E0E512-808F-45B2-A92C-76868B7833F0}">
+      <dgm:prSet/>
+      <dgm:spPr/>
+      <dgm:t>
+        <a:bodyPr/>
+        <a:lstStyle/>
+        <a:p>
+          <a:r>
+            <a:rPr lang="en-US"/>
+            <a:t>Objective Achieved: The project successfully met its goal of detecting fraudulent transactions with at least 95% accuracy using the XGBoost model.</a:t>
+          </a:r>
+        </a:p>
+      </dgm:t>
+    </dgm:pt>
+    <dgm:pt modelId="{A28FCC21-1DAC-4FFA-8F3F-EEE5BB4B91DE}" type="parTrans" cxnId="{2CE2C237-93FE-4865-821A-66318940530B}">
+      <dgm:prSet/>
+      <dgm:spPr/>
+      <dgm:t>
+        <a:bodyPr/>
+        <a:lstStyle/>
+        <a:p>
+          <a:endParaRPr lang="en-US"/>
+        </a:p>
+      </dgm:t>
+    </dgm:pt>
+    <dgm:pt modelId="{B482186F-2E13-409C-B42E-B8020C79959E}" type="sibTrans" cxnId="{2CE2C237-93FE-4865-821A-66318940530B}">
+      <dgm:prSet/>
+      <dgm:spPr/>
+      <dgm:t>
+        <a:bodyPr/>
+        <a:lstStyle/>
+        <a:p>
+          <a:endParaRPr lang="en-US"/>
+        </a:p>
+      </dgm:t>
+    </dgm:pt>
+    <dgm:pt modelId="{1A043F17-5485-4E44-B681-BF609E2FCD3B}">
+      <dgm:prSet/>
+      <dgm:spPr/>
+      <dgm:t>
+        <a:bodyPr/>
+        <a:lstStyle/>
+        <a:p>
+          <a:r>
+            <a:rPr lang="en-US"/>
+            <a:t>Impactful Data Handling: Comprehensive data cleaning and feature engineering laid a solid foundation for effective modeling, demonstrating the critical role of detailed transaction data in fraud detection.</a:t>
+          </a:r>
+        </a:p>
+      </dgm:t>
+    </dgm:pt>
+    <dgm:pt modelId="{1665C21F-4F77-43A1-817B-90C96C7C4FA4}" type="parTrans" cxnId="{23047DC5-43BA-4BF8-BAA0-E6EC1593C6B3}">
+      <dgm:prSet/>
+      <dgm:spPr/>
+      <dgm:t>
+        <a:bodyPr/>
+        <a:lstStyle/>
+        <a:p>
+          <a:endParaRPr lang="en-US"/>
+        </a:p>
+      </dgm:t>
+    </dgm:pt>
+    <dgm:pt modelId="{F26BCD70-3D59-45C2-9726-225732D3AD2A}" type="sibTrans" cxnId="{23047DC5-43BA-4BF8-BAA0-E6EC1593C6B3}">
+      <dgm:prSet/>
+      <dgm:spPr/>
+      <dgm:t>
+        <a:bodyPr/>
+        <a:lstStyle/>
+        <a:p>
+          <a:endParaRPr lang="en-US"/>
+        </a:p>
+      </dgm:t>
+    </dgm:pt>
+    <dgm:pt modelId="{45137145-B3C1-4687-93FA-0E913802F243}">
+      <dgm:prSet/>
+      <dgm:spPr/>
+      <dgm:t>
+        <a:bodyPr/>
+        <a:lstStyle/>
+        <a:p>
+          <a:r>
+            <a:rPr lang="en-US"/>
+            <a:t>Strategic Feature Selection: A structured approach to feature selection ensured the model's high accuracy, proving the importance of choosing the right features.</a:t>
+          </a:r>
+        </a:p>
+      </dgm:t>
+    </dgm:pt>
+    <dgm:pt modelId="{FD56F52E-E807-403C-97C2-EC63ECC61177}" type="parTrans" cxnId="{2F4F7B01-0F71-46A9-8D75-43FC9A2AC026}">
+      <dgm:prSet/>
+      <dgm:spPr/>
+      <dgm:t>
+        <a:bodyPr/>
+        <a:lstStyle/>
+        <a:p>
+          <a:endParaRPr lang="en-US"/>
+        </a:p>
+      </dgm:t>
+    </dgm:pt>
+    <dgm:pt modelId="{86E64352-CE79-42AF-A17A-3B6C6F614CA0}" type="sibTrans" cxnId="{2F4F7B01-0F71-46A9-8D75-43FC9A2AC026}">
+      <dgm:prSet/>
+      <dgm:spPr/>
+      <dgm:t>
+        <a:bodyPr/>
+        <a:lstStyle/>
+        <a:p>
+          <a:endParaRPr lang="en-US"/>
+        </a:p>
+      </dgm:t>
+    </dgm:pt>
+    <dgm:pt modelId="{69FA459F-A001-4AFA-AE59-997FCEE39B0E}">
+      <dgm:prSet/>
+      <dgm:spPr/>
+      <dgm:t>
+        <a:bodyPr/>
+        <a:lstStyle/>
+        <a:p>
+          <a:r>
+            <a:rPr lang="en-US" dirty="0"/>
+            <a:t>Future Outlook:</a:t>
+          </a:r>
+        </a:p>
+      </dgm:t>
+    </dgm:pt>
+    <dgm:pt modelId="{C37DF819-3D67-43D9-9516-1C5D011CB43F}" type="parTrans" cxnId="{72C76056-0003-46FA-BE7A-7E3895239B86}">
+      <dgm:prSet/>
+      <dgm:spPr/>
+      <dgm:t>
+        <a:bodyPr/>
+        <a:lstStyle/>
+        <a:p>
+          <a:endParaRPr lang="en-US"/>
+        </a:p>
+      </dgm:t>
+    </dgm:pt>
+    <dgm:pt modelId="{3C1514DB-65CE-415D-898D-CAC29952F2B6}" type="sibTrans" cxnId="{72C76056-0003-46FA-BE7A-7E3895239B86}">
+      <dgm:prSet/>
+      <dgm:spPr/>
+      <dgm:t>
+        <a:bodyPr/>
+        <a:lstStyle/>
+        <a:p>
+          <a:endParaRPr lang="en-US"/>
+        </a:p>
+      </dgm:t>
+    </dgm:pt>
+    <dgm:pt modelId="{E53268CD-BDD4-46A9-8892-75ACC261B574}">
+      <dgm:prSet/>
+      <dgm:spPr/>
+      <dgm:t>
+        <a:bodyPr/>
+        <a:lstStyle/>
+        <a:p>
+          <a:r>
+            <a:rPr lang="en-US"/>
+            <a:t>Commitment to Excellence: We remain dedicated to enhancing our fraud detection capabilities, continuing to invest in technology and processes that protect our customers and business.</a:t>
+          </a:r>
+        </a:p>
+      </dgm:t>
+    </dgm:pt>
+    <dgm:pt modelId="{CCE4DBA3-4F40-4B78-AC22-23B30CA6480F}" type="parTrans" cxnId="{28F98EE1-0441-4E00-831A-F51B3E0E69ED}">
+      <dgm:prSet/>
+      <dgm:spPr/>
+      <dgm:t>
+        <a:bodyPr/>
+        <a:lstStyle/>
+        <a:p>
+          <a:endParaRPr lang="en-US"/>
+        </a:p>
+      </dgm:t>
+    </dgm:pt>
+    <dgm:pt modelId="{592CF26D-33C2-4A42-BEA0-E2BC73AA2EF8}" type="sibTrans" cxnId="{28F98EE1-0441-4E00-831A-F51B3E0E69ED}">
+      <dgm:prSet/>
+      <dgm:spPr/>
+      <dgm:t>
+        <a:bodyPr/>
+        <a:lstStyle/>
+        <a:p>
+          <a:endParaRPr lang="en-US"/>
+        </a:p>
+      </dgm:t>
+    </dgm:pt>
+    <dgm:pt modelId="{4A398102-6ABF-45B0-9D61-52705E85A0D2}">
+      <dgm:prSet/>
+      <dgm:spPr/>
+      <dgm:t>
+        <a:bodyPr/>
+        <a:lstStyle/>
+        <a:p>
+          <a:r>
+            <a:rPr lang="en-US"/>
+            <a:t>Adaptive and Responsive: The project will continue to evolve in response to new fraud tactics and changing market conditions, ensuring it remains at the forefront of fraud detection technology.</a:t>
+          </a:r>
+        </a:p>
+      </dgm:t>
+    </dgm:pt>
+    <dgm:pt modelId="{7518D1AC-4663-43B4-A6B0-C4CEC1217475}" type="parTrans" cxnId="{37897971-27D2-42A3-ADB8-D37C3FF42EC0}">
+      <dgm:prSet/>
+      <dgm:spPr/>
+      <dgm:t>
+        <a:bodyPr/>
+        <a:lstStyle/>
+        <a:p>
+          <a:endParaRPr lang="en-US"/>
+        </a:p>
+      </dgm:t>
+    </dgm:pt>
+    <dgm:pt modelId="{DD9D50D8-1668-413A-97D2-E36649FEE0FA}" type="sibTrans" cxnId="{37897971-27D2-42A3-ADB8-D37C3FF42EC0}">
+      <dgm:prSet/>
+      <dgm:spPr/>
+      <dgm:t>
+        <a:bodyPr/>
+        <a:lstStyle/>
+        <a:p>
+          <a:endParaRPr lang="en-US"/>
+        </a:p>
+      </dgm:t>
+    </dgm:pt>
+    <dgm:pt modelId="{228BB738-3FD2-436E-9E3C-5E2F96E0E094}" type="pres">
+      <dgm:prSet presAssocID="{C187BC67-A1B9-476A-A11E-207513679BBF}" presName="linear" presStyleCnt="0">
+        <dgm:presLayoutVars>
+          <dgm:dir/>
+          <dgm:animLvl val="lvl"/>
+          <dgm:resizeHandles val="exact"/>
+        </dgm:presLayoutVars>
+      </dgm:prSet>
+      <dgm:spPr/>
+    </dgm:pt>
+    <dgm:pt modelId="{E78935C5-42AA-4D3F-B773-6ED4583ACCBD}" type="pres">
+      <dgm:prSet presAssocID="{89C9F7FB-D51E-40E9-A67B-6C39C4B1A7BD}" presName="parentLin" presStyleCnt="0"/>
+      <dgm:spPr/>
+    </dgm:pt>
+    <dgm:pt modelId="{EB9B238D-B629-4BD0-8EFB-F6531B4D5FE2}" type="pres">
+      <dgm:prSet presAssocID="{89C9F7FB-D51E-40E9-A67B-6C39C4B1A7BD}" presName="parentLeftMargin" presStyleLbl="node1" presStyleIdx="0" presStyleCnt="2"/>
+      <dgm:spPr/>
+    </dgm:pt>
+    <dgm:pt modelId="{D1207E61-FA48-4F07-8841-1F1DBF4394FC}" type="pres">
+      <dgm:prSet presAssocID="{89C9F7FB-D51E-40E9-A67B-6C39C4B1A7BD}" presName="parentText" presStyleLbl="node1" presStyleIdx="0" presStyleCnt="2">
+        <dgm:presLayoutVars>
+          <dgm:chMax val="0"/>
+          <dgm:bulletEnabled val="1"/>
+        </dgm:presLayoutVars>
+      </dgm:prSet>
+      <dgm:spPr/>
+    </dgm:pt>
+    <dgm:pt modelId="{367AAD4E-3BA0-4955-9800-25FCF307BA59}" type="pres">
+      <dgm:prSet presAssocID="{89C9F7FB-D51E-40E9-A67B-6C39C4B1A7BD}" presName="negativeSpace" presStyleCnt="0"/>
+      <dgm:spPr/>
+    </dgm:pt>
+    <dgm:pt modelId="{734B2871-5F13-47F5-A7CD-28714B0DAFBA}" type="pres">
+      <dgm:prSet presAssocID="{89C9F7FB-D51E-40E9-A67B-6C39C4B1A7BD}" presName="childText" presStyleLbl="conFgAcc1" presStyleIdx="0" presStyleCnt="2">
+        <dgm:presLayoutVars>
+          <dgm:bulletEnabled val="1"/>
+        </dgm:presLayoutVars>
+      </dgm:prSet>
+      <dgm:spPr/>
+    </dgm:pt>
+    <dgm:pt modelId="{5316A786-4356-4408-8982-E8F0260CB560}" type="pres">
+      <dgm:prSet presAssocID="{43BEB21E-F7B2-4340-80F9-A826D74703AF}" presName="spaceBetweenRectangles" presStyleCnt="0"/>
+      <dgm:spPr/>
+    </dgm:pt>
+    <dgm:pt modelId="{0A4A43AE-6A2D-43D8-85A5-9C2BA93DB735}" type="pres">
+      <dgm:prSet presAssocID="{69FA459F-A001-4AFA-AE59-997FCEE39B0E}" presName="parentLin" presStyleCnt="0"/>
+      <dgm:spPr/>
+    </dgm:pt>
+    <dgm:pt modelId="{BEB5CC91-F285-4B60-B187-2529EE914EDA}" type="pres">
+      <dgm:prSet presAssocID="{69FA459F-A001-4AFA-AE59-997FCEE39B0E}" presName="parentLeftMargin" presStyleLbl="node1" presStyleIdx="0" presStyleCnt="2"/>
+      <dgm:spPr/>
+    </dgm:pt>
+    <dgm:pt modelId="{9406CB98-3968-478E-9CC0-5460D31827B0}" type="pres">
+      <dgm:prSet presAssocID="{69FA459F-A001-4AFA-AE59-997FCEE39B0E}" presName="parentText" presStyleLbl="node1" presStyleIdx="1" presStyleCnt="2">
+        <dgm:presLayoutVars>
+          <dgm:chMax val="0"/>
+          <dgm:bulletEnabled val="1"/>
+        </dgm:presLayoutVars>
+      </dgm:prSet>
+      <dgm:spPr/>
+    </dgm:pt>
+    <dgm:pt modelId="{7B425D6D-2912-4912-AD9C-DA9870E46F57}" type="pres">
+      <dgm:prSet presAssocID="{69FA459F-A001-4AFA-AE59-997FCEE39B0E}" presName="negativeSpace" presStyleCnt="0"/>
+      <dgm:spPr/>
+    </dgm:pt>
+    <dgm:pt modelId="{3D390946-AC08-4DB4-B1B9-E40744FC5208}" type="pres">
+      <dgm:prSet presAssocID="{69FA459F-A001-4AFA-AE59-997FCEE39B0E}" presName="childText" presStyleLbl="conFgAcc1" presStyleIdx="1" presStyleCnt="2">
+        <dgm:presLayoutVars>
+          <dgm:bulletEnabled val="1"/>
+        </dgm:presLayoutVars>
+      </dgm:prSet>
+      <dgm:spPr/>
+    </dgm:pt>
+  </dgm:ptLst>
+  <dgm:cxnLst>
+    <dgm:cxn modelId="{2F4F7B01-0F71-46A9-8D75-43FC9A2AC026}" srcId="{89C9F7FB-D51E-40E9-A67B-6C39C4B1A7BD}" destId="{45137145-B3C1-4687-93FA-0E913802F243}" srcOrd="2" destOrd="0" parTransId="{FD56F52E-E807-403C-97C2-EC63ECC61177}" sibTransId="{86E64352-CE79-42AF-A17A-3B6C6F614CA0}"/>
+    <dgm:cxn modelId="{D99B1402-EC9D-464C-B98B-7FE1D8056DA4}" type="presOf" srcId="{45137145-B3C1-4687-93FA-0E913802F243}" destId="{734B2871-5F13-47F5-A7CD-28714B0DAFBA}" srcOrd="0" destOrd="2" presId="urn:microsoft.com/office/officeart/2005/8/layout/list1"/>
+    <dgm:cxn modelId="{29649A1B-115B-4330-9C7F-269FCF34CDFB}" type="presOf" srcId="{69FA459F-A001-4AFA-AE59-997FCEE39B0E}" destId="{BEB5CC91-F285-4B60-B187-2529EE914EDA}" srcOrd="0" destOrd="0" presId="urn:microsoft.com/office/officeart/2005/8/layout/list1"/>
+    <dgm:cxn modelId="{49436C28-82FE-4FD7-A360-FDA212F713C8}" srcId="{C187BC67-A1B9-476A-A11E-207513679BBF}" destId="{89C9F7FB-D51E-40E9-A67B-6C39C4B1A7BD}" srcOrd="0" destOrd="0" parTransId="{D0DDFF51-AA25-47B1-9A37-9E05CB7FD600}" sibTransId="{43BEB21E-F7B2-4340-80F9-A826D74703AF}"/>
+    <dgm:cxn modelId="{D4A7E428-65D9-45A2-B38B-707DAEDB15D2}" type="presOf" srcId="{C187BC67-A1B9-476A-A11E-207513679BBF}" destId="{228BB738-3FD2-436E-9E3C-5E2F96E0E094}" srcOrd="0" destOrd="0" presId="urn:microsoft.com/office/officeart/2005/8/layout/list1"/>
+    <dgm:cxn modelId="{6C03AD29-FFCF-4A7D-942C-A241B98C99CD}" type="presOf" srcId="{F6E0E512-808F-45B2-A92C-76868B7833F0}" destId="{734B2871-5F13-47F5-A7CD-28714B0DAFBA}" srcOrd="0" destOrd="0" presId="urn:microsoft.com/office/officeart/2005/8/layout/list1"/>
+    <dgm:cxn modelId="{2CE2C237-93FE-4865-821A-66318940530B}" srcId="{89C9F7FB-D51E-40E9-A67B-6C39C4B1A7BD}" destId="{F6E0E512-808F-45B2-A92C-76868B7833F0}" srcOrd="0" destOrd="0" parTransId="{A28FCC21-1DAC-4FFA-8F3F-EEE5BB4B91DE}" sibTransId="{B482186F-2E13-409C-B42E-B8020C79959E}"/>
+    <dgm:cxn modelId="{514E694A-A86F-4447-B7C4-6634018304A0}" type="presOf" srcId="{4A398102-6ABF-45B0-9D61-52705E85A0D2}" destId="{3D390946-AC08-4DB4-B1B9-E40744FC5208}" srcOrd="0" destOrd="1" presId="urn:microsoft.com/office/officeart/2005/8/layout/list1"/>
+    <dgm:cxn modelId="{F3897C6A-1883-49A3-8CC7-BF0390E00B32}" type="presOf" srcId="{E53268CD-BDD4-46A9-8892-75ACC261B574}" destId="{3D390946-AC08-4DB4-B1B9-E40744FC5208}" srcOrd="0" destOrd="0" presId="urn:microsoft.com/office/officeart/2005/8/layout/list1"/>
+    <dgm:cxn modelId="{37897971-27D2-42A3-ADB8-D37C3FF42EC0}" srcId="{69FA459F-A001-4AFA-AE59-997FCEE39B0E}" destId="{4A398102-6ABF-45B0-9D61-52705E85A0D2}" srcOrd="1" destOrd="0" parTransId="{7518D1AC-4663-43B4-A6B0-C4CEC1217475}" sibTransId="{DD9D50D8-1668-413A-97D2-E36649FEE0FA}"/>
+    <dgm:cxn modelId="{72C76056-0003-46FA-BE7A-7E3895239B86}" srcId="{C187BC67-A1B9-476A-A11E-207513679BBF}" destId="{69FA459F-A001-4AFA-AE59-997FCEE39B0E}" srcOrd="1" destOrd="0" parTransId="{C37DF819-3D67-43D9-9516-1C5D011CB43F}" sibTransId="{3C1514DB-65CE-415D-898D-CAC29952F2B6}"/>
+    <dgm:cxn modelId="{4884AEA8-DE3C-46D8-84C2-B207EA8C81E7}" type="presOf" srcId="{69FA459F-A001-4AFA-AE59-997FCEE39B0E}" destId="{9406CB98-3968-478E-9CC0-5460D31827B0}" srcOrd="1" destOrd="0" presId="urn:microsoft.com/office/officeart/2005/8/layout/list1"/>
+    <dgm:cxn modelId="{23047DC5-43BA-4BF8-BAA0-E6EC1593C6B3}" srcId="{89C9F7FB-D51E-40E9-A67B-6C39C4B1A7BD}" destId="{1A043F17-5485-4E44-B681-BF609E2FCD3B}" srcOrd="1" destOrd="0" parTransId="{1665C21F-4F77-43A1-817B-90C96C7C4FA4}" sibTransId="{F26BCD70-3D59-45C2-9726-225732D3AD2A}"/>
+    <dgm:cxn modelId="{11295DD6-F998-4941-94AC-8831C458031E}" type="presOf" srcId="{89C9F7FB-D51E-40E9-A67B-6C39C4B1A7BD}" destId="{D1207E61-FA48-4F07-8841-1F1DBF4394FC}" srcOrd="1" destOrd="0" presId="urn:microsoft.com/office/officeart/2005/8/layout/list1"/>
+    <dgm:cxn modelId="{28F98EE1-0441-4E00-831A-F51B3E0E69ED}" srcId="{69FA459F-A001-4AFA-AE59-997FCEE39B0E}" destId="{E53268CD-BDD4-46A9-8892-75ACC261B574}" srcOrd="0" destOrd="0" parTransId="{CCE4DBA3-4F40-4B78-AC22-23B30CA6480F}" sibTransId="{592CF26D-33C2-4A42-BEA0-E2BC73AA2EF8}"/>
+    <dgm:cxn modelId="{18375BED-7697-4E78-ADDF-3CA0FA0A3962}" type="presOf" srcId="{1A043F17-5485-4E44-B681-BF609E2FCD3B}" destId="{734B2871-5F13-47F5-A7CD-28714B0DAFBA}" srcOrd="0" destOrd="1" presId="urn:microsoft.com/office/officeart/2005/8/layout/list1"/>
+    <dgm:cxn modelId="{622811F3-AFAC-4AF9-B746-346BFC084D9B}" type="presOf" srcId="{89C9F7FB-D51E-40E9-A67B-6C39C4B1A7BD}" destId="{EB9B238D-B629-4BD0-8EFB-F6531B4D5FE2}" srcOrd="0" destOrd="0" presId="urn:microsoft.com/office/officeart/2005/8/layout/list1"/>
+    <dgm:cxn modelId="{3DBDA92B-E2BA-4A9A-9F90-2C7F25F65756}" type="presParOf" srcId="{228BB738-3FD2-436E-9E3C-5E2F96E0E094}" destId="{E78935C5-42AA-4D3F-B773-6ED4583ACCBD}" srcOrd="0" destOrd="0" presId="urn:microsoft.com/office/officeart/2005/8/layout/list1"/>
+    <dgm:cxn modelId="{C12038A2-9E6D-405F-BAE8-5C8777D32E0E}" type="presParOf" srcId="{E78935C5-42AA-4D3F-B773-6ED4583ACCBD}" destId="{EB9B238D-B629-4BD0-8EFB-F6531B4D5FE2}" srcOrd="0" destOrd="0" presId="urn:microsoft.com/office/officeart/2005/8/layout/list1"/>
+    <dgm:cxn modelId="{6C520568-7719-4580-9B93-2072F0803B08}" type="presParOf" srcId="{E78935C5-42AA-4D3F-B773-6ED4583ACCBD}" destId="{D1207E61-FA48-4F07-8841-1F1DBF4394FC}" srcOrd="1" destOrd="0" presId="urn:microsoft.com/office/officeart/2005/8/layout/list1"/>
+    <dgm:cxn modelId="{A706C65D-FFD1-446C-9375-E35E90D0DA7D}" type="presParOf" srcId="{228BB738-3FD2-436E-9E3C-5E2F96E0E094}" destId="{367AAD4E-3BA0-4955-9800-25FCF307BA59}" srcOrd="1" destOrd="0" presId="urn:microsoft.com/office/officeart/2005/8/layout/list1"/>
+    <dgm:cxn modelId="{B29DE108-18DC-4CE2-BA0E-A4513A21091D}" type="presParOf" srcId="{228BB738-3FD2-436E-9E3C-5E2F96E0E094}" destId="{734B2871-5F13-47F5-A7CD-28714B0DAFBA}" srcOrd="2" destOrd="0" presId="urn:microsoft.com/office/officeart/2005/8/layout/list1"/>
+    <dgm:cxn modelId="{DC8CA738-CE39-4B16-A17E-7452326BFE39}" type="presParOf" srcId="{228BB738-3FD2-436E-9E3C-5E2F96E0E094}" destId="{5316A786-4356-4408-8982-E8F0260CB560}" srcOrd="3" destOrd="0" presId="urn:microsoft.com/office/officeart/2005/8/layout/list1"/>
+    <dgm:cxn modelId="{C5507750-2B6D-4678-A399-9906245D7CE8}" type="presParOf" srcId="{228BB738-3FD2-436E-9E3C-5E2F96E0E094}" destId="{0A4A43AE-6A2D-43D8-85A5-9C2BA93DB735}" srcOrd="4" destOrd="0" presId="urn:microsoft.com/office/officeart/2005/8/layout/list1"/>
+    <dgm:cxn modelId="{6F5C584A-5BF8-4491-819B-BB0951012887}" type="presParOf" srcId="{0A4A43AE-6A2D-43D8-85A5-9C2BA93DB735}" destId="{BEB5CC91-F285-4B60-B187-2529EE914EDA}" srcOrd="0" destOrd="0" presId="urn:microsoft.com/office/officeart/2005/8/layout/list1"/>
+    <dgm:cxn modelId="{60AA6FA2-A2E1-45C5-BB51-C44F0D1F6C64}" type="presParOf" srcId="{0A4A43AE-6A2D-43D8-85A5-9C2BA93DB735}" destId="{9406CB98-3968-478E-9CC0-5460D31827B0}" srcOrd="1" destOrd="0" presId="urn:microsoft.com/office/officeart/2005/8/layout/list1"/>
+    <dgm:cxn modelId="{008010BE-7F98-4687-93D2-84E729E5B35F}" type="presParOf" srcId="{228BB738-3FD2-436E-9E3C-5E2F96E0E094}" destId="{7B425D6D-2912-4912-AD9C-DA9870E46F57}" srcOrd="5" destOrd="0" presId="urn:microsoft.com/office/officeart/2005/8/layout/list1"/>
+    <dgm:cxn modelId="{A700FDBF-F0CA-4BD3-A782-2F9C58E8428A}" type="presParOf" srcId="{228BB738-3FD2-436E-9E3C-5E2F96E0E094}" destId="{3D390946-AC08-4DB4-B1B9-E40744FC5208}" srcOrd="6" destOrd="0" presId="urn:microsoft.com/office/officeart/2005/8/layout/list1"/>
+  </dgm:cxnLst>
+  <dgm:bg/>
+  <dgm:whole/>
+  <dgm:extLst>
+    <a:ext uri="http://schemas.microsoft.com/office/drawing/2008/diagram">
+      <dsp:dataModelExt xmlns:dsp="http://schemas.microsoft.com/office/drawing/2008/diagram" relId="rId7" minVer="http://schemas.openxmlformats.org/drawingml/2006/diagram"/>
+    </a:ext>
+  </dgm:extLst>
+</dgm:dataModel>
+</file>
+
+<file path=ppt/diagrams/drawing1.xml><?xml version="1.0" encoding="utf-8"?>
+<dsp:drawing xmlns:dgm="http://schemas.openxmlformats.org/drawingml/2006/diagram" xmlns:dsp="http://schemas.microsoft.com/office/drawing/2008/diagram" xmlns:a="http://schemas.openxmlformats.org/drawingml/2006/main">
+  <dsp:spTree>
+    <dsp:nvGrpSpPr>
+      <dsp:cNvPr id="0" name=""/>
+      <dsp:cNvGrpSpPr/>
+    </dsp:nvGrpSpPr>
+    <dsp:grpSpPr/>
+    <dsp:sp modelId="{734B2871-5F13-47F5-A7CD-28714B0DAFBA}">
+      <dsp:nvSpPr>
+        <dsp:cNvPr id="0" name=""/>
+        <dsp:cNvSpPr/>
+      </dsp:nvSpPr>
+      <dsp:spPr>
+        <a:xfrm>
+          <a:off x="0" y="293850"/>
+          <a:ext cx="5401492" cy="2381400"/>
+        </a:xfrm>
+        <a:prstGeom prst="rect">
+          <a:avLst/>
+        </a:prstGeom>
+        <a:solidFill>
+          <a:schemeClr val="lt2">
+            <a:alpha val="90000"/>
+            <a:hueOff val="0"/>
+            <a:satOff val="0"/>
+            <a:lumOff val="0"/>
+            <a:alphaOff val="0"/>
+          </a:schemeClr>
+        </a:solidFill>
+        <a:ln w="12700" cap="flat" cmpd="sng" algn="ctr">
+          <a:solidFill>
+            <a:schemeClr val="dk2">
+              <a:hueOff val="0"/>
+              <a:satOff val="0"/>
+              <a:lumOff val="0"/>
+              <a:alphaOff val="0"/>
+            </a:schemeClr>
+          </a:solidFill>
+          <a:prstDash val="solid"/>
+          <a:miter lim="800000"/>
+        </a:ln>
+        <a:effectLst/>
+      </dsp:spPr>
+      <dsp:style>
+        <a:lnRef idx="2">
+          <a:scrgbClr r="0" g="0" b="0"/>
+        </a:lnRef>
+        <a:fillRef idx="1">
+          <a:scrgbClr r="0" g="0" b="0"/>
+        </a:fillRef>
+        <a:effectRef idx="0">
+          <a:scrgbClr r="0" g="0" b="0"/>
+        </a:effectRef>
+        <a:fontRef idx="minor"/>
+      </dsp:style>
+      <dsp:txBody>
+        <a:bodyPr spcFirstLastPara="0" vert="horz" wrap="square" lIns="419216" tIns="291592" rIns="419216" bIns="99568" numCol="1" spcCol="1270" anchor="t" anchorCtr="0">
+          <a:noAutofit/>
+        </a:bodyPr>
+        <a:lstStyle/>
+        <a:p>
+          <a:pPr marL="114300" lvl="1" indent="-114300" algn="l" defTabSz="622300">
+            <a:lnSpc>
+              <a:spcPct val="90000"/>
+            </a:lnSpc>
+            <a:spcBef>
+              <a:spcPct val="0"/>
+            </a:spcBef>
+            <a:spcAft>
+              <a:spcPct val="15000"/>
+            </a:spcAft>
+            <a:buChar char="•"/>
+          </a:pPr>
+          <a:r>
+            <a:rPr lang="en-US" sz="1400" kern="1200"/>
+            <a:t>Objective Achieved: The project successfully met its goal of detecting fraudulent transactions with at least 95% accuracy using the XGBoost model.</a:t>
+          </a:r>
+        </a:p>
+        <a:p>
+          <a:pPr marL="114300" lvl="1" indent="-114300" algn="l" defTabSz="622300">
+            <a:lnSpc>
+              <a:spcPct val="90000"/>
+            </a:lnSpc>
+            <a:spcBef>
+              <a:spcPct val="0"/>
+            </a:spcBef>
+            <a:spcAft>
+              <a:spcPct val="15000"/>
+            </a:spcAft>
+            <a:buChar char="•"/>
+          </a:pPr>
+          <a:r>
+            <a:rPr lang="en-US" sz="1400" kern="1200"/>
+            <a:t>Impactful Data Handling: Comprehensive data cleaning and feature engineering laid a solid foundation for effective modeling, demonstrating the critical role of detailed transaction data in fraud detection.</a:t>
+          </a:r>
+        </a:p>
+        <a:p>
+          <a:pPr marL="114300" lvl="1" indent="-114300" algn="l" defTabSz="622300">
+            <a:lnSpc>
+              <a:spcPct val="90000"/>
+            </a:lnSpc>
+            <a:spcBef>
+              <a:spcPct val="0"/>
+            </a:spcBef>
+            <a:spcAft>
+              <a:spcPct val="15000"/>
+            </a:spcAft>
+            <a:buChar char="•"/>
+          </a:pPr>
+          <a:r>
+            <a:rPr lang="en-US" sz="1400" kern="1200"/>
+            <a:t>Strategic Feature Selection: A structured approach to feature selection ensured the model's high accuracy, proving the importance of choosing the right features.</a:t>
+          </a:r>
+        </a:p>
+      </dsp:txBody>
+      <dsp:txXfrm>
+        <a:off x="0" y="293850"/>
+        <a:ext cx="5401492" cy="2381400"/>
+      </dsp:txXfrm>
+    </dsp:sp>
+    <dsp:sp modelId="{D1207E61-FA48-4F07-8841-1F1DBF4394FC}">
+      <dsp:nvSpPr>
+        <dsp:cNvPr id="0" name=""/>
+        <dsp:cNvSpPr/>
+      </dsp:nvSpPr>
+      <dsp:spPr>
+        <a:xfrm>
+          <a:off x="270074" y="87210"/>
+          <a:ext cx="3781044" cy="413280"/>
+        </a:xfrm>
+        <a:prstGeom prst="roundRect">
+          <a:avLst/>
+        </a:prstGeom>
+        <a:solidFill>
+          <a:schemeClr val="dk2">
+            <a:hueOff val="0"/>
+            <a:satOff val="0"/>
+            <a:lumOff val="0"/>
+            <a:alphaOff val="0"/>
+          </a:schemeClr>
+        </a:solidFill>
+        <a:ln w="12700" cap="flat" cmpd="sng" algn="ctr">
+          <a:solidFill>
+            <a:schemeClr val="lt2">
+              <a:hueOff val="0"/>
+              <a:satOff val="0"/>
+              <a:lumOff val="0"/>
+              <a:alphaOff val="0"/>
+            </a:schemeClr>
+          </a:solidFill>
+          <a:prstDash val="solid"/>
+          <a:miter lim="800000"/>
+        </a:ln>
+        <a:effectLst/>
+      </dsp:spPr>
+      <dsp:style>
+        <a:lnRef idx="2">
+          <a:scrgbClr r="0" g="0" b="0"/>
+        </a:lnRef>
+        <a:fillRef idx="1">
+          <a:scrgbClr r="0" g="0" b="0"/>
+        </a:fillRef>
+        <a:effectRef idx="0">
+          <a:scrgbClr r="0" g="0" b="0"/>
+        </a:effectRef>
+        <a:fontRef idx="minor">
+          <a:schemeClr val="lt1"/>
+        </a:fontRef>
+      </dsp:style>
+      <dsp:txBody>
+        <a:bodyPr spcFirstLastPara="0" vert="horz" wrap="square" lIns="142914" tIns="0" rIns="142914" bIns="0" numCol="1" spcCol="1270" anchor="ctr" anchorCtr="0">
+          <a:noAutofit/>
+        </a:bodyPr>
+        <a:lstStyle/>
+        <a:p>
+          <a:pPr marL="0" lvl="0" indent="0" algn="l" defTabSz="622300">
+            <a:lnSpc>
+              <a:spcPct val="90000"/>
+            </a:lnSpc>
+            <a:spcBef>
+              <a:spcPct val="0"/>
+            </a:spcBef>
+            <a:spcAft>
+              <a:spcPct val="35000"/>
+            </a:spcAft>
+            <a:buNone/>
+          </a:pPr>
+          <a:r>
+            <a:rPr lang="en-US" sz="1400" kern="1200"/>
+            <a:t>Achievements:</a:t>
+          </a:r>
+        </a:p>
+      </dsp:txBody>
+      <dsp:txXfrm>
+        <a:off x="290249" y="107385"/>
+        <a:ext cx="3740694" cy="372930"/>
+      </dsp:txXfrm>
+    </dsp:sp>
+    <dsp:sp modelId="{3D390946-AC08-4DB4-B1B9-E40744FC5208}">
+      <dsp:nvSpPr>
+        <dsp:cNvPr id="0" name=""/>
+        <dsp:cNvSpPr/>
+      </dsp:nvSpPr>
+      <dsp:spPr>
+        <a:xfrm>
+          <a:off x="0" y="2957490"/>
+          <a:ext cx="5401492" cy="1984500"/>
+        </a:xfrm>
+        <a:prstGeom prst="rect">
+          <a:avLst/>
+        </a:prstGeom>
+        <a:solidFill>
+          <a:schemeClr val="lt2">
+            <a:alpha val="90000"/>
+            <a:hueOff val="0"/>
+            <a:satOff val="0"/>
+            <a:lumOff val="0"/>
+            <a:alphaOff val="0"/>
+          </a:schemeClr>
+        </a:solidFill>
+        <a:ln w="12700" cap="flat" cmpd="sng" algn="ctr">
+          <a:solidFill>
+            <a:schemeClr val="dk2">
+              <a:hueOff val="0"/>
+              <a:satOff val="0"/>
+              <a:lumOff val="0"/>
+              <a:alphaOff val="0"/>
+            </a:schemeClr>
+          </a:solidFill>
+          <a:prstDash val="solid"/>
+          <a:miter lim="800000"/>
+        </a:ln>
+        <a:effectLst/>
+      </dsp:spPr>
+      <dsp:style>
+        <a:lnRef idx="2">
+          <a:scrgbClr r="0" g="0" b="0"/>
+        </a:lnRef>
+        <a:fillRef idx="1">
+          <a:scrgbClr r="0" g="0" b="0"/>
+        </a:fillRef>
+        <a:effectRef idx="0">
+          <a:scrgbClr r="0" g="0" b="0"/>
+        </a:effectRef>
+        <a:fontRef idx="minor"/>
+      </dsp:style>
+      <dsp:txBody>
+        <a:bodyPr spcFirstLastPara="0" vert="horz" wrap="square" lIns="419216" tIns="291592" rIns="419216" bIns="99568" numCol="1" spcCol="1270" anchor="t" anchorCtr="0">
+          <a:noAutofit/>
+        </a:bodyPr>
+        <a:lstStyle/>
+        <a:p>
+          <a:pPr marL="114300" lvl="1" indent="-114300" algn="l" defTabSz="622300">
+            <a:lnSpc>
+              <a:spcPct val="90000"/>
+            </a:lnSpc>
+            <a:spcBef>
+              <a:spcPct val="0"/>
+            </a:spcBef>
+            <a:spcAft>
+              <a:spcPct val="15000"/>
+            </a:spcAft>
+            <a:buChar char="•"/>
+          </a:pPr>
+          <a:r>
+            <a:rPr lang="en-US" sz="1400" kern="1200"/>
+            <a:t>Commitment to Excellence: We remain dedicated to enhancing our fraud detection capabilities, continuing to invest in technology and processes that protect our customers and business.</a:t>
+          </a:r>
+        </a:p>
+        <a:p>
+          <a:pPr marL="114300" lvl="1" indent="-114300" algn="l" defTabSz="622300">
+            <a:lnSpc>
+              <a:spcPct val="90000"/>
+            </a:lnSpc>
+            <a:spcBef>
+              <a:spcPct val="0"/>
+            </a:spcBef>
+            <a:spcAft>
+              <a:spcPct val="15000"/>
+            </a:spcAft>
+            <a:buChar char="•"/>
+          </a:pPr>
+          <a:r>
+            <a:rPr lang="en-US" sz="1400" kern="1200"/>
+            <a:t>Adaptive and Responsive: The project will continue to evolve in response to new fraud tactics and changing market conditions, ensuring it remains at the forefront of fraud detection technology.</a:t>
+          </a:r>
+        </a:p>
+      </dsp:txBody>
+      <dsp:txXfrm>
+        <a:off x="0" y="2957490"/>
+        <a:ext cx="5401492" cy="1984500"/>
+      </dsp:txXfrm>
+    </dsp:sp>
+    <dsp:sp modelId="{9406CB98-3968-478E-9CC0-5460D31827B0}">
+      <dsp:nvSpPr>
+        <dsp:cNvPr id="0" name=""/>
+        <dsp:cNvSpPr/>
+      </dsp:nvSpPr>
+      <dsp:spPr>
+        <a:xfrm>
+          <a:off x="270074" y="2750850"/>
+          <a:ext cx="3781044" cy="413280"/>
+        </a:xfrm>
+        <a:prstGeom prst="roundRect">
+          <a:avLst/>
+        </a:prstGeom>
+        <a:solidFill>
+          <a:schemeClr val="dk2">
+            <a:hueOff val="0"/>
+            <a:satOff val="0"/>
+            <a:lumOff val="0"/>
+            <a:alphaOff val="0"/>
+          </a:schemeClr>
+        </a:solidFill>
+        <a:ln w="12700" cap="flat" cmpd="sng" algn="ctr">
+          <a:solidFill>
+            <a:schemeClr val="lt2">
+              <a:hueOff val="0"/>
+              <a:satOff val="0"/>
+              <a:lumOff val="0"/>
+              <a:alphaOff val="0"/>
+            </a:schemeClr>
+          </a:solidFill>
+          <a:prstDash val="solid"/>
+          <a:miter lim="800000"/>
+        </a:ln>
+        <a:effectLst/>
+      </dsp:spPr>
+      <dsp:style>
+        <a:lnRef idx="2">
+          <a:scrgbClr r="0" g="0" b="0"/>
+        </a:lnRef>
+        <a:fillRef idx="1">
+          <a:scrgbClr r="0" g="0" b="0"/>
+        </a:fillRef>
+        <a:effectRef idx="0">
+          <a:scrgbClr r="0" g="0" b="0"/>
+        </a:effectRef>
+        <a:fontRef idx="minor">
+          <a:schemeClr val="lt1"/>
+        </a:fontRef>
+      </dsp:style>
+      <dsp:txBody>
+        <a:bodyPr spcFirstLastPara="0" vert="horz" wrap="square" lIns="142914" tIns="0" rIns="142914" bIns="0" numCol="1" spcCol="1270" anchor="ctr" anchorCtr="0">
+          <a:noAutofit/>
+        </a:bodyPr>
+        <a:lstStyle/>
+        <a:p>
+          <a:pPr marL="0" lvl="0" indent="0" algn="l" defTabSz="622300">
+            <a:lnSpc>
+              <a:spcPct val="90000"/>
+            </a:lnSpc>
+            <a:spcBef>
+              <a:spcPct val="0"/>
+            </a:spcBef>
+            <a:spcAft>
+              <a:spcPct val="35000"/>
+            </a:spcAft>
+            <a:buNone/>
+          </a:pPr>
+          <a:r>
+            <a:rPr lang="en-US" sz="1400" kern="1200" dirty="0"/>
+            <a:t>Future Outlook:</a:t>
+          </a:r>
+        </a:p>
+      </dsp:txBody>
+      <dsp:txXfrm>
+        <a:off x="290249" y="2771025"/>
+        <a:ext cx="3740694" cy="372930"/>
+      </dsp:txXfrm>
+    </dsp:sp>
+  </dsp:spTree>
+</dsp:drawing>
+</file>
+
+<file path=ppt/diagrams/layout1.xml><?xml version="1.0" encoding="utf-8"?>
+<dgm:layoutDef xmlns:dgm="http://schemas.openxmlformats.org/drawingml/2006/diagram" xmlns:a="http://schemas.openxmlformats.org/drawingml/2006/main" uniqueId="urn:microsoft.com/office/officeart/2005/8/layout/list1">
+  <dgm:title val=""/>
+  <dgm:desc val=""/>
+  <dgm:catLst>
+    <dgm:cat type="list" pri="4000"/>
+  </dgm:catLst>
+  <dgm:sampData>
+    <dgm:dataModel>
+      <dgm:ptLst>
+        <dgm:pt modelId="0" type="doc"/>
+        <dgm:pt modelId="1">
+          <dgm:prSet phldr="1"/>
+        </dgm:pt>
+        <dgm:pt modelId="2">
+          <dgm:prSet phldr="1"/>
+        </dgm:pt>
+        <dgm:pt modelId="3">
+          <dgm:prSet phldr="1"/>
+        </dgm:pt>
+      </dgm:ptLst>
+      <dgm:cxnLst>
+        <dgm:cxn modelId="4" srcId="0" destId="1" srcOrd="0" destOrd="0"/>
+        <dgm:cxn modelId="5" srcId="0" destId="2" srcOrd="1" destOrd="0"/>
+        <dgm:cxn modelId="6" srcId="0" destId="3" srcOrd="2" destOrd="0"/>
+      </dgm:cxnLst>
+      <dgm:bg/>
+      <dgm:whole/>
+    </dgm:dataModel>
+  </dgm:sampData>
+  <dgm:styleData>
+    <dgm:dataModel>
+      <dgm:ptLst>
+        <dgm:pt modelId="0" type="doc"/>
+        <dgm:pt modelId="1"/>
+        <dgm:pt modelId="2"/>
+      </dgm:ptLst>
+      <dgm:cxnLst>
+        <dgm:cxn modelId="4" srcId="0" destId="1" srcOrd="0" destOrd="0"/>
+        <dgm:cxn modelId="5" srcId="0" destId="2" srcOrd="1" destOrd="0"/>
+      </dgm:cxnLst>
+      <dgm:bg/>
+      <dgm:whole/>
+    </dgm:dataModel>
+  </dgm:styleData>
+  <dgm:clrData>
+    <dgm:dataModel>
+      <dgm:ptLst>
+        <dgm:pt modelId="0" type="doc"/>
+        <dgm:pt modelId="1"/>
+        <dgm:pt modelId="2"/>
+        <dgm:pt modelId="3"/>
+        <dgm:pt modelId="4"/>
+      </dgm:ptLst>
+      <dgm:cxnLst>
+        <dgm:cxn modelId="5" srcId="0" destId="1" srcOrd="0" destOrd="0"/>
+        <dgm:cxn modelId="6" srcId="0" destId="2" srcOrd="1" destOrd="0"/>
+        <dgm:cxn modelId="7" srcId="0" destId="3" srcOrd="2" destOrd="0"/>
+        <dgm:cxn modelId="8" srcId="0" destId="4" srcOrd="3" destOrd="0"/>
+      </dgm:cxnLst>
+      <dgm:bg/>
+      <dgm:whole/>
+    </dgm:dataModel>
+  </dgm:clrData>
+  <dgm:layoutNode name="linear">
+    <dgm:varLst>
+      <dgm:dir/>
+      <dgm:animLvl val="lvl"/>
+      <dgm:resizeHandles val="exact"/>
+    </dgm:varLst>
+    <dgm:choose name="Name0">
+      <dgm:if name="Name1" func="var" arg="dir" op="equ" val="norm">
+        <dgm:alg type="lin">
+          <dgm:param type="linDir" val="fromT"/>
+          <dgm:param type="vertAlign" val="mid"/>
+          <dgm:param type="horzAlign" val="l"/>
+          <dgm:param type="nodeHorzAlign" val="l"/>
+        </dgm:alg>
+      </dgm:if>
+      <dgm:else name="Name2">
+        <dgm:alg type="lin">
+          <dgm:param type="linDir" val="fromT"/>
+          <dgm:param type="vertAlign" val="mid"/>
+          <dgm:param type="horzAlign" val="r"/>
+          <dgm:param type="nodeHorzAlign" val="r"/>
+        </dgm:alg>
+      </dgm:else>
+    </dgm:choose>
+    <dgm:shape xmlns:r="http://schemas.openxmlformats.org/officeDocument/2006/relationships" r:blip="">
+      <dgm:adjLst/>
+    </dgm:shape>
+    <dgm:presOf/>
+    <dgm:constrLst>
+      <dgm:constr type="w" for="ch" forName="parentLin" refType="w"/>
+      <dgm:constr type="h" for="ch" forName="parentLin" val="INF"/>
+      <dgm:constr type="w" for="des" forName="parentLeftMargin" refType="w" fact="0.05"/>
+      <dgm:constr type="w" for="des" forName="parentText" refType="w" fact="0.7"/>
+      <dgm:constr type="h" for="des" forName="parentText" refType="primFontSz" refFor="des" refForName="parentText" fact="0.82"/>
+      <dgm:constr type="h" for="ch" forName="negativeSpace" refType="primFontSz" refFor="des" refForName="parentText" fact="-0.41"/>
+      <dgm:constr type="h" for="ch" forName="negativeSpace" refType="h" refFor="des" refForName="parentText" op="lte" fact="-0.82"/>
+      <dgm:constr type="h" for="ch" forName="negativeSpace" refType="h" refFor="des" refForName="parentText" op="gte" fact="-0.82"/>
+      <dgm:constr type="w" for="ch" forName="childText" refType="w"/>
+      <dgm:constr type="h" for="ch" forName="childText" refType="primFontSz" refFor="des" refForName="parentText" fact="0.7"/>
+      <dgm:constr type="primFontSz" for="des" forName="parentText" val="65"/>
+      <dgm:constr type="primFontSz" for="ch" forName="childText" refType="primFontSz" refFor="des" refForName="parentText"/>
+      <dgm:constr type="tMarg" for="ch" forName="childText" refType="primFontSz" refFor="des" refForName="parentText" fact="1.64"/>
+      <dgm:constr type="tMarg" for="ch" forName="childText" refType="h" refFor="des" refForName="parentText" op="lte" fact="3.28"/>
+      <dgm:constr type="tMarg" for="ch" forName="childText" refType="h" refFor="des" refForName="parentText" op="gte" fact="3.28"/>
+      <dgm:constr type="lMarg" for="ch" forName="childText" refType="w" fact="0.22"/>
+      <dgm:constr type="rMarg" for="ch" forName="childText" refType="lMarg" refFor="ch" refForName="childText"/>
+      <dgm:constr type="lMarg" for="des" forName="parentText" refType="w" fact="0.075"/>
+      <dgm:constr type="rMarg" for="des" forName="parentText" refType="lMarg" refFor="des" refForName="parentText"/>
+      <dgm:constr type="h" for="ch" forName="spaceBetweenRectangles" refType="primFontSz" refFor="des" refForName="parentText" fact="0.15"/>
+    </dgm:constrLst>
+    <dgm:ruleLst>
+      <dgm:rule type="primFontSz" for="des" forName="parentText" val="5" fact="NaN" max="NaN"/>
+    </dgm:ruleLst>
+    <dgm:forEach name="Name3" axis="ch" ptType="node">
+      <dgm:layoutNode name="parentLin">
+        <dgm:choose name="Name4">
+          <dgm:if name="Name5" func="var" arg="dir" op="equ" val="norm">
+            <dgm:alg type="lin">
+              <dgm:param type="linDir" val="fromL"/>
+              <dgm:param type="horzAlign" val="l"/>
+              <dgm:param type="nodeHorzAlign" val="l"/>
+            </dgm:alg>
+          </dgm:if>
+          <dgm:else name="Name6">
+            <dgm:alg type="lin">
+              <dgm:param type="linDir" val="fromR"/>
+              <dgm:param type="horzAlign" val="r"/>
+              <dgm:param type="nodeHorzAlign" val="r"/>
+            </dgm:alg>
+          </dgm:else>
+        </dgm:choose>
+        <dgm:shape xmlns:r="http://schemas.openxmlformats.org/officeDocument/2006/relationships" r:blip="">
+          <dgm:adjLst/>
+        </dgm:shape>
+        <dgm:presOf/>
+        <dgm:constrLst/>
+        <dgm:ruleLst/>
+        <dgm:layoutNode name="parentLeftMargin">
+          <dgm:alg type="sp"/>
+          <dgm:shape xmlns:r="http://schemas.openxmlformats.org/officeDocument/2006/relationships" type="rect" r:blip="" hideGeom="1">
+            <dgm:adjLst/>
+          </dgm:shape>
+          <dgm:presOf axis="self"/>
+          <dgm:constrLst>
+            <dgm:constr type="h"/>
+          </dgm:constrLst>
+          <dgm:ruleLst/>
+        </dgm:layoutNode>
+        <dgm:layoutNode name="parentText" styleLbl="node1">
+          <dgm:varLst>
+            <dgm:chMax val="0"/>
+            <dgm:bulletEnabled val="1"/>
+          </dgm:varLst>
+          <dgm:choose name="Name7">
+            <dgm:if name="Name8" func="var" arg="dir" op="equ" val="norm">
+              <dgm:alg type="tx">
+                <dgm:param type="parTxLTRAlign" val="l"/>
+                <dgm:param type="parTxRTLAlign" val="l"/>
+              </dgm:alg>
+            </dgm:if>
+            <dgm:else name="Name9">
+              <dgm:alg type="tx">
+                <dgm:param type="parTxLTRAlign" val="r"/>
+                <dgm:param type="parTxRTLAlign" val="r"/>
+              </dgm:alg>
+            </dgm:else>
+          </dgm:choose>
+          <dgm:shape xmlns:r="http://schemas.openxmlformats.org/officeDocument/2006/relationships" type="roundRect" r:blip="">
+            <dgm:adjLst/>
+          </dgm:shape>
+          <dgm:presOf axis="self" ptType="node"/>
+          <dgm:constrLst>
+            <dgm:constr type="tMarg"/>
+            <dgm:constr type="bMarg"/>
+          </dgm:constrLst>
+          <dgm:ruleLst/>
+        </dgm:layoutNode>
+      </dgm:layoutNode>
+      <dgm:layoutNode name="negativeSpace">
+        <dgm:alg type="sp"/>
+        <dgm:shape xmlns:r="http://schemas.openxmlformats.org/officeDocument/2006/relationships" r:blip="">
+          <dgm:adjLst/>
+        </dgm:shape>
+        <dgm:presOf/>
+        <dgm:constrLst/>
+        <dgm:ruleLst/>
+      </dgm:layoutNode>
+      <dgm:layoutNode name="childText" styleLbl="conFgAcc1">
+        <dgm:varLst>
+          <dgm:bulletEnabled val="1"/>
+        </dgm:varLst>
+        <dgm:alg type="tx">
+          <dgm:param type="stBulletLvl" val="1"/>
+        </dgm:alg>
+        <dgm:shape xmlns:r="http://schemas.openxmlformats.org/officeDocument/2006/relationships" type="rect" r:blip="" zOrderOff="-2">
+          <dgm:adjLst/>
+        </dgm:shape>
+        <dgm:presOf axis="des" ptType="node"/>
+        <dgm:constrLst>
+          <dgm:constr type="secFontSz" refType="primFontSz"/>
+        </dgm:constrLst>
+        <dgm:ruleLst>
+          <dgm:rule type="h" val="INF" fact="NaN" max="NaN"/>
+        </dgm:ruleLst>
+      </dgm:layoutNode>
+      <dgm:forEach name="Name10" axis="followSib" ptType="sibTrans" cnt="1">
+        <dgm:layoutNode name="spaceBetweenRectangles">
+          <dgm:alg type="sp"/>
+          <dgm:shape xmlns:r="http://schemas.openxmlformats.org/officeDocument/2006/relationships" r:blip="">
+            <dgm:adjLst/>
+          </dgm:shape>
+          <dgm:presOf/>
+          <dgm:constrLst/>
+          <dgm:ruleLst/>
+        </dgm:layoutNode>
+      </dgm:forEach>
+    </dgm:forEach>
+  </dgm:layoutNode>
+</dgm:layoutDef>
+</file>
+
+<file path=ppt/diagrams/quickStyle1.xml><?xml version="1.0" encoding="utf-8"?>
+<dgm:styleDef xmlns:dgm="http://schemas.openxmlformats.org/drawingml/2006/diagram" xmlns:a="http://schemas.openxmlformats.org/drawingml/2006/main" uniqueId="urn:microsoft.com/office/officeart/2005/8/quickstyle/simple1">
+  <dgm:title val=""/>
+  <dgm:desc val=""/>
+  <dgm:catLst>
+    <dgm:cat type="simple" pri="10100"/>
+  </dgm:catLst>
+  <dgm:scene3d>
+    <a:camera prst="orthographicFront"/>
+    <a:lightRig rig="threePt" dir="t"/>
+  </dgm:scene3d>
+  <dgm:styleLbl name="node0">
+    <dgm:scene3d>
+      <a:camera prst="orthographicFront"/>
+      <a:lightRig rig="threePt" dir="t"/>
+    </dgm:scene3d>
+    <dgm:sp3d/>
+    <dgm:txPr/>
+    <dgm:style>
+      <a:lnRef idx="2">
+        <a:scrgbClr r="0" g="0" b="0"/>
+      </a:lnRef>
+      <a:fillRef idx="1">
+        <a:scrgbClr r="0" g="0" b="0"/>
+      </a:fillRef>
+      <a:effectRef idx="0">
+        <a:scrgbClr r="0" g="0" b="0"/>
+      </a:effectRef>
+      <a:fontRef idx="minor">
+        <a:schemeClr val="lt1"/>
+      </a:fontRef>
+    </dgm:style>
+  </dgm:styleLbl>
+  <dgm:styleLbl name="lnNode1">
+    <dgm:scene3d>
+      <a:camera prst="orthographicFront"/>
+      <a:lightRig rig="threePt" dir="t"/>
+    </dgm:scene3d>
+    <dgm:sp3d/>
+    <dgm:txPr/>
+    <dgm:style>
+      <a:lnRef idx="2">
+        <a:scrgbClr r="0" g="0" b="0"/>
+      </a:lnRef>
+      <a:fillRef idx="1">
+        <a:scrgbClr r="0" g="0" b="0"/>
+      </a:fillRef>
+      <a:effectRef idx="0">
+        <a:scrgbClr r="0" g="0" b="0"/>
+      </a:effectRef>
+      <a:fontRef idx="minor">
+        <a:schemeClr val="lt1"/>
+      </a:fontRef>
+    </dgm:style>
+  </dgm:styleLbl>
+  <dgm:styleLbl name="vennNode1">
+    <dgm:scene3d>
+      <a:camera prst="orthographicFront"/>
+      <a:lightRig rig="threePt" dir="t"/>
+    </dgm:scene3d>
+    <dgm:sp3d/>
+    <dgm:txPr/>
+    <dgm:style>
+      <a:lnRef idx="2">
+        <a:scrgbClr r="0" g="0" b="0"/>
+      </a:lnRef>
+      <a:fillRef idx="1">
+        <a:scrgbClr r="0" g="0" b="0"/>
+      </a:fillRef>
+      <a:effectRef idx="0">
+        <a:scrgbClr r="0" g="0" b="0"/>
+      </a:effectRef>
+      <a:fontRef idx="minor">
+        <a:schemeClr val="tx1"/>
+      </a:fontRef>
+    </dgm:style>
+  </dgm:styleLbl>
+  <dgm:styleLbl name="alignNode1">
+    <dgm:scene3d>
+      <a:camera prst="orthographicFront"/>
+      <a:lightRig rig="threePt" dir="t"/>
+    </dgm:scene3d>
+    <dgm:sp3d/>
+    <dgm:txPr/>
+    <dgm:style>
+      <a:lnRef idx="2">
+        <a:scrgbClr r="0" g="0" b="0"/>
+      </a:lnRef>
+      <a:fillRef idx="1">
+        <a:scrgbClr r="0" g="0" b="0"/>
+      </a:fillRef>
+      <a:effectRef idx="0">
+        <a:scrgbClr r="0" g="0" b="0"/>
+      </a:effectRef>
+      <a:fontRef idx="minor">
+        <a:schemeClr val="lt1"/>
+      </a:fontRef>
+    </dgm:style>
+  </dgm:styleLbl>
+  <dgm:styleLbl name="node1">
+    <dgm:scene3d>
+      <a:camera prst="orthographicFront"/>
+      <a:lightRig rig="threePt" dir="t"/>
+    </dgm:scene3d>
+    <dgm:sp3d/>
+    <dgm:txPr/>
+    <dgm:style>
+      <a:lnRef idx="2">
+        <a:scrgbClr r="0" g="0" b="0"/>
+      </a:lnRef>
+      <a:fillRef idx="1">
+        <a:scrgbClr r="0" g="0" b="0"/>
+      </a:fillRef>
+      <a:effectRef idx="0">
+        <a:scrgbClr r="0" g="0" b="0"/>
+      </a:effectRef>
+      <a:fontRef idx="minor">
+        <a:schemeClr val="lt1"/>
+      </a:fontRef>
+    </dgm:style>
+  </dgm:styleLbl>
+  <dgm:styleLbl name="node2">
+    <dgm:scene3d>
+      <a:camera prst="orthographicFront"/>
+      <a:lightRig rig="threePt" dir="t"/>
+    </dgm:scene3d>
+    <dgm:sp3d/>
+    <dgm:txPr/>
+    <dgm:style>
+      <a:lnRef idx="2">
+        <a:scrgbClr r="0" g="0" b="0"/>
+      </a:lnRef>
+      <a:fillRef idx="1">
+        <a:scrgbClr r="0" g="0" b="0"/>
+      </a:fillRef>
+      <a:effectRef idx="0">
+        <a:scrgbClr r="0" g="0" b="0"/>
+      </a:effectRef>
+      <a:fontRef idx="minor">
+        <a:schemeClr val="lt1"/>
+      </a:fontRef>
+    </dgm:style>
+  </dgm:styleLbl>
+  <dgm:styleLbl name="node3">
+    <dgm:scene3d>
+      <a:camera prst="orthographicFront"/>
+      <a:lightRig rig="threePt" dir="t"/>
+    </dgm:scene3d>
+    <dgm:sp3d/>
+    <dgm:txPr/>
+    <dgm:style>
+      <a:lnRef idx="2">
+        <a:scrgbClr r="0" g="0" b="0"/>
+      </a:lnRef>
+      <a:fillRef idx="1">
+        <a:scrgbClr r="0" g="0" b="0"/>
+      </a:fillRef>
+      <a:effectRef idx="0">
+        <a:scrgbClr r="0" g="0" b="0"/>
+      </a:effectRef>
+      <a:fontRef idx="minor">
+        <a:schemeClr val="lt1"/>
+      </a:fontRef>
+    </dgm:style>
+  </dgm:styleLbl>
+  <dgm:styleLbl name="node4">
+    <dgm:scene3d>
+      <a:camera prst="orthographicFront"/>
+      <a:lightRig rig="threePt" dir="t"/>
+    </dgm:scene3d>
+    <dgm:sp3d/>
+    <dgm:txPr/>
+    <dgm:style>
+      <a:lnRef idx="2">
+        <a:scrgbClr r="0" g="0" b="0"/>
+      </a:lnRef>
+      <a:fillRef idx="1">
+        <a:scrgbClr r="0" g="0" b="0"/>
+      </a:fillRef>
+      <a:effectRef idx="0">
+        <a:scrgbClr r="0" g="0" b="0"/>
+      </a:effectRef>
+      <a:fontRef idx="minor">
+        <a:schemeClr val="lt1"/>
+      </a:fontRef>
+    </dgm:style>
+  </dgm:styleLbl>
+  <dgm:styleLbl name="fgImgPlace1">
+    <dgm:scene3d>
+      <a:camera prst="orthographicFront"/>
+      <a:lightRig rig="threePt" dir="t"/>
+    </dgm:scene3d>
+    <dgm:sp3d/>
+    <dgm:txPr/>
+    <dgm:style>
+      <a:lnRef idx="2">
+        <a:scrgbClr r="0" g="0" b="0"/>
+      </a:lnRef>
+      <a:fillRef idx="1">
+        <a:scrgbClr r="0" g="0" b="0"/>
+      </a:fillRef>
+      <a:effectRef idx="0">
+        <a:scrgbClr r="0" g="0" b="0"/>
+      </a:effectRef>
+      <a:fontRef idx="minor"/>
+    </dgm:style>
+  </dgm:styleLbl>
+  <dgm:styleLbl name="alignImgPlace1">
+    <dgm:scene3d>
+      <a:camera prst="orthographicFront"/>
+      <a:lightRig rig="threePt" dir="t"/>
+    </dgm:scene3d>
+    <dgm:sp3d/>
+    <dgm:txPr/>
+    <dgm:style>
+      <a:lnRef idx="2">
+        <a:scrgbClr r="0" g="0" b="0"/>
+      </a:lnRef>
+      <a:fillRef idx="1">
+        <a:scrgbClr r="0" g="0" b="0"/>
+      </a:fillRef>
+      <a:effectRef idx="0">
+        <a:scrgbClr r="0" g="0" b="0"/>
+      </a:effectRef>
+      <a:fontRef idx="minor"/>
+    </dgm:style>
+  </dgm:styleLbl>
+  <dgm:styleLbl name="bgImgPlace1">
+    <dgm:scene3d>
+      <a:camera prst="orthographicFront"/>
+      <a:lightRig rig="threePt" dir="t"/>
+    </dgm:scene3d>
+    <dgm:sp3d/>
+    <dgm:txPr/>
+    <dgm:style>
+      <a:lnRef idx="2">
+        <a:scrgbClr r="0" g="0" b="0"/>
+      </a:lnRef>
+      <a:fillRef idx="1">
+        <a:scrgbClr r="0" g="0" b="0"/>
+      </a:fillRef>
+      <a:effectRef idx="0">
+        <a:scrgbClr r="0" g="0" b="0"/>
+      </a:effectRef>
+      <a:fontRef idx="minor"/>
+    </dgm:style>
+  </dgm:styleLbl>
+  <dgm:styleLbl name="sibTrans2D1">
+    <dgm:scene3d>
+      <a:camera prst="orthographicFront"/>
+      <a:lightRig rig="threePt" dir="t"/>
+    </dgm:scene3d>
+    <dgm:sp3d/>
+    <dgm:txPr/>
+    <dgm:style>
+      <a:lnRef idx="0">
+        <a:scrgbClr r="0" g="0" b="0"/>
+      </a:lnRef>
+      <a:fillRef idx="1">
+        <a:scrgbClr r="0" g="0" b="0"/>
+      </a:fillRef>
+      <a:effectRef idx="0">
+        <a:scrgbClr r="0" g="0" b="0"/>
+      </a:effectRef>
+      <a:fontRef idx="minor">
+        <a:schemeClr val="lt1"/>
+      </a:fontRef>
+    </dgm:style>
+  </dgm:styleLbl>
+  <dgm:styleLbl name="fgSibTrans2D1">
+    <dgm:scene3d>
+      <a:camera prst="orthographicFront"/>
+      <a:lightRig rig="threePt" dir="t"/>
+    </dgm:scene3d>
+    <dgm:sp3d/>
+    <dgm:txPr/>
+    <dgm:style>
+      <a:lnRef idx="0">
+        <a:scrgbClr r="0" g="0" b="0"/>
+      </a:lnRef>
+      <a:fillRef idx="1">
+        <a:scrgbClr r="0" g="0" b="0"/>
+      </a:fillRef>
+      <a:effectRef idx="0">
+        <a:scrgbClr r="0" g="0" b="0"/>
+      </a:effectRef>
+      <a:fontRef idx="minor">
+        <a:schemeClr val="lt1"/>
+      </a:fontRef>
+    </dgm:style>
+  </dgm:styleLbl>
+  <dgm:styleLbl name="bgSibTrans2D1">
+    <dgm:scene3d>
+      <a:camera prst="orthographicFront"/>
+      <a:lightRig rig="threePt" dir="t"/>
+    </dgm:scene3d>
+    <dgm:sp3d/>
+    <dgm:txPr/>
+    <dgm:style>
+      <a:lnRef idx="0">
+        <a:scrgbClr r="0" g="0" b="0"/>
+      </a:lnRef>
+      <a:fillRef idx="1">
+        <a:scrgbClr r="0" g="0" b="0"/>
+      </a:fillRef>
+      <a:effectRef idx="0">
+        <a:scrgbClr r="0" g="0" b="0"/>
+      </a:effectRef>
+      <a:fontRef idx="minor">
+        <a:schemeClr val="lt1"/>
+      </a:fontRef>
+    </dgm:style>
+  </dgm:styleLbl>
+  <dgm:styleLbl name="sibTrans1D1">
+    <dgm:scene3d>
+      <a:camera prst="orthographicFront"/>
+      <a:lightRig rig="threePt" dir="t"/>
+    </dgm:scene3d>
+    <dgm:sp3d/>
+    <dgm:txPr/>
+    <dgm:style>
+      <a:lnRef idx="1">
+        <a:scrgbClr r="0" g="0" b="0"/>
+      </a:lnRef>
+      <a:fillRef idx="0">
+        <a:scrgbClr r="0" g="0" b="0"/>
+      </a:fillRef>
+      <a:effectRef idx="0">
+        <a:scrgbClr r="0" g="0" b="0"/>
+      </a:effectRef>
+      <a:fontRef idx="minor"/>
+    </dgm:style>
+  </dgm:styleLbl>
+  <dgm:styleLbl name="callout">
+    <dgm:scene3d>
+      <a:camera prst="orthographicFront"/>
+      <a:lightRig rig="threePt" dir="t"/>
+    </dgm:scene3d>
+    <dgm:sp3d/>
+    <dgm:txPr/>
+    <dgm:style>
+      <a:lnRef idx="2">
+        <a:scrgbClr r="0" g="0" b="0"/>
+      </a:lnRef>
+      <a:fillRef idx="1">
+        <a:scrgbClr r="0" g="0" b="0"/>
+      </a:fillRef>
+      <a:effectRef idx="0">
+        <a:scrgbClr r="0" g="0" b="0"/>
+      </a:effectRef>
+      <a:fontRef idx="minor"/>
+    </dgm:style>
+  </dgm:styleLbl>
+  <dgm:styleLbl name="asst0">
+    <dgm:scene3d>
+      <a:camera prst="orthographicFront"/>
+      <a:lightRig rig="threePt" dir="t"/>
+    </dgm:scene3d>
+    <dgm:sp3d/>
+    <dgm:txPr/>
+    <dgm:style>
+      <a:lnRef idx="2">
+        <a:scrgbClr r="0" g="0" b="0"/>
+      </a:lnRef>
+      <a:fillRef idx="1">
+        <a:scrgbClr r="0" g="0" b="0"/>
+      </a:fillRef>
+      <a:effectRef idx="0">
+        <a:scrgbClr r="0" g="0" b="0"/>
+      </a:effectRef>
+      <a:fontRef idx="minor">
+        <a:schemeClr val="lt1"/>
+      </a:fontRef>
+    </dgm:style>
+  </dgm:styleLbl>
+  <dgm:styleLbl name="asst1">
+    <dgm:scene3d>
+      <a:camera prst="orthographicFront"/>
+      <a:lightRig rig="threePt" dir="t"/>
+    </dgm:scene3d>
+    <dgm:sp3d/>
+    <dgm:txPr/>
+    <dgm:style>
+      <a:lnRef idx="2">
+        <a:scrgbClr r="0" g="0" b="0"/>
+      </a:lnRef>
+      <a:fillRef idx="1">
+        <a:scrgbClr r="0" g="0" b="0"/>
+      </a:fillRef>
+      <a:effectRef idx="0">
+        <a:scrgbClr r="0" g="0" b="0"/>
+      </a:effectRef>
+      <a:fontRef idx="minor">
+        <a:schemeClr val="lt1"/>
+      </a:fontRef>
+    </dgm:style>
+  </dgm:styleLbl>
+  <dgm:styleLbl name="asst2">
+    <dgm:scene3d>
+      <a:camera prst="orthographicFront"/>
+      <a:lightRig rig="threePt" dir="t"/>
+    </dgm:scene3d>
+    <dgm:sp3d/>
+    <dgm:txPr/>
+    <dgm:style>
+      <a:lnRef idx="2">
+        <a:scrgbClr r="0" g="0" b="0"/>
+      </a:lnRef>
+      <a:fillRef idx="1">
+        <a:scrgbClr r="0" g="0" b="0"/>
+      </a:fillRef>
+      <a:effectRef idx="0">
+        <a:scrgbClr r="0" g="0" b="0"/>
+      </a:effectRef>
+      <a:fontRef idx="minor">
+        <a:schemeClr val="lt1"/>
+      </a:fontRef>
+    </dgm:style>
+  </dgm:styleLbl>
+  <dgm:styleLbl name="asst3">
+    <dgm:scene3d>
+      <a:camera prst="orthographicFront"/>
+      <a:lightRig rig="threePt" dir="t"/>
+    </dgm:scene3d>
+    <dgm:sp3d/>
+    <dgm:txPr/>
+    <dgm:style>
+      <a:lnRef idx="2">
+        <a:scrgbClr r="0" g="0" b="0"/>
+      </a:lnRef>
+      <a:fillRef idx="1">
+        <a:scrgbClr r="0" g="0" b="0"/>
+      </a:fillRef>
+      <a:effectRef idx="0">
+        <a:scrgbClr r="0" g="0" b="0"/>
+      </a:effectRef>
+      <a:fontRef idx="minor">
+        <a:schemeClr val="lt1"/>
+      </a:fontRef>
+    </dgm:style>
+  </dgm:styleLbl>
+  <dgm:styleLbl name="asst4">
+    <dgm:scene3d>
+      <a:camera prst="orthographicFront"/>
+      <a:lightRig rig="threePt" dir="t"/>
+    </dgm:scene3d>
+    <dgm:sp3d/>
+    <dgm:txPr/>
+    <dgm:style>
+      <a:lnRef idx="2">
+        <a:scrgbClr r="0" g="0" b="0"/>
+      </a:lnRef>
+      <a:fillRef idx="1">
+        <a:scrgbClr r="0" g="0" b="0"/>
+      </a:fillRef>
+      <a:effectRef idx="0">
+        <a:scrgbClr r="0" g="0" b="0"/>
+      </a:effectRef>
+      <a:fontRef idx="minor">
+        <a:schemeClr val="lt1"/>
+      </a:fontRef>
+    </dgm:style>
+  </dgm:styleLbl>
+  <dgm:styleLbl name="parChTrans2D1">
+    <dgm:scene3d>
+      <a:camera prst="orthographicFront"/>
+      <a:lightRig rig="threePt" dir="t"/>
+    </dgm:scene3d>
+    <dgm:sp3d/>
+    <dgm:txPr/>
+    <dgm:style>
+      <a:lnRef idx="2">
+        <a:scrgbClr r="0" g="0" b="0"/>
+      </a:lnRef>
+      <a:fillRef idx="1">
+        <a:scrgbClr r="0" g="0" b="0"/>
+      </a:fillRef>
+      <a:effectRef idx="0">
+        <a:scrgbClr r="0" g="0" b="0"/>
+      </a:effectRef>
+      <a:fontRef idx="minor">
+        <a:schemeClr val="lt1"/>
+      </a:fontRef>
+    </dgm:style>
+  </dgm:styleLbl>
+  <dgm:styleLbl name="parChTrans2D2">
+    <dgm:scene3d>
+      <a:camera prst="orthographicFront"/>
+      <a:lightRig rig="threePt" dir="t"/>
+    </dgm:scene3d>
+    <dgm:sp3d/>
+    <dgm:txPr/>
+    <dgm:style>
+      <a:lnRef idx="2">
+        <a:scrgbClr r="0" g="0" b="0"/>
+      </a:lnRef>
+      <a:fillRef idx="1">
+        <a:scrgbClr r="0" g="0" b="0"/>
+      </a:fillRef>
+      <a:effectRef idx="0">
+        <a:scrgbClr r="0" g="0" b="0"/>
+      </a:effectRef>
+      <a:fontRef idx="minor">
+        <a:schemeClr val="lt1"/>
+      </a:fontRef>
+    </dgm:style>
+  </dgm:styleLbl>
+  <dgm:styleLbl name="parChTrans2D3">
+    <dgm:scene3d>
+      <a:camera prst="orthographicFront"/>
+      <a:lightRig rig="threePt" dir="t"/>
+    </dgm:scene3d>
+    <dgm:sp3d/>
+    <dgm:txPr/>
+    <dgm:style>
+      <a:lnRef idx="2">
+        <a:scrgbClr r="0" g="0" b="0"/>
+      </a:lnRef>
+      <a:fillRef idx="1">
+        <a:scrgbClr r="0" g="0" b="0"/>
+      </a:fillRef>
+      <a:effectRef idx="0">
+        <a:scrgbClr r="0" g="0" b="0"/>
+      </a:effectRef>
+      <a:fontRef idx="minor">
+        <a:schemeClr val="lt1"/>
+      </a:fontRef>
+    </dgm:style>
+  </dgm:styleLbl>
+  <dgm:styleLbl name="parChTrans2D4">
+    <dgm:scene3d>
+      <a:camera prst="orthographicFront"/>
+      <a:lightRig rig="threePt" dir="t"/>
+    </dgm:scene3d>
+    <dgm:sp3d/>
+    <dgm:txPr/>
+    <dgm:style>
+      <a:lnRef idx="2">
+        <a:scrgbClr r="0" g="0" b="0"/>
+      </a:lnRef>
+      <a:fillRef idx="1">
+        <a:scrgbClr r="0" g="0" b="0"/>
+      </a:fillRef>
+      <a:effectRef idx="0">
+        <a:scrgbClr r="0" g="0" b="0"/>
+      </a:effectRef>
+      <a:fontRef idx="minor">
+        <a:schemeClr val="lt1"/>
+      </a:fontRef>
+    </dgm:style>
+  </dgm:styleLbl>
+  <dgm:styleLbl name="parChTrans1D1">
+    <dgm:scene3d>
+      <a:camera prst="orthographicFront"/>
+      <a:lightRig rig="threePt" dir="t"/>
+    </dgm:scene3d>
+    <dgm:sp3d/>
+    <dgm:txPr/>
+    <dgm:style>
+      <a:lnRef idx="2">
+        <a:scrgbClr r="0" g="0" b="0"/>
+      </a:lnRef>
+      <a:fillRef idx="0">
+        <a:scrgbClr r="0" g="0" b="0"/>
+      </a:fillRef>
+      <a:effectRef idx="0">
+        <a:scrgbClr r="0" g="0" b="0"/>
+      </a:effectRef>
+      <a:fontRef idx="minor"/>
+    </dgm:style>
+  </dgm:styleLbl>
+  <dgm:styleLbl name="parChTrans1D2">
+    <dgm:scene3d>
+      <a:camera prst="orthographicFront"/>
+      <a:lightRig rig="threePt" dir="t"/>
+    </dgm:scene3d>
+    <dgm:sp3d/>
+    <dgm:txPr/>
+    <dgm:style>
+      <a:lnRef idx="2">
+        <a:scrgbClr r="0" g="0" b="0"/>
+      </a:lnRef>
+      <a:fillRef idx="0">
+        <a:scrgbClr r="0" g="0" b="0"/>
+      </a:fillRef>
+      <a:effectRef idx="0">
+        <a:scrgbClr r="0" g="0" b="0"/>
+      </a:effectRef>
+      <a:fontRef idx="minor"/>
+    </dgm:style>
+  </dgm:styleLbl>
+  <dgm:styleLbl name="parChTrans1D3">
+    <dgm:scene3d>
+      <a:camera prst="orthographicFront"/>
+      <a:lightRig rig="threePt" dir="t"/>
+    </dgm:scene3d>
+    <dgm:sp3d/>
+    <dgm:txPr/>
+    <dgm:style>
+      <a:lnRef idx="2">
+        <a:scrgbClr r="0" g="0" b="0"/>
+      </a:lnRef>
+      <a:fillRef idx="0">
+        <a:scrgbClr r="0" g="0" b="0"/>
+      </a:fillRef>
+      <a:effectRef idx="0">
+        <a:scrgbClr r="0" g="0" b="0"/>
+      </a:effectRef>
+      <a:fontRef idx="minor"/>
+    </dgm:style>
+  </dgm:styleLbl>
+  <dgm:styleLbl name="parChTrans1D4">
+    <dgm:scene3d>
+      <a:camera prst="orthographicFront"/>
+      <a:lightRig rig="threePt" dir="t"/>
+    </dgm:scene3d>
+    <dgm:sp3d/>
+    <dgm:txPr/>
+    <dgm:style>
+      <a:lnRef idx="2">
+        <a:scrgbClr r="0" g="0" b="0"/>
+      </a:lnRef>
+      <a:fillRef idx="0">
+        <a:scrgbClr r="0" g="0" b="0"/>
+      </a:fillRef>
+      <a:effectRef idx="0">
+        <a:scrgbClr r="0" g="0" b="0"/>
+      </a:effectRef>
+      <a:fontRef idx="minor"/>
+    </dgm:style>
+  </dgm:styleLbl>
+  <dgm:styleLbl name="fgAcc1">
+    <dgm:scene3d>
+      <a:camera prst="orthographicFront"/>
+      <a:lightRig rig="threePt" dir="t"/>
+    </dgm:scene3d>
+    <dgm:sp3d/>
+    <dgm:txPr/>
+    <dgm:style>
+      <a:lnRef idx="2">
+        <a:scrgbClr r="0" g="0" b="0"/>
+      </a:lnRef>
+      <a:fillRef idx="1">
+        <a:scrgbClr r="0" g="0" b="0"/>
+      </a:fillRef>
+      <a:effectRef idx="0">
+        <a:scrgbClr r="0" g="0" b="0"/>
+      </a:effectRef>
+      <a:fontRef idx="minor"/>
+    </dgm:style>
+  </dgm:styleLbl>
+  <dgm:styleLbl name="conFgAcc1">
+    <dgm:scene3d>
+      <a:camera prst="orthographicFront"/>
+      <a:lightRig rig="threePt" dir="t"/>
+    </dgm:scene3d>
+    <dgm:sp3d/>
+    <dgm:txPr/>
+    <dgm:style>
+      <a:lnRef idx="2">
+        <a:scrgbClr r="0" g="0" b="0"/>
+      </a:lnRef>
+      <a:fillRef idx="1">
+        <a:scrgbClr r="0" g="0" b="0"/>
+      </a:fillRef>
+      <a:effectRef idx="0">
+        <a:scrgbClr r="0" g="0" b="0"/>
+      </a:effectRef>
+      <a:fontRef idx="minor"/>
+    </dgm:style>
+  </dgm:styleLbl>
+  <dgm:styleLbl name="alignAcc1">
+    <dgm:scene3d>
+      <a:camera prst="orthographicFront"/>
+      <a:lightRig rig="threePt" dir="t"/>
+    </dgm:scene3d>
+    <dgm:sp3d/>
+    <dgm:txPr/>
+    <dgm:style>
+      <a:lnRef idx="2">
+        <a:scrgbClr r="0" g="0" b="0"/>
+      </a:lnRef>
+      <a:fillRef idx="1">
+        <a:scrgbClr r="0" g="0" b="0"/>
+      </a:fillRef>
+      <a:effectRef idx="0">
+        <a:scrgbClr r="0" g="0" b="0"/>
+      </a:effectRef>
+      <a:fontRef idx="minor"/>
+    </dgm:style>
+  </dgm:styleLbl>
+  <dgm:styleLbl name="trAlignAcc1">
+    <dgm:scene3d>
+      <a:camera prst="orthographicFront"/>
+      <a:lightRig rig="threePt" dir="t"/>
+    </dgm:scene3d>
+    <dgm:sp3d/>
+    <dgm:txPr/>
+    <dgm:style>
+      <a:lnRef idx="1">
+        <a:scrgbClr r="0" g="0" b="0"/>
+      </a:lnRef>
+      <a:fillRef idx="1">
+        <a:scrgbClr r="0" g="0" b="0"/>
+      </a:fillRef>
+      <a:effectRef idx="0">
+        <a:scrgbClr r="0" g="0" b="0"/>
+      </a:effectRef>
+      <a:fontRef idx="minor"/>
+    </dgm:style>
+  </dgm:styleLbl>
+  <dgm:styleLbl name="bgAcc1">
+    <dgm:scene3d>
+      <a:camera prst="orthographicFront"/>
+      <a:lightRig rig="threePt" dir="t"/>
+    </dgm:scene3d>
+    <dgm:sp3d/>
+    <dgm:txPr/>
+    <dgm:style>
+      <a:lnRef idx="2">
+        <a:scrgbClr r="0" g="0" b="0"/>
+      </a:lnRef>
+      <a:fillRef idx="1">
+        <a:scrgbClr r="0" g="0" b="0"/>
+      </a:fillRef>
+      <a:effectRef idx="0">
+        <a:scrgbClr r="0" g="0" b="0"/>
+      </a:effectRef>
+      <a:fontRef idx="minor"/>
+    </dgm:style>
+  </dgm:styleLbl>
+  <dgm:styleLbl name="solidFgAcc1">
+    <dgm:scene3d>
+      <a:camera prst="orthographicFront"/>
+      <a:lightRig rig="threePt" dir="t"/>
+    </dgm:scene3d>
+    <dgm:sp3d/>
+    <dgm:txPr/>
+    <dgm:style>
+      <a:lnRef idx="2">
+        <a:scrgbClr r="0" g="0" b="0"/>
+      </a:lnRef>
+      <a:fillRef idx="1">
+        <a:scrgbClr r="0" g="0" b="0"/>
+      </a:fillRef>
+      <a:effectRef idx="0">
+        <a:scrgbClr r="0" g="0" b="0"/>
+      </a:effectRef>
+      <a:fontRef idx="minor"/>
+    </dgm:style>
+  </dgm:styleLbl>
+  <dgm:styleLbl name="solidAlignAcc1">
+    <dgm:scene3d>
+      <a:camera prst="orthographicFront"/>
+      <a:lightRig rig="threePt" dir="t"/>
+    </dgm:scene3d>
+    <dgm:sp3d/>
+    <dgm:txPr/>
+    <dgm:style>
+      <a:lnRef idx="2">
+        <a:scrgbClr r="0" g="0" b="0"/>
+      </a:lnRef>
+      <a:fillRef idx="1">
+        <a:scrgbClr r="0" g="0" b="0"/>
+      </a:fillRef>
+      <a:effectRef idx="0">
+        <a:scrgbClr r="0" g="0" b="0"/>
+      </a:effectRef>
+      <a:fontRef idx="minor"/>
+    </dgm:style>
+  </dgm:styleLbl>
+  <dgm:styleLbl name="solidBgAcc1">
+    <dgm:scene3d>
+      <a:camera prst="orthographicFront"/>
+      <a:lightRig rig="threePt" dir="t"/>
+    </dgm:scene3d>
+    <dgm:sp3d/>
+    <dgm:txPr/>
+    <dgm:style>
+      <a:lnRef idx="2">
+        <a:scrgbClr r="0" g="0" b="0"/>
+      </a:lnRef>
+      <a:fillRef idx="1">
+        <a:scrgbClr r="0" g="0" b="0"/>
+      </a:fillRef>
+      <a:effectRef idx="0">
+        <a:scrgbClr r="0" g="0" b="0"/>
+      </a:effectRef>
+      <a:fontRef idx="minor"/>
+    </dgm:style>
+  </dgm:styleLbl>
+  <dgm:styleLbl name="fgAccFollowNode1">
+    <dgm:scene3d>
+      <a:camera prst="orthographicFront"/>
+      <a:lightRig rig="threePt" dir="t"/>
+    </dgm:scene3d>
+    <dgm:sp3d/>
+    <dgm:txPr/>
+    <dgm:style>
+      <a:lnRef idx="2">
+        <a:scrgbClr r="0" g="0" b="0"/>
+      </a:lnRef>
+      <a:fillRef idx="1">
+        <a:scrgbClr r="0" g="0" b="0"/>
+      </a:fillRef>
+      <a:effectRef idx="0">
+        <a:scrgbClr r="0" g="0" b="0"/>
+      </a:effectRef>
+      <a:fontRef idx="minor"/>
+    </dgm:style>
+  </dgm:styleLbl>
+  <dgm:styleLbl name="alignAccFollowNode1">
+    <dgm:scene3d>
+      <a:camera prst="orthographicFront"/>
+      <a:lightRig rig="threePt" dir="t"/>
+    </dgm:scene3d>
+    <dgm:sp3d/>
+    <dgm:txPr/>
+    <dgm:style>
+      <a:lnRef idx="2">
+        <a:scrgbClr r="0" g="0" b="0"/>
+      </a:lnRef>
+      <a:fillRef idx="1">
+        <a:scrgbClr r="0" g="0" b="0"/>
+      </a:fillRef>
+      <a:effectRef idx="0">
+        <a:scrgbClr r="0" g="0" b="0"/>
+      </a:effectRef>
+      <a:fontRef idx="minor"/>
+    </dgm:style>
+  </dgm:styleLbl>
+  <dgm:styleLbl name="bgAccFollowNode1">
+    <dgm:scene3d>
+      <a:camera prst="orthographicFront"/>
+      <a:lightRig rig="threePt" dir="t"/>
+    </dgm:scene3d>
+    <dgm:sp3d/>
+    <dgm:txPr/>
+    <dgm:style>
+      <a:lnRef idx="2">
+        <a:scrgbClr r="0" g="0" b="0"/>
+      </a:lnRef>
+      <a:fillRef idx="1">
+        <a:scrgbClr r="0" g="0" b="0"/>
+      </a:fillRef>
+      <a:effectRef idx="0">
+        <a:scrgbClr r="0" g="0" b="0"/>
+      </a:effectRef>
+      <a:fontRef idx="minor"/>
+    </dgm:style>
+  </dgm:styleLbl>
+  <dgm:styleLbl name="fgAcc0">
+    <dgm:scene3d>
+      <a:camera prst="orthographicFront"/>
+      <a:lightRig rig="threePt" dir="t"/>
+    </dgm:scene3d>
+    <dgm:sp3d/>
+    <dgm:txPr/>
+    <dgm:style>
+      <a:lnRef idx="2">
+        <a:scrgbClr r="0" g="0" b="0"/>
+      </a:lnRef>
+      <a:fillRef idx="1">
+        <a:scrgbClr r="0" g="0" b="0"/>
+      </a:fillRef>
+      <a:effectRef idx="0">
+        <a:scrgbClr r="0" g="0" b="0"/>
+      </a:effectRef>
+      <a:fontRef idx="minor"/>
+    </dgm:style>
+  </dgm:styleLbl>
+  <dgm:styleLbl name="fgAcc2">
+    <dgm:scene3d>
+      <a:camera prst="orthographicFront"/>
+      <a:lightRig rig="threePt" dir="t"/>
+    </dgm:scene3d>
+    <dgm:sp3d/>
+    <dgm:txPr/>
+    <dgm:style>
+      <a:lnRef idx="2">
+        <a:scrgbClr r="0" g="0" b="0"/>
+      </a:lnRef>
+      <a:fillRef idx="1">
+        <a:scrgbClr r="0" g="0" b="0"/>
+      </a:fillRef>
+      <a:effectRef idx="0">
+        <a:scrgbClr r="0" g="0" b="0"/>
+      </a:effectRef>
+      <a:fontRef idx="minor"/>
+    </dgm:style>
+  </dgm:styleLbl>
+  <dgm:styleLbl name="fgAcc3">
+    <dgm:scene3d>
+      <a:camera prst="orthographicFront"/>
+      <a:lightRig rig="threePt" dir="t"/>
+    </dgm:scene3d>
+    <dgm:sp3d/>
+    <dgm:txPr/>
+    <dgm:style>
+      <a:lnRef idx="2">
+        <a:scrgbClr r="0" g="0" b="0"/>
+      </a:lnRef>
+      <a:fillRef idx="1">
+        <a:scrgbClr r="0" g="0" b="0"/>
+      </a:fillRef>
+      <a:effectRef idx="0">
+        <a:scrgbClr r="0" g="0" b="0"/>
+      </a:effectRef>
+      <a:fontRef idx="minor"/>
+    </dgm:style>
+  </dgm:styleLbl>
+  <dgm:styleLbl name="fgAcc4">
+    <dgm:scene3d>
+      <a:camera prst="orthographicFront"/>
+      <a:lightRig rig="threePt" dir="t"/>
+    </dgm:scene3d>
+    <dgm:sp3d/>
+    <dgm:txPr/>
+    <dgm:style>
+      <a:lnRef idx="2">
+        <a:scrgbClr r="0" g="0" b="0"/>
+      </a:lnRef>
+      <a:fillRef idx="1">
+        <a:scrgbClr r="0" g="0" b="0"/>
+      </a:fillRef>
+      <a:effectRef idx="0">
+        <a:scrgbClr r="0" g="0" b="0"/>
+      </a:effectRef>
+      <a:fontRef idx="minor"/>
+    </dgm:style>
+  </dgm:styleLbl>
+  <dgm:styleLbl name="bgShp">
+    <dgm:scene3d>
+      <a:camera prst="orthographicFront"/>
+      <a:lightRig rig="threePt" dir="t"/>
+    </dgm:scene3d>
+    <dgm:sp3d/>
+    <dgm:txPr/>
+    <dgm:style>
+      <a:lnRef idx="0">
+        <a:scrgbClr r="0" g="0" b="0"/>
+      </a:lnRef>
+      <a:fillRef idx="1">
+        <a:scrgbClr r="0" g="0" b="0"/>
+      </a:fillRef>
+      <a:effectRef idx="0">
+        <a:scrgbClr r="0" g="0" b="0"/>
+      </a:effectRef>
+      <a:fontRef idx="minor"/>
+    </dgm:style>
+  </dgm:styleLbl>
+  <dgm:styleLbl name="dkBgShp">
+    <dgm:scene3d>
+      <a:camera prst="orthographicFront"/>
+      <a:lightRig rig="threePt" dir="t"/>
+    </dgm:scene3d>
+    <dgm:sp3d/>
+    <dgm:txPr/>
+    <dgm:style>
+      <a:lnRef idx="0">
+        <a:scrgbClr r="0" g="0" b="0"/>
+      </a:lnRef>
+      <a:fillRef idx="1">
+        <a:scrgbClr r="0" g="0" b="0"/>
+      </a:fillRef>
+      <a:effectRef idx="0">
+        <a:scrgbClr r="0" g="0" b="0"/>
+      </a:effectRef>
+      <a:fontRef idx="minor"/>
+    </dgm:style>
+  </dgm:styleLbl>
+  <dgm:styleLbl name="trBgShp">
+    <dgm:scene3d>
+      <a:camera prst="orthographicFront"/>
+      <a:lightRig rig="threePt" dir="t"/>
+    </dgm:scene3d>
+    <dgm:sp3d/>
+    <dgm:txPr/>
+    <dgm:style>
+      <a:lnRef idx="0">
+        <a:scrgbClr r="0" g="0" b="0"/>
+      </a:lnRef>
+      <a:fillRef idx="1">
+        <a:scrgbClr r="0" g="0" b="0"/>
+      </a:fillRef>
+      <a:effectRef idx="0">
+        <a:scrgbClr r="0" g="0" b="0"/>
+      </a:effectRef>
+      <a:fontRef idx="minor"/>
+    </dgm:style>
+  </dgm:styleLbl>
+  <dgm:styleLbl name="fgShp">
+    <dgm:scene3d>
+      <a:camera prst="orthographicFront"/>
+      <a:lightRig rig="threePt" dir="t"/>
+    </dgm:scene3d>
+    <dgm:sp3d/>
+    <dgm:txPr/>
+    <dgm:style>
+      <a:lnRef idx="2">
+        <a:scrgbClr r="0" g="0" b="0"/>
+      </a:lnRef>
+      <a:fillRef idx="1">
+        <a:scrgbClr r="0" g="0" b="0"/>
+      </a:fillRef>
+      <a:effectRef idx="0">
+        <a:scrgbClr r="0" g="0" b="0"/>
+      </a:effectRef>
+      <a:fontRef idx="minor"/>
+    </dgm:style>
+  </dgm:styleLbl>
+  <dgm:styleLbl name="revTx">
+    <dgm:scene3d>
+      <a:camera prst="orthographicFront"/>
+      <a:lightRig rig="threePt" dir="t"/>
+    </dgm:scene3d>
+    <dgm:sp3d/>
+    <dgm:txPr/>
+    <dgm:style>
+      <a:lnRef idx="0">
+        <a:scrgbClr r="0" g="0" b="0"/>
+      </a:lnRef>
+      <a:fillRef idx="0">
+        <a:scrgbClr r="0" g="0" b="0"/>
+      </a:fillRef>
+      <a:effectRef idx="0">
+        <a:scrgbClr r="0" g="0" b="0"/>
+      </a:effectRef>
+      <a:fontRef idx="minor"/>
+    </dgm:style>
+  </dgm:styleLbl>
+</dgm:styleDef>
 </file>
 
 <file path=ppt/notesMasters/notesMaster1.xml><?xml version="1.0" encoding="utf-8"?>
@@ -216,7 +2977,7 @@
           <a:p>
             <a:fld id="{53A3D706-F7C2-4A62-94EF-53B2F7ECB27E}" type="datetimeFigureOut">
               <a:rPr lang="en-US" smtClean="0"/>
-              <a:t>4/18/2024</a:t>
+              <a:t>4/19/2024</a:t>
             </a:fld>
             <a:endParaRPr lang="en-US"/>
           </a:p>
@@ -527,18 +3288,7 @@
           <a:bodyPr/>
           <a:lstStyle/>
           <a:p>
-            <a:r>
-              <a:rPr lang="en-US" dirty="0"/>
-              <a:t>The geographical distance between the transaction location and the cardholder's registered location could signal fraudulent transactions. By calculating the Haversine distance to produce a '</a:t>
-            </a:r>
-            <a:r>
-              <a:rPr lang="en-US" dirty="0" err="1"/>
-              <a:t>distance_km</a:t>
-            </a:r>
-            <a:r>
-              <a:rPr lang="en-US" dirty="0"/>
-              <a:t>' feature, I intend to capture these spatial discrepancies, enhancing the model's ability to detect anomalous transactions.</a:t>
-            </a:r>
+            <a:endParaRPr lang="en-US" dirty="0"/>
           </a:p>
         </p:txBody>
       </p:sp>
@@ -559,7 +3309,7 @@
           <a:p>
             <a:fld id="{19351C1D-2F9D-45DC-9732-F2001F2EF553}" type="slidenum">
               <a:rPr lang="en-US" smtClean="0"/>
-              <a:t>11</a:t>
+              <a:t>3</a:t>
             </a:fld>
             <a:endParaRPr lang="en-US"/>
           </a:p>
@@ -568,7 +3318,7 @@
     </p:spTree>
     <p:extLst>
       <p:ext uri="{BB962C8B-B14F-4D97-AF65-F5344CB8AC3E}">
-        <p14:creationId xmlns:p14="http://schemas.microsoft.com/office/powerpoint/2010/main" val="3917618202"/>
+        <p14:creationId xmlns:p14="http://schemas.microsoft.com/office/powerpoint/2010/main" val="1290578704"/>
       </p:ext>
     </p:extLst>
   </p:cSld>
@@ -622,75 +3372,6 @@
           <a:bodyPr/>
           <a:lstStyle/>
           <a:p>
-            <a:r>
-              <a:rPr lang="en-US" dirty="0"/>
-              <a:t>Logistic Regression: This model showed a precision of 0.99 and recall of 1.00 for classifying non-fraudulent transactions but performed less effectively on fraudulent transactions.</a:t>
-            </a:r>
-          </a:p>
-          <a:p>
-            <a:r>
-              <a:rPr lang="en-US" dirty="0"/>
-              <a:t>Random Forest: The Random Forest classifier performed better, especially in identifying fraudulent transactions, with a precision of 0.95 and recall of 0.74.</a:t>
-            </a:r>
-          </a:p>
-          <a:p>
-            <a:r>
-              <a:rPr lang="en-US" dirty="0"/>
-              <a:t>Gradient Boosting: The Gradient Boosting classifier showed a lower performance in detecting fraud compared to Random Forest, with a precision of 0.76 and recall of 0.40 for fraudulent transactions.</a:t>
-            </a:r>
-          </a:p>
-          <a:p>
-            <a:r>
-              <a:rPr lang="en-US" dirty="0" err="1"/>
-              <a:t>XGBoost</a:t>
-            </a:r>
-            <a:r>
-              <a:rPr lang="en-US" dirty="0"/>
-              <a:t>: Finally, the </a:t>
-            </a:r>
-            <a:r>
-              <a:rPr lang="en-US" dirty="0" err="1"/>
-              <a:t>XGBoost</a:t>
-            </a:r>
-            <a:r>
-              <a:rPr lang="en-US" dirty="0"/>
-              <a:t> model provided the best balance between detecting non-fraudulent and fraudulent transactions, with high precision and recall for both.</a:t>
-            </a:r>
-          </a:p>
-          <a:p>
-            <a:endParaRPr lang="en-US" dirty="0"/>
-          </a:p>
-          <a:p>
-            <a:r>
-              <a:rPr lang="en-US" dirty="0"/>
-              <a:t>Summary of Model Evaluation:</a:t>
-            </a:r>
-          </a:p>
-          <a:p>
-            <a:pPr>
-              <a:buFont typeface="Arial" panose="020B0604020202020204" pitchFamily="34" charset="0"/>
-              <a:buChar char="•"/>
-            </a:pPr>
-            <a:r>
-              <a:rPr lang="en-US" dirty="0" err="1"/>
-              <a:t>XGBoost</a:t>
-            </a:r>
-            <a:r>
-              <a:rPr lang="en-US" dirty="0"/>
-              <a:t> emerged as the optimal model due to its superior performance across various metrics, especially in minimizing false negatives and false positives, which is crucial for a fraud detection system.</a:t>
-            </a:r>
-          </a:p>
-          <a:p>
-            <a:pPr>
-              <a:buFont typeface="Arial" panose="020B0604020202020204" pitchFamily="34" charset="0"/>
-              <a:buChar char="•"/>
-            </a:pPr>
-            <a:r>
-              <a:rPr lang="en-US" dirty="0"/>
-              <a:t>The other models, despite their respective strengths, did not fully meet the project's objective of at least 95% detection accuracy.</a:t>
-            </a:r>
-          </a:p>
-          <a:p>
             <a:endParaRPr lang="en-US" dirty="0"/>
           </a:p>
         </p:txBody>
@@ -712,7 +3393,7 @@
           <a:p>
             <a:fld id="{19351C1D-2F9D-45DC-9732-F2001F2EF553}" type="slidenum">
               <a:rPr lang="en-US" smtClean="0"/>
-              <a:t>18</a:t>
+              <a:t>15</a:t>
             </a:fld>
             <a:endParaRPr lang="en-US"/>
           </a:p>
@@ -721,273 +3402,7 @@
     </p:spTree>
     <p:extLst>
       <p:ext uri="{BB962C8B-B14F-4D97-AF65-F5344CB8AC3E}">
-        <p14:creationId xmlns:p14="http://schemas.microsoft.com/office/powerpoint/2010/main" val="975067014"/>
-      </p:ext>
-    </p:extLst>
-  </p:cSld>
-  <p:clrMapOvr>
-    <a:masterClrMapping/>
-  </p:clrMapOvr>
-</p:notes>
-</file>
-
-<file path=ppt/notesSlides/notesSlide3.xml><?xml version="1.0" encoding="utf-8"?>
-<p:notes xmlns:a="http://schemas.openxmlformats.org/drawingml/2006/main" xmlns:r="http://schemas.openxmlformats.org/officeDocument/2006/relationships" xmlns:p="http://schemas.openxmlformats.org/presentationml/2006/main">
-  <p:cSld>
-    <p:spTree>
-      <p:nvGrpSpPr>
-        <p:cNvPr id="1" name=""/>
-        <p:cNvGrpSpPr/>
-        <p:nvPr/>
-      </p:nvGrpSpPr>
-      <p:grpSpPr>
-        <a:xfrm>
-          <a:off x="0" y="0"/>
-          <a:ext cx="0" cy="0"/>
-          <a:chOff x="0" y="0"/>
-          <a:chExt cx="0" cy="0"/>
-        </a:xfrm>
-      </p:grpSpPr>
-      <p:sp>
-        <p:nvSpPr>
-          <p:cNvPr id="2" name="Slide Image Placeholder 1"/>
-          <p:cNvSpPr>
-            <a:spLocks noGrp="1" noRot="1" noChangeAspect="1"/>
-          </p:cNvSpPr>
-          <p:nvPr>
-            <p:ph type="sldImg"/>
-          </p:nvPr>
-        </p:nvSpPr>
-        <p:spPr/>
-      </p:sp>
-      <p:sp>
-        <p:nvSpPr>
-          <p:cNvPr id="3" name="Notes Placeholder 2"/>
-          <p:cNvSpPr>
-            <a:spLocks noGrp="1"/>
-          </p:cNvSpPr>
-          <p:nvPr>
-            <p:ph type="body" idx="1"/>
-          </p:nvPr>
-        </p:nvSpPr>
-        <p:spPr/>
-        <p:txBody>
-          <a:bodyPr/>
-          <a:lstStyle/>
-          <a:p>
-            <a:r>
-              <a:rPr lang="en-US" dirty="0"/>
-              <a:t>Logistic Regression Tuning:</a:t>
-            </a:r>
-          </a:p>
-          <a:p>
-            <a:r>
-              <a:rPr lang="en-US" dirty="0"/>
-              <a:t>Optimal Parameters: Regularization (C=1e5), Solver ('</a:t>
-            </a:r>
-            <a:r>
-              <a:rPr lang="en-US" dirty="0" err="1"/>
-              <a:t>lbfgs</a:t>
-            </a:r>
-            <a:r>
-              <a:rPr lang="en-US" dirty="0"/>
-              <a:t>').</a:t>
-            </a:r>
-          </a:p>
-          <a:p>
-            <a:r>
-              <a:rPr lang="en-US" dirty="0"/>
-              <a:t>Outcome: Improved ROC-AUC score; however, high false negatives suggest further refinement needed for fraud detection.</a:t>
-            </a:r>
-          </a:p>
-          <a:p>
-            <a:r>
-              <a:rPr lang="en-US" dirty="0"/>
-              <a:t>Random Forest Tuning:</a:t>
-            </a:r>
-          </a:p>
-          <a:p>
-            <a:r>
-              <a:rPr lang="en-US" dirty="0"/>
-              <a:t>Optimal Parameters: Estimators (300), Max Depth (10).</a:t>
-            </a:r>
-          </a:p>
-          <a:p>
-            <a:r>
-              <a:rPr lang="en-US" dirty="0"/>
-              <a:t>Outcome: High recall indicates a robust ability to identify fraudulent transactions, showcasing the model's depth in handling complex patterns.</a:t>
-            </a:r>
-          </a:p>
-          <a:p>
-            <a:r>
-              <a:rPr lang="en-US" dirty="0"/>
-              <a:t>Gradient Boosting Tuning:</a:t>
-            </a:r>
-          </a:p>
-          <a:p>
-            <a:r>
-              <a:rPr lang="en-US" dirty="0"/>
-              <a:t>Optimal Parameters: Estimators (200), Learning Rate (0.1), Max Depth (7).</a:t>
-            </a:r>
-          </a:p>
-          <a:p>
-            <a:r>
-              <a:rPr lang="en-US" dirty="0"/>
-              <a:t>Outcome: Balanced precision and recall, reflecting a model that is well-adjusted to the data without overfitting.</a:t>
-            </a:r>
-          </a:p>
-          <a:p>
-            <a:r>
-              <a:rPr lang="en-US" dirty="0" err="1"/>
-              <a:t>XGBoost</a:t>
-            </a:r>
-            <a:r>
-              <a:rPr lang="en-US" dirty="0"/>
-              <a:t> Tuning:</a:t>
-            </a:r>
-          </a:p>
-          <a:p>
-            <a:r>
-              <a:rPr lang="en-US" dirty="0"/>
-              <a:t>Optimal Parameters: Estimators (200), Learning Rate (0.1), Max Depth (7), Subsample (1).</a:t>
-            </a:r>
-          </a:p>
-          <a:p>
-            <a:r>
-              <a:rPr lang="en-US" dirty="0"/>
-              <a:t>Outcome: Exhibits high precision and recall, demonstrating excellent performance on both training data and generalization to unseen data.</a:t>
-            </a:r>
-          </a:p>
-          <a:p>
-            <a:endParaRPr lang="en-US" dirty="0"/>
-          </a:p>
-          <a:p>
-            <a:pPr algn="l"/>
-            <a:r>
-              <a:rPr lang="en-US" b="0" i="0" dirty="0">
-                <a:effectLst/>
-                <a:highlight>
-                  <a:srgbClr val="FFFFFF"/>
-                </a:highlight>
-                <a:latin typeface="system-ui"/>
-              </a:rPr>
-              <a:t>Model Performance Post-Tuning:</a:t>
-            </a:r>
-          </a:p>
-          <a:p>
-            <a:pPr algn="l"/>
-            <a:r>
-              <a:rPr lang="en-US" b="0" i="0" dirty="0">
-                <a:effectLst/>
-                <a:highlight>
-                  <a:srgbClr val="FFFFFF"/>
-                </a:highlight>
-                <a:latin typeface="system-ui"/>
-              </a:rPr>
-              <a:t>Logistic Regression: Post-tuning, the ROC-AUC improved, indicating that the hyperparameter adjustment better aligns the model to the patterns in the data. However, the confusion matrix reveals a substantial number of false negatives, indicating room for improvement in capturing fraudulent transactions.</a:t>
-            </a:r>
-          </a:p>
-          <a:p>
-            <a:pPr algn="l"/>
-            <a:r>
-              <a:rPr lang="en-US" b="0" i="0" dirty="0">
-                <a:effectLst/>
-                <a:highlight>
-                  <a:srgbClr val="FFFFFF"/>
-                </a:highlight>
-                <a:latin typeface="system-ui"/>
-              </a:rPr>
-              <a:t>Random Forest: The tuned Random Forest model demonstrates a strong ability to identify fraudulent transactions with a high recall. This suggests that the model depth and number of estimators are well-calibrated to discern the complex patterns associated with fraudulent activities.</a:t>
-            </a:r>
-          </a:p>
-          <a:p>
-            <a:pPr algn="l"/>
-            <a:r>
-              <a:rPr lang="en-US" b="0" i="0" dirty="0">
-                <a:effectLst/>
-                <a:highlight>
-                  <a:srgbClr val="FFFFFF"/>
-                </a:highlight>
-                <a:latin typeface="system-ui"/>
-              </a:rPr>
-              <a:t>Gradient Boosting: The best-tuned Gradient Boosting model shows good precision but a slightly lower recall for fraud detection. The moderate learning rate and number of estimators seem to provide a balanced approach to learning from the data without overfitting.</a:t>
-            </a:r>
-          </a:p>
-          <a:p>
-            <a:pPr algn="l"/>
-            <a:r>
-              <a:rPr lang="en-US" b="0" i="0" dirty="0" err="1">
-                <a:effectLst/>
-                <a:highlight>
-                  <a:srgbClr val="FFFFFF"/>
-                </a:highlight>
-                <a:latin typeface="system-ui"/>
-              </a:rPr>
-              <a:t>XGBoost</a:t>
-            </a:r>
-            <a:r>
-              <a:rPr lang="en-US" b="0" i="0" dirty="0">
-                <a:effectLst/>
-                <a:highlight>
-                  <a:srgbClr val="FFFFFF"/>
-                </a:highlight>
-                <a:latin typeface="system-ui"/>
-              </a:rPr>
-              <a:t>: The </a:t>
-            </a:r>
-            <a:r>
-              <a:rPr lang="en-US" b="0" i="0" dirty="0" err="1">
-                <a:effectLst/>
-                <a:highlight>
-                  <a:srgbClr val="FFFFFF"/>
-                </a:highlight>
-                <a:latin typeface="system-ui"/>
-              </a:rPr>
-              <a:t>XGBoost</a:t>
-            </a:r>
-            <a:r>
-              <a:rPr lang="en-US" b="0" i="0" dirty="0">
-                <a:effectLst/>
-                <a:highlight>
-                  <a:srgbClr val="FFFFFF"/>
-                </a:highlight>
-                <a:latin typeface="system-ui"/>
-              </a:rPr>
-              <a:t> model showcases the best balance with high precision and recall, suggesting an excellent fit to both the training data and an ability to generalize well to unseen data. This makes it the best candidate for the fraud detection task at hand.</a:t>
-            </a:r>
-          </a:p>
-          <a:p>
-            <a:endParaRPr lang="en-US" dirty="0"/>
-          </a:p>
-        </p:txBody>
-      </p:sp>
-      <p:sp>
-        <p:nvSpPr>
-          <p:cNvPr id="4" name="Slide Number Placeholder 3"/>
-          <p:cNvSpPr>
-            <a:spLocks noGrp="1"/>
-          </p:cNvSpPr>
-          <p:nvPr>
-            <p:ph type="sldNum" sz="quarter" idx="5"/>
-          </p:nvPr>
-        </p:nvSpPr>
-        <p:spPr/>
-        <p:txBody>
-          <a:bodyPr/>
-          <a:lstStyle/>
-          <a:p>
-            <a:fld id="{19351C1D-2F9D-45DC-9732-F2001F2EF553}" type="slidenum">
-              <a:rPr lang="en-US" smtClean="0"/>
-              <a:t>19</a:t>
-            </a:fld>
-            <a:endParaRPr lang="en-US"/>
-          </a:p>
-        </p:txBody>
-      </p:sp>
-    </p:spTree>
-    <p:extLst>
-      <p:ext uri="{BB962C8B-B14F-4D97-AF65-F5344CB8AC3E}">
-        <p14:creationId xmlns:p14="http://schemas.microsoft.com/office/powerpoint/2010/main" val="3386148887"/>
+        <p14:creationId xmlns:p14="http://schemas.microsoft.com/office/powerpoint/2010/main" val="2628307005"/>
       </p:ext>
     </p:extLst>
   </p:cSld>
@@ -1109,7 +3524,7 @@
           <a:p>
             <a:fld id="{E7736193-EDE3-4BB5-AE5F-E6E5472AB8BE}" type="datetimeFigureOut">
               <a:rPr lang="en-US" smtClean="0"/>
-              <a:t>4/18/2024</a:t>
+              <a:t>4/19/2024</a:t>
             </a:fld>
             <a:endParaRPr lang="en-US"/>
           </a:p>
@@ -1357,7 +3772,7 @@
           <a:p>
             <a:fld id="{E7736193-EDE3-4BB5-AE5F-E6E5472AB8BE}" type="datetimeFigureOut">
               <a:rPr lang="en-US" smtClean="0"/>
-              <a:t>4/18/2024</a:t>
+              <a:t>4/19/2024</a:t>
             </a:fld>
             <a:endParaRPr lang="en-US"/>
           </a:p>
@@ -1565,7 +3980,7 @@
           <a:p>
             <a:fld id="{E7736193-EDE3-4BB5-AE5F-E6E5472AB8BE}" type="datetimeFigureOut">
               <a:rPr lang="en-US" smtClean="0"/>
-              <a:t>4/18/2024</a:t>
+              <a:t>4/19/2024</a:t>
             </a:fld>
             <a:endParaRPr lang="en-US"/>
           </a:p>
@@ -1763,7 +4178,7 @@
           <a:p>
             <a:fld id="{E7736193-EDE3-4BB5-AE5F-E6E5472AB8BE}" type="datetimeFigureOut">
               <a:rPr lang="en-US" smtClean="0"/>
-              <a:t>4/18/2024</a:t>
+              <a:t>4/19/2024</a:t>
             </a:fld>
             <a:endParaRPr lang="en-US"/>
           </a:p>
@@ -2040,7 +4455,7 @@
           <a:p>
             <a:fld id="{E7736193-EDE3-4BB5-AE5F-E6E5472AB8BE}" type="datetimeFigureOut">
               <a:rPr lang="en-US" smtClean="0"/>
-              <a:t>4/18/2024</a:t>
+              <a:t>4/19/2024</a:t>
             </a:fld>
             <a:endParaRPr lang="en-US"/>
           </a:p>
@@ -2310,7 +4725,7 @@
           <a:p>
             <a:fld id="{E7736193-EDE3-4BB5-AE5F-E6E5472AB8BE}" type="datetimeFigureOut">
               <a:rPr lang="en-US" smtClean="0"/>
-              <a:t>4/18/2024</a:t>
+              <a:t>4/19/2024</a:t>
             </a:fld>
             <a:endParaRPr lang="en-US"/>
           </a:p>
@@ -2726,7 +5141,7 @@
           <a:p>
             <a:fld id="{E7736193-EDE3-4BB5-AE5F-E6E5472AB8BE}" type="datetimeFigureOut">
               <a:rPr lang="en-US" smtClean="0"/>
-              <a:t>4/18/2024</a:t>
+              <a:t>4/19/2024</a:t>
             </a:fld>
             <a:endParaRPr lang="en-US"/>
           </a:p>
@@ -2959,7 +5374,7 @@
           <a:p>
             <a:fld id="{E7736193-EDE3-4BB5-AE5F-E6E5472AB8BE}" type="datetimeFigureOut">
               <a:rPr lang="en-US" smtClean="0"/>
-              <a:t>4/18/2024</a:t>
+              <a:t>4/19/2024</a:t>
             </a:fld>
             <a:endParaRPr lang="en-US"/>
           </a:p>
@@ -3072,7 +5487,7 @@
           <a:p>
             <a:fld id="{E7736193-EDE3-4BB5-AE5F-E6E5472AB8BE}" type="datetimeFigureOut">
               <a:rPr lang="en-US" smtClean="0"/>
-              <a:t>4/18/2024</a:t>
+              <a:t>4/19/2024</a:t>
             </a:fld>
             <a:endParaRPr lang="en-US"/>
           </a:p>
@@ -3389,7 +5804,7 @@
           <a:p>
             <a:fld id="{E7736193-EDE3-4BB5-AE5F-E6E5472AB8BE}" type="datetimeFigureOut">
               <a:rPr lang="en-US" smtClean="0"/>
-              <a:t>4/18/2024</a:t>
+              <a:t>4/19/2024</a:t>
             </a:fld>
             <a:endParaRPr lang="en-US"/>
           </a:p>
@@ -3742,7 +6157,7 @@
           <a:p>
             <a:fld id="{E7736193-EDE3-4BB5-AE5F-E6E5472AB8BE}" type="datetimeFigureOut">
               <a:rPr lang="en-US" smtClean="0"/>
-              <a:t>4/18/2024</a:t>
+              <a:t>4/19/2024</a:t>
             </a:fld>
             <a:endParaRPr lang="en-US"/>
           </a:p>
@@ -4040,7 +6455,7 @@
           <a:p>
             <a:fld id="{E7736193-EDE3-4BB5-AE5F-E6E5472AB8BE}" type="datetimeFigureOut">
               <a:rPr lang="en-US" smtClean="0"/>
-              <a:t>4/18/2024</a:t>
+              <a:t>4/19/2024</a:t>
             </a:fld>
             <a:endParaRPr lang="en-US"/>
           </a:p>
@@ -5026,10 +7441,10 @@
       </p:grpSpPr>
       <p:sp>
         <p:nvSpPr>
-          <p:cNvPr id="4" name="Title 3">
-            <a:extLst>
-              <a:ext uri="{FF2B5EF4-FFF2-40B4-BE49-F238E27FC236}">
-                <a16:creationId xmlns:a16="http://schemas.microsoft.com/office/drawing/2014/main" id="{88B548FF-BF20-977A-873F-134B7BFF9427}"/>
+          <p:cNvPr id="2" name="Title 1">
+            <a:extLst>
+              <a:ext uri="{FF2B5EF4-FFF2-40B4-BE49-F238E27FC236}">
+                <a16:creationId xmlns:a16="http://schemas.microsoft.com/office/drawing/2014/main" id="{1C433979-58ED-AAF7-5183-28D6097F2395}"/>
               </a:ext>
             </a:extLst>
           </p:cNvPr>
@@ -5047,7 +7462,7 @@
           <a:p>
             <a:r>
               <a:rPr lang="en-GB" dirty="0"/>
-              <a:t>Preprocessing </a:t>
+              <a:t>Model Insights and Interpretation</a:t>
             </a:r>
             <a:endParaRPr lang="en-US" dirty="0"/>
           </a:p>
@@ -5055,10 +7470,10 @@
       </p:sp>
       <p:sp>
         <p:nvSpPr>
-          <p:cNvPr id="5" name="Text Placeholder 4">
-            <a:extLst>
-              <a:ext uri="{FF2B5EF4-FFF2-40B4-BE49-F238E27FC236}">
-                <a16:creationId xmlns:a16="http://schemas.microsoft.com/office/drawing/2014/main" id="{EF5B0C71-1A82-E48D-52D5-4A4B65C99D20}"/>
+          <p:cNvPr id="3" name="Text Placeholder 2">
+            <a:extLst>
+              <a:ext uri="{FF2B5EF4-FFF2-40B4-BE49-F238E27FC236}">
+                <a16:creationId xmlns:a16="http://schemas.microsoft.com/office/drawing/2014/main" id="{7C8076AC-F6C7-4E8F-059C-ADDBDBBCD3CA}"/>
               </a:ext>
             </a:extLst>
           </p:cNvPr>
@@ -5071,12 +7486,20 @@
         </p:nvSpPr>
         <p:spPr/>
         <p:txBody>
-          <a:bodyPr/>
+          <a:bodyPr>
+            <a:normAutofit fontScale="92500" lnSpcReduction="20000"/>
+          </a:bodyPr>
           <a:lstStyle/>
           <a:p>
             <a:r>
+              <a:rPr lang="en-GB" sz="3600" b="1" dirty="0"/>
+              <a:t>4</a:t>
+            </a:r>
+          </a:p>
+          <a:p>
+            <a:r>
               <a:rPr lang="en-GB" dirty="0"/>
-              <a:t>3</a:t>
+              <a:t>Decoding the Predictive Patterns</a:t>
             </a:r>
             <a:endParaRPr lang="en-US" dirty="0"/>
           </a:p>
@@ -5085,7 +7508,7 @@
     </p:spTree>
     <p:extLst>
       <p:ext uri="{BB962C8B-B14F-4D97-AF65-F5344CB8AC3E}">
-        <p14:creationId xmlns:p14="http://schemas.microsoft.com/office/powerpoint/2010/main" val="1228182801"/>
+        <p14:creationId xmlns:p14="http://schemas.microsoft.com/office/powerpoint/2010/main" val="2823591769"/>
       </p:ext>
     </p:extLst>
   </p:cSld>
@@ -5096,140 +7519,6 @@
 </file>
 
 <file path=ppt/slides/slide11.xml><?xml version="1.0" encoding="utf-8"?>
-<p:sld xmlns:a="http://schemas.openxmlformats.org/drawingml/2006/main" xmlns:r="http://schemas.openxmlformats.org/officeDocument/2006/relationships" xmlns:p="http://schemas.openxmlformats.org/presentationml/2006/main">
-  <p:cSld>
-    <p:spTree>
-      <p:nvGrpSpPr>
-        <p:cNvPr id="1" name=""/>
-        <p:cNvGrpSpPr/>
-        <p:nvPr/>
-      </p:nvGrpSpPr>
-      <p:grpSpPr>
-        <a:xfrm>
-          <a:off x="0" y="0"/>
-          <a:ext cx="0" cy="0"/>
-          <a:chOff x="0" y="0"/>
-          <a:chExt cx="0" cy="0"/>
-        </a:xfrm>
-      </p:grpSpPr>
-      <p:sp>
-        <p:nvSpPr>
-          <p:cNvPr id="4" name="Title 3">
-            <a:extLst>
-              <a:ext uri="{FF2B5EF4-FFF2-40B4-BE49-F238E27FC236}">
-                <a16:creationId xmlns:a16="http://schemas.microsoft.com/office/drawing/2014/main" id="{D6D0FC5E-DFEF-7CEE-0E0B-2E193AC3E568}"/>
-              </a:ext>
-            </a:extLst>
-          </p:cNvPr>
-          <p:cNvSpPr>
-            <a:spLocks noGrp="1"/>
-          </p:cNvSpPr>
-          <p:nvPr>
-            <p:ph type="title"/>
-          </p:nvPr>
-        </p:nvSpPr>
-        <p:spPr/>
-        <p:txBody>
-          <a:bodyPr/>
-          <a:lstStyle/>
-          <a:p>
-            <a:r>
-              <a:rPr lang="en-GB" dirty="0"/>
-              <a:t>Preparation for model training</a:t>
-            </a:r>
-            <a:endParaRPr lang="en-US" dirty="0"/>
-          </a:p>
-        </p:txBody>
-      </p:sp>
-      <p:sp>
-        <p:nvSpPr>
-          <p:cNvPr id="3" name="Text Placeholder 2">
-            <a:extLst>
-              <a:ext uri="{FF2B5EF4-FFF2-40B4-BE49-F238E27FC236}">
-                <a16:creationId xmlns:a16="http://schemas.microsoft.com/office/drawing/2014/main" id="{1BD4E3BD-D0B6-68AB-4A0C-60BC0B63C011}"/>
-              </a:ext>
-            </a:extLst>
-          </p:cNvPr>
-          <p:cNvSpPr>
-            <a:spLocks noGrp="1"/>
-          </p:cNvSpPr>
-          <p:nvPr>
-            <p:ph idx="1"/>
-          </p:nvPr>
-        </p:nvSpPr>
-        <p:spPr/>
-        <p:txBody>
-          <a:bodyPr/>
-          <a:lstStyle/>
-          <a:p>
-            <a:r>
-              <a:rPr lang="en-GB" dirty="0"/>
-              <a:t>Preprocessing:</a:t>
-            </a:r>
-          </a:p>
-          <a:p>
-            <a:pPr lvl="1"/>
-            <a:r>
-              <a:rPr lang="en-GB" dirty="0"/>
-              <a:t>Age Engineering: Conversion of ‘dob’ to ‘age’ to capture potential age-related fraud patterns</a:t>
-            </a:r>
-          </a:p>
-          <a:p>
-            <a:pPr lvl="1"/>
-            <a:r>
-              <a:rPr lang="en-GB" dirty="0"/>
-              <a:t>Transaction Time: </a:t>
-            </a:r>
-            <a:r>
-              <a:rPr lang="en-US" dirty="0"/>
-              <a:t>Extraction of hour and day to uncover timing-related fraud trends.</a:t>
-            </a:r>
-          </a:p>
-          <a:p>
-            <a:pPr lvl="1"/>
-            <a:r>
-              <a:rPr lang="en-US" dirty="0"/>
-              <a:t>Geographical Features: Calculation of '</a:t>
-            </a:r>
-            <a:r>
-              <a:rPr lang="en-US" dirty="0" err="1"/>
-              <a:t>distance_km</a:t>
-            </a:r>
-            <a:r>
-              <a:rPr lang="en-US" dirty="0"/>
-              <a:t>' to highlight spatial anomalies in transactions.</a:t>
-            </a:r>
-          </a:p>
-          <a:p>
-            <a:pPr lvl="1"/>
-            <a:r>
-              <a:rPr lang="en-US" dirty="0"/>
-              <a:t>Amount Features: Creation of transaction amount metrics to identify spending behavior outliers.</a:t>
-            </a:r>
-          </a:p>
-          <a:p>
-            <a:pPr lvl="1"/>
-            <a:r>
-              <a:rPr lang="en-US" dirty="0"/>
-              <a:t>Category Engineering: Analysis of transaction categories to spot fraud-prone activities.</a:t>
-            </a:r>
-          </a:p>
-        </p:txBody>
-      </p:sp>
-    </p:spTree>
-    <p:extLst>
-      <p:ext uri="{BB962C8B-B14F-4D97-AF65-F5344CB8AC3E}">
-        <p14:creationId xmlns:p14="http://schemas.microsoft.com/office/powerpoint/2010/main" val="1886893211"/>
-      </p:ext>
-    </p:extLst>
-  </p:cSld>
-  <p:clrMapOvr>
-    <a:masterClrMapping/>
-  </p:clrMapOvr>
-</p:sld>
-</file>
-
-<file path=ppt/slides/slide12.xml><?xml version="1.0" encoding="utf-8"?>
 <p:sld xmlns:a="http://schemas.openxmlformats.org/drawingml/2006/main" xmlns:r="http://schemas.openxmlformats.org/officeDocument/2006/relationships" xmlns:p="http://schemas.openxmlformats.org/presentationml/2006/main">
   <p:cSld>
     <p:bg>
@@ -5256,10 +7545,10 @@
       </p:grpSpPr>
       <p:sp useBgFill="1">
         <p:nvSpPr>
-          <p:cNvPr id="19" name="Rectangle 18">
-            <a:extLst>
-              <a:ext uri="{FF2B5EF4-FFF2-40B4-BE49-F238E27FC236}">
-                <a16:creationId xmlns:a16="http://schemas.microsoft.com/office/drawing/2014/main" id="{178DC1FE-8814-4858-2D62-947BC8044584}"/>
+          <p:cNvPr id="26" name="Rectangle 25">
+            <a:extLst>
+              <a:ext uri="{FF2B5EF4-FFF2-40B4-BE49-F238E27FC236}">
+                <a16:creationId xmlns:a16="http://schemas.microsoft.com/office/drawing/2014/main" id="{FAFDCCA3-5CE7-058C-1962-A071B76432F1}"/>
               </a:ext>
               <a:ext uri="{C183D7F6-B498-43B3-948B-1728B52AA6E4}">
                 <adec:decorative xmlns:adec="http://schemas.microsoft.com/office/drawing/2017/decorative" val="1"/>
@@ -5332,10 +7621,10 @@
       </p:sp>
       <p:sp>
         <p:nvSpPr>
-          <p:cNvPr id="21" name="Rectangle 20">
-            <a:extLst>
-              <a:ext uri="{FF2B5EF4-FFF2-40B4-BE49-F238E27FC236}">
-                <a16:creationId xmlns:a16="http://schemas.microsoft.com/office/drawing/2014/main" id="{FA6B968A-A417-B33C-613C-7B1B45542CF1}"/>
+          <p:cNvPr id="28" name="Rectangle 27">
+            <a:extLst>
+              <a:ext uri="{FF2B5EF4-FFF2-40B4-BE49-F238E27FC236}">
+                <a16:creationId xmlns:a16="http://schemas.microsoft.com/office/drawing/2014/main" id="{5DF26DB3-6D44-7E9C-C8CF-3265DD460001}"/>
               </a:ext>
               <a:ext uri="{C183D7F6-B498-43B3-948B-1728B52AA6E4}">
                 <adec:decorative xmlns:adec="http://schemas.microsoft.com/office/drawing/2017/decorative" val="1"/>
@@ -5355,8 +7644,8 @@
         </p:nvSpPr>
         <p:spPr>
           <a:xfrm>
-            <a:off x="933198" y="931857"/>
-            <a:ext cx="5670400" cy="4996302"/>
+            <a:off x="7357224" y="1402873"/>
+            <a:ext cx="3908293" cy="4088260"/>
           </a:xfrm>
           <a:prstGeom prst="rect">
             <a:avLst/>
@@ -5398,10 +7687,10 @@
       </p:sp>
       <p:sp>
         <p:nvSpPr>
-          <p:cNvPr id="4" name="Title 3">
-            <a:extLst>
-              <a:ext uri="{FF2B5EF4-FFF2-40B4-BE49-F238E27FC236}">
-                <a16:creationId xmlns:a16="http://schemas.microsoft.com/office/drawing/2014/main" id="{D6D0FC5E-DFEF-7CEE-0E0B-2E193AC3E568}"/>
+          <p:cNvPr id="11" name="Content Placeholder 10">
+            <a:extLst>
+              <a:ext uri="{FF2B5EF4-FFF2-40B4-BE49-F238E27FC236}">
+                <a16:creationId xmlns:a16="http://schemas.microsoft.com/office/drawing/2014/main" id="{465803E4-F67D-E8C4-5FED-77589D20D78E}"/>
               </a:ext>
             </a:extLst>
           </p:cNvPr>
@@ -5409,54 +7698,18 @@
             <a:spLocks noGrp="1"/>
           </p:cNvSpPr>
           <p:nvPr>
-            <p:ph type="title"/>
+            <p:ph idx="1"/>
           </p:nvPr>
         </p:nvSpPr>
         <p:spPr>
           <a:xfrm>
-            <a:off x="782418" y="1279153"/>
-            <a:ext cx="5313582" cy="1150329"/>
+            <a:off x="7304091" y="1920643"/>
+            <a:ext cx="3908293" cy="3321400"/>
           </a:xfrm>
         </p:spPr>
         <p:txBody>
           <a:bodyPr>
-            <a:normAutofit/>
-          </a:bodyPr>
-          <a:lstStyle/>
-          <a:p>
-            <a:r>
-              <a:rPr lang="en-GB" dirty="0"/>
-              <a:t>Feature selection Strategies</a:t>
-            </a:r>
-            <a:endParaRPr lang="en-US" dirty="0"/>
-          </a:p>
-        </p:txBody>
-      </p:sp>
-      <p:sp>
-        <p:nvSpPr>
-          <p:cNvPr id="3" name="Text Placeholder 2">
-            <a:extLst>
-              <a:ext uri="{FF2B5EF4-FFF2-40B4-BE49-F238E27FC236}">
-                <a16:creationId xmlns:a16="http://schemas.microsoft.com/office/drawing/2014/main" id="{1BD4E3BD-D0B6-68AB-4A0C-60BC0B63C011}"/>
-              </a:ext>
-            </a:extLst>
-          </p:cNvPr>
-          <p:cNvSpPr>
-            <a:spLocks noGrp="1"/>
-          </p:cNvSpPr>
-          <p:nvPr>
-            <p:ph idx="1"/>
-          </p:nvPr>
-        </p:nvSpPr>
-        <p:spPr>
-          <a:xfrm>
-            <a:off x="1620446" y="2890881"/>
-            <a:ext cx="4227462" cy="2633866"/>
-          </a:xfrm>
-        </p:spPr>
-        <p:txBody>
-          <a:bodyPr>
-            <a:normAutofit/>
+            <a:normAutofit lnSpcReduction="10000"/>
           </a:bodyPr>
           <a:lstStyle/>
           <a:p>
@@ -5466,16 +7719,24 @@
               </a:lnSpc>
             </a:pPr>
             <a:r>
-              <a:rPr lang="en-US" sz="1300"/>
-              <a:t>Feature Importance: Use Random Forest to identify key predictors such as 'amt' and '</a:t>
-            </a:r>
-            <a:r>
-              <a:rPr lang="en-US" sz="1300" err="1"/>
+              <a:rPr lang="en-US" sz="1300" dirty="0"/>
+              <a:t>Permutation Importance: Highlights 'amt' and '</a:t>
+            </a:r>
+            <a:r>
+              <a:rPr lang="en-US" sz="1300" dirty="0" err="1"/>
               <a:t>transaction_hour</a:t>
             </a:r>
             <a:r>
-              <a:rPr lang="en-US" sz="1300"/>
-              <a:t>'.</a:t>
+              <a:rPr lang="en-US" sz="1300" dirty="0"/>
+              <a:t>' as critical predictors in the </a:t>
+            </a:r>
+            <a:r>
+              <a:rPr lang="en-US" sz="1300" dirty="0" err="1"/>
+              <a:t>XGBoost</a:t>
+            </a:r>
+            <a:r>
+              <a:rPr lang="en-US" sz="1300" dirty="0"/>
+              <a:t> model, confirming the pivotal role of transaction amount and timing in fraud detection.</a:t>
             </a:r>
           </a:p>
           <a:p>
@@ -5485,24 +7746,8 @@
               </a:lnSpc>
             </a:pPr>
             <a:r>
-              <a:rPr lang="en-US" sz="1300"/>
-              <a:t>Recursive Feature Elimination: Refine feature selection with RFE, revealing top features like '</a:t>
-            </a:r>
-            <a:r>
-              <a:rPr lang="en-US" sz="1300" err="1"/>
-              <a:t>category_mean_amt</a:t>
-            </a:r>
-            <a:r>
-              <a:rPr lang="en-US" sz="1300"/>
-              <a:t>' and '</a:t>
-            </a:r>
-            <a:r>
-              <a:rPr lang="en-US" sz="1300" err="1"/>
-              <a:t>high_value_transaction</a:t>
-            </a:r>
-            <a:r>
-              <a:rPr lang="en-US" sz="1300"/>
-              <a:t>'.</a:t>
+              <a:rPr lang="en-US" sz="1300" dirty="0"/>
+              <a:t>Partial Dependence Plots: Demonstrates how features like 'amt' exert a non-linear effect on fraud predictions, indicating complex relationships between transaction values and fraud likelihood.</a:t>
             </a:r>
           </a:p>
           <a:p>
@@ -5512,18 +7757,18 @@
               </a:lnSpc>
             </a:pPr>
             <a:r>
-              <a:rPr lang="en-US" sz="1300"/>
-              <a:t>Correlation and Univariate Analysis: Remove redundant features and confirm the significance of individual predictors.</a:t>
+              <a:rPr lang="en-US" sz="1300" dirty="0"/>
+              <a:t>SHAP Values: Offers detailed insights into the impact of individual features, with 'amt' having a substantial and variable influence, thus validating its importance in the model's decision-making process.</a:t>
             </a:r>
           </a:p>
         </p:txBody>
       </p:sp>
       <p:pic>
         <p:nvPicPr>
-          <p:cNvPr id="5" name="Picture 4" descr="A screenshot of a computer&#10;&#10;Description automatically generated">
-            <a:extLst>
-              <a:ext uri="{FF2B5EF4-FFF2-40B4-BE49-F238E27FC236}">
-                <a16:creationId xmlns:a16="http://schemas.microsoft.com/office/drawing/2014/main" id="{3E8B5341-3E53-99BD-1613-D59518DFA12D}"/>
+          <p:cNvPr id="9" name="Picture 8" descr="A screenshot of a graph&#10;&#10;Description automatically generated">
+            <a:extLst>
+              <a:ext uri="{FF2B5EF4-FFF2-40B4-BE49-F238E27FC236}">
+                <a16:creationId xmlns:a16="http://schemas.microsoft.com/office/drawing/2014/main" id="{D9C1927F-4BE4-06A4-DCA8-54F12BB3CB99}"/>
               </a:ext>
             </a:extLst>
           </p:cNvPr>
@@ -5540,13 +7785,78 @@
               </a:ext>
             </a:extLst>
           </a:blip>
-          <a:srcRect l="8019" r="360" b="-2"/>
+          <a:srcRect t="32907"/>
           <a:stretch/>
         </p:blipFill>
         <p:spPr>
           <a:xfrm>
-            <a:off x="7849443" y="914400"/>
-            <a:ext cx="3116418" cy="5029200"/>
+            <a:off x="142348" y="3447003"/>
+            <a:ext cx="3877464" cy="1795040"/>
+          </a:xfrm>
+          <a:prstGeom prst="rect">
+            <a:avLst/>
+          </a:prstGeom>
+        </p:spPr>
+      </p:pic>
+      <p:pic>
+        <p:nvPicPr>
+          <p:cNvPr id="5" name="Picture 4">
+            <a:extLst>
+              <a:ext uri="{FF2B5EF4-FFF2-40B4-BE49-F238E27FC236}">
+                <a16:creationId xmlns:a16="http://schemas.microsoft.com/office/drawing/2014/main" id="{DFF70198-B566-B6E1-5233-3D66ED4691A2}"/>
+              </a:ext>
+            </a:extLst>
+          </p:cNvPr>
+          <p:cNvPicPr>
+            <a:picLocks noChangeAspect="1"/>
+          </p:cNvPicPr>
+          <p:nvPr/>
+        </p:nvPicPr>
+        <p:blipFill>
+          <a:blip r:embed="rId3"/>
+          <a:stretch>
+            <a:fillRect/>
+          </a:stretch>
+        </p:blipFill>
+        <p:spPr>
+          <a:xfrm>
+            <a:off x="4279772" y="477221"/>
+            <a:ext cx="2989220" cy="5786419"/>
+          </a:xfrm>
+          <a:prstGeom prst="rect">
+            <a:avLst/>
+          </a:prstGeom>
+        </p:spPr>
+      </p:pic>
+      <p:pic>
+        <p:nvPicPr>
+          <p:cNvPr id="7" name="Picture 6" descr="A screenshot of a computer&#10;&#10;Description automatically generated">
+            <a:extLst>
+              <a:ext uri="{FF2B5EF4-FFF2-40B4-BE49-F238E27FC236}">
+                <a16:creationId xmlns:a16="http://schemas.microsoft.com/office/drawing/2014/main" id="{78DDBA61-32E9-7DE6-21E3-0FFFE4FFC878}"/>
+              </a:ext>
+            </a:extLst>
+          </p:cNvPr>
+          <p:cNvPicPr>
+            <a:picLocks noChangeAspect="1"/>
+          </p:cNvPicPr>
+          <p:nvPr/>
+        </p:nvPicPr>
+        <p:blipFill rotWithShape="1">
+          <a:blip r:embed="rId4">
+            <a:extLst>
+              <a:ext uri="{28A0092B-C50C-407E-A947-70E740481C1C}">
+                <a14:useLocalDpi xmlns:a14="http://schemas.microsoft.com/office/drawing/2010/main" val="0"/>
+              </a:ext>
+            </a:extLst>
+          </a:blip>
+          <a:srcRect t="41333"/>
+          <a:stretch/>
+        </p:blipFill>
+        <p:spPr>
+          <a:xfrm>
+            <a:off x="233737" y="384252"/>
+            <a:ext cx="4054475" cy="1968323"/>
           </a:xfrm>
           <a:prstGeom prst="rect">
             <a:avLst/>
@@ -5556,7 +7866,7 @@
     </p:spTree>
     <p:extLst>
       <p:ext uri="{BB962C8B-B14F-4D97-AF65-F5344CB8AC3E}">
-        <p14:creationId xmlns:p14="http://schemas.microsoft.com/office/powerpoint/2010/main" val="2065904796"/>
+        <p14:creationId xmlns:p14="http://schemas.microsoft.com/office/powerpoint/2010/main" val="2151423209"/>
       </p:ext>
     </p:extLst>
   </p:cSld>
@@ -5566,7 +7876,7 @@
 </p:sld>
 </file>
 
-<file path=ppt/slides/slide13.xml><?xml version="1.0" encoding="utf-8"?>
+<file path=ppt/slides/slide12.xml><?xml version="1.0" encoding="utf-8"?>
 <p:sld xmlns:a="http://schemas.openxmlformats.org/drawingml/2006/main" xmlns:r="http://schemas.openxmlformats.org/officeDocument/2006/relationships" xmlns:p="http://schemas.openxmlformats.org/presentationml/2006/main">
   <p:cSld>
     <p:bg>
@@ -5591,12 +7901,78 @@
           <a:chExt cx="0" cy="0"/>
         </a:xfrm>
       </p:grpSpPr>
+      <p:sp>
+        <p:nvSpPr>
+          <p:cNvPr id="9" name="Rectangle 8">
+            <a:extLst>
+              <a:ext uri="{FF2B5EF4-FFF2-40B4-BE49-F238E27FC236}">
+                <a16:creationId xmlns:a16="http://schemas.microsoft.com/office/drawing/2014/main" id="{5BE2A49E-0BD9-321C-F602-AFA2FCF9B27B}"/>
+              </a:ext>
+              <a:ext uri="{C183D7F6-B498-43B3-948B-1728B52AA6E4}">
+                <adec:decorative xmlns:adec="http://schemas.microsoft.com/office/drawing/2017/decorative" val="1"/>
+              </a:ext>
+            </a:extLst>
+          </p:cNvPr>
+          <p:cNvSpPr>
+            <a:spLocks noGrp="1" noRot="1" noChangeAspect="1" noMove="1" noResize="1" noEditPoints="1" noAdjustHandles="1" noChangeArrowheads="1" noChangeShapeType="1" noTextEdit="1"/>
+          </p:cNvSpPr>
+          <p:nvPr>
+            <p:extLst>
+              <p:ext uri="{386F3935-93C4-4BCD-93E2-E3B085C9AB24}">
+                <p16:designElem xmlns:p16="http://schemas.microsoft.com/office/powerpoint/2015/main" val="1"/>
+              </p:ext>
+            </p:extLst>
+          </p:nvPr>
+        </p:nvSpPr>
+        <p:spPr>
+          <a:xfrm>
+            <a:off x="933198" y="931857"/>
+            <a:ext cx="10326946" cy="4996302"/>
+          </a:xfrm>
+          <a:prstGeom prst="rect">
+            <a:avLst/>
+          </a:prstGeom>
+          <a:noFill/>
+          <a:ln w="38100">
+            <a:solidFill>
+              <a:schemeClr val="accent1">
+                <a:lumMod val="60000"/>
+                <a:lumOff val="40000"/>
+              </a:schemeClr>
+            </a:solidFill>
+          </a:ln>
+        </p:spPr>
+        <p:style>
+          <a:lnRef idx="2">
+            <a:schemeClr val="accent1">
+              <a:shade val="50000"/>
+            </a:schemeClr>
+          </a:lnRef>
+          <a:fillRef idx="1">
+            <a:schemeClr val="accent1"/>
+          </a:fillRef>
+          <a:effectRef idx="0">
+            <a:schemeClr val="accent1"/>
+          </a:effectRef>
+          <a:fontRef idx="minor">
+            <a:schemeClr val="lt1"/>
+          </a:fontRef>
+        </p:style>
+        <p:txBody>
+          <a:bodyPr rtlCol="0" anchor="ctr"/>
+          <a:lstStyle/>
+          <a:p>
+            <a:pPr algn="ctr"/>
+            <a:endParaRPr lang="en-US"/>
+          </a:p>
+        </p:txBody>
+      </p:sp>
       <p:sp useBgFill="1">
         <p:nvSpPr>
-          <p:cNvPr id="13" name="Rectangle 12">
-            <a:extLst>
-              <a:ext uri="{FF2B5EF4-FFF2-40B4-BE49-F238E27FC236}">
-                <a16:creationId xmlns:a16="http://schemas.microsoft.com/office/drawing/2014/main" id="{1FE4C150-80D5-770F-7B10-707225E5476B}"/>
+          <p:cNvPr id="11" name="Rectangle 10">
+            <a:extLst>
+              <a:ext uri="{FF2B5EF4-FFF2-40B4-BE49-F238E27FC236}">
+                <a16:creationId xmlns:a16="http://schemas.microsoft.com/office/drawing/2014/main" id="{65735658-270A-8D75-091E-AFB444A3D617}"/>
               </a:ext>
               <a:ext uri="{C183D7F6-B498-43B3-948B-1728B52AA6E4}">
                 <adec:decorative xmlns:adec="http://schemas.microsoft.com/office/drawing/2017/decorative" val="1"/>
@@ -5669,10 +8045,10 @@
       </p:sp>
       <p:sp>
         <p:nvSpPr>
-          <p:cNvPr id="15" name="Rectangle 14">
-            <a:extLst>
-              <a:ext uri="{FF2B5EF4-FFF2-40B4-BE49-F238E27FC236}">
-                <a16:creationId xmlns:a16="http://schemas.microsoft.com/office/drawing/2014/main" id="{D150D424-378A-5EAF-BEF3-AB85F9E35F0E}"/>
+          <p:cNvPr id="13" name="Rectangle 12">
+            <a:extLst>
+              <a:ext uri="{FF2B5EF4-FFF2-40B4-BE49-F238E27FC236}">
+                <a16:creationId xmlns:a16="http://schemas.microsoft.com/office/drawing/2014/main" id="{3EA51BF1-65A7-E377-6B1D-63121F80CD6B}"/>
               </a:ext>
               <a:ext uri="{C183D7F6-B498-43B3-948B-1728B52AA6E4}">
                 <adec:decorative xmlns:adec="http://schemas.microsoft.com/office/drawing/2017/decorative" val="1"/>
@@ -5692,8 +8068,8 @@
         </p:nvSpPr>
         <p:spPr>
           <a:xfrm>
-            <a:off x="934639" y="929119"/>
-            <a:ext cx="3713561" cy="4998841"/>
+            <a:off x="934637" y="936478"/>
+            <a:ext cx="10325177" cy="4985964"/>
           </a:xfrm>
           <a:prstGeom prst="rect">
             <a:avLst/>
@@ -5735,10 +8111,10 @@
       </p:sp>
       <p:sp>
         <p:nvSpPr>
-          <p:cNvPr id="2" name="Title 1">
-            <a:extLst>
-              <a:ext uri="{FF2B5EF4-FFF2-40B4-BE49-F238E27FC236}">
-                <a16:creationId xmlns:a16="http://schemas.microsoft.com/office/drawing/2014/main" id="{DA28BF44-8ECF-B6AA-81B9-ABC83190E9BD}"/>
+          <p:cNvPr id="4" name="Title 3">
+            <a:extLst>
+              <a:ext uri="{FF2B5EF4-FFF2-40B4-BE49-F238E27FC236}">
+                <a16:creationId xmlns:a16="http://schemas.microsoft.com/office/drawing/2014/main" id="{92657880-066D-9733-AC07-4536E2B6FE1D}"/>
               </a:ext>
             </a:extLst>
           </p:cNvPr>
@@ -5751,296 +8127,135 @@
         </p:nvSpPr>
         <p:spPr>
           <a:xfrm>
-            <a:off x="758715" y="1573427"/>
-            <a:ext cx="3417870" cy="1589903"/>
+            <a:off x="1152020" y="1510326"/>
+            <a:ext cx="5319119" cy="1830751"/>
           </a:xfrm>
         </p:spPr>
         <p:txBody>
-          <a:bodyPr anchor="t">
+          <a:bodyPr vert="horz" lIns="91440" tIns="45720" rIns="91440" bIns="45720" rtlCol="0" anchor="ctr">
             <a:normAutofit/>
           </a:bodyPr>
           <a:lstStyle/>
           <a:p>
             <a:r>
-              <a:rPr lang="en-GB" dirty="0"/>
-              <a:t>Recursive Feature Elimination </a:t>
-            </a:r>
-            <a:endParaRPr lang="en-US" dirty="0"/>
-          </a:p>
-        </p:txBody>
-      </p:sp>
-      <p:graphicFrame>
-        <p:nvGraphicFramePr>
-          <p:cNvPr id="8" name="Content Placeholder 7">
-            <a:extLst>
-              <a:ext uri="{FF2B5EF4-FFF2-40B4-BE49-F238E27FC236}">
-                <a16:creationId xmlns:a16="http://schemas.microsoft.com/office/drawing/2014/main" id="{5BA69603-DB1A-D9A2-5DD6-41DAB5881703}"/>
-              </a:ext>
-            </a:extLst>
-          </p:cNvPr>
-          <p:cNvGraphicFramePr>
-            <a:graphicFrameLocks noGrp="1"/>
-          </p:cNvGraphicFramePr>
-          <p:nvPr>
-            <p:ph idx="1"/>
-            <p:extLst>
-              <p:ext uri="{D42A27DB-BD31-4B8C-83A1-F6EECF244321}">
-                <p14:modId xmlns:p14="http://schemas.microsoft.com/office/powerpoint/2010/main" val="1185039655"/>
-              </p:ext>
-            </p:extLst>
-          </p:nvPr>
-        </p:nvGraphicFramePr>
-        <p:xfrm>
-          <a:off x="5934439" y="914400"/>
-          <a:ext cx="4858111" cy="5029211"/>
-        </p:xfrm>
-        <a:graphic>
-          <a:graphicData uri="http://schemas.openxmlformats.org/drawingml/2006/table">
-            <a:tbl>
-              <a:tblPr firstRow="1" bandRow="1">
-                <a:tableStyleId>{5C22544A-7EE6-4342-B048-85BDC9FD1C3A}</a:tableStyleId>
-              </a:tblPr>
-              <a:tblGrid>
-                <a:gridCol w="4858111">
-                  <a:extLst>
-                    <a:ext uri="{9D8B030D-6E8A-4147-A177-3AD203B41FA5}">
-                      <a16:colId xmlns:a16="http://schemas.microsoft.com/office/drawing/2014/main" val="3064472994"/>
-                    </a:ext>
-                  </a:extLst>
-                </a:gridCol>
-              </a:tblGrid>
-              <a:tr h="457201">
-                <a:tc>
-                  <a:txBody>
-                    <a:bodyPr/>
-                    <a:lstStyle/>
-                    <a:p>
-                      <a:r>
-                        <a:rPr lang="en-GB" sz="2000"/>
-                        <a:t>Features</a:t>
-                      </a:r>
-                      <a:endParaRPr lang="en-US" sz="2000"/>
-                    </a:p>
-                  </a:txBody>
-                  <a:tcPr marL="103909" marR="103909" marT="51955" marB="51955"/>
-                </a:tc>
-                <a:extLst>
-                  <a:ext uri="{0D108BD9-81ED-4DB2-BD59-A6C34878D82A}">
-                    <a16:rowId xmlns:a16="http://schemas.microsoft.com/office/drawing/2014/main" val="1375677148"/>
-                  </a:ext>
-                </a:extLst>
-              </a:tr>
-              <a:tr h="457201">
-                <a:tc>
-                  <a:txBody>
-                    <a:bodyPr/>
-                    <a:lstStyle/>
-                    <a:p>
-                      <a:r>
-                        <a:rPr lang="en-GB" sz="2000"/>
-                        <a:t>Amt</a:t>
-                      </a:r>
-                    </a:p>
-                  </a:txBody>
-                  <a:tcPr marL="103909" marR="103909" marT="51955" marB="51955"/>
-                </a:tc>
-                <a:extLst>
-                  <a:ext uri="{0D108BD9-81ED-4DB2-BD59-A6C34878D82A}">
-                    <a16:rowId xmlns:a16="http://schemas.microsoft.com/office/drawing/2014/main" val="1295786316"/>
-                  </a:ext>
-                </a:extLst>
-              </a:tr>
-              <a:tr h="457201">
-                <a:tc>
-                  <a:txBody>
-                    <a:bodyPr/>
-                    <a:lstStyle/>
-                    <a:p>
-                      <a:r>
-                        <a:rPr lang="en-US" sz="2000"/>
-                        <a:t>category_mean_amt</a:t>
-                      </a:r>
-                    </a:p>
-                  </a:txBody>
-                  <a:tcPr marL="103909" marR="103909" marT="51955" marB="51955"/>
-                </a:tc>
-                <a:extLst>
-                  <a:ext uri="{0D108BD9-81ED-4DB2-BD59-A6C34878D82A}">
-                    <a16:rowId xmlns:a16="http://schemas.microsoft.com/office/drawing/2014/main" val="1335375153"/>
-                  </a:ext>
-                </a:extLst>
-              </a:tr>
-              <a:tr h="457201">
-                <a:tc>
-                  <a:txBody>
-                    <a:bodyPr/>
-                    <a:lstStyle/>
-                    <a:p>
-                      <a:r>
-                        <a:rPr lang="en-US" sz="2000"/>
-                        <a:t>high_value_transaction </a:t>
-                      </a:r>
-                    </a:p>
-                  </a:txBody>
-                  <a:tcPr marL="103909" marR="103909" marT="51955" marB="51955"/>
-                </a:tc>
-                <a:extLst>
-                  <a:ext uri="{0D108BD9-81ED-4DB2-BD59-A6C34878D82A}">
-                    <a16:rowId xmlns:a16="http://schemas.microsoft.com/office/drawing/2014/main" val="666881371"/>
-                  </a:ext>
-                </a:extLst>
-              </a:tr>
-              <a:tr h="457201">
-                <a:tc>
-                  <a:txBody>
-                    <a:bodyPr/>
-                    <a:lstStyle/>
-                    <a:p>
-                      <a:r>
-                        <a:rPr lang="en-US" sz="2000"/>
-                        <a:t>distance_km </a:t>
-                      </a:r>
-                    </a:p>
-                  </a:txBody>
-                  <a:tcPr marL="103909" marR="103909" marT="51955" marB="51955"/>
-                </a:tc>
-                <a:extLst>
-                  <a:ext uri="{0D108BD9-81ED-4DB2-BD59-A6C34878D82A}">
-                    <a16:rowId xmlns:a16="http://schemas.microsoft.com/office/drawing/2014/main" val="802429362"/>
-                  </a:ext>
-                </a:extLst>
-              </a:tr>
-              <a:tr h="457201">
-                <a:tc>
-                  <a:txBody>
-                    <a:bodyPr/>
-                    <a:lstStyle/>
-                    <a:p>
-                      <a:r>
-                        <a:rPr lang="en-US" sz="2000"/>
-                        <a:t>age_at_transaction 1 </a:t>
-                      </a:r>
-                    </a:p>
-                  </a:txBody>
-                  <a:tcPr marL="103909" marR="103909" marT="51955" marB="51955"/>
-                </a:tc>
-                <a:extLst>
-                  <a:ext uri="{0D108BD9-81ED-4DB2-BD59-A6C34878D82A}">
-                    <a16:rowId xmlns:a16="http://schemas.microsoft.com/office/drawing/2014/main" val="3963529647"/>
-                  </a:ext>
-                </a:extLst>
-              </a:tr>
-              <a:tr h="457201">
-                <a:tc>
-                  <a:txBody>
-                    <a:bodyPr/>
-                    <a:lstStyle/>
-                    <a:p>
-                      <a:r>
-                        <a:rPr lang="en-US" sz="2000"/>
-                        <a:t>transaction_hour </a:t>
-                      </a:r>
-                    </a:p>
-                  </a:txBody>
-                  <a:tcPr marL="103909" marR="103909" marT="51955" marB="51955"/>
-                </a:tc>
-                <a:extLst>
-                  <a:ext uri="{0D108BD9-81ED-4DB2-BD59-A6C34878D82A}">
-                    <a16:rowId xmlns:a16="http://schemas.microsoft.com/office/drawing/2014/main" val="1222826125"/>
-                  </a:ext>
-                </a:extLst>
-              </a:tr>
-              <a:tr h="457201">
-                <a:tc>
-                  <a:txBody>
-                    <a:bodyPr/>
-                    <a:lstStyle/>
-                    <a:p>
-                      <a:r>
-                        <a:rPr lang="en-US" sz="2000"/>
-                        <a:t>category_freq </a:t>
-                      </a:r>
-                    </a:p>
-                  </a:txBody>
-                  <a:tcPr marL="103909" marR="103909" marT="51955" marB="51955"/>
-                </a:tc>
-                <a:extLst>
-                  <a:ext uri="{0D108BD9-81ED-4DB2-BD59-A6C34878D82A}">
-                    <a16:rowId xmlns:a16="http://schemas.microsoft.com/office/drawing/2014/main" val="4192001140"/>
-                  </a:ext>
-                </a:extLst>
-              </a:tr>
-              <a:tr h="457201">
-                <a:tc>
-                  <a:txBody>
-                    <a:bodyPr/>
-                    <a:lstStyle/>
-                    <a:p>
-                      <a:r>
-                        <a:rPr lang="en-GB" sz="2000"/>
-                        <a:t>Merch_lat</a:t>
-                      </a:r>
-                      <a:endParaRPr lang="en-US" sz="2000"/>
-                    </a:p>
-                  </a:txBody>
-                  <a:tcPr marL="103909" marR="103909" marT="51955" marB="51955"/>
-                </a:tc>
-                <a:extLst>
-                  <a:ext uri="{0D108BD9-81ED-4DB2-BD59-A6C34878D82A}">
-                    <a16:rowId xmlns:a16="http://schemas.microsoft.com/office/drawing/2014/main" val="2089365135"/>
-                  </a:ext>
-                </a:extLst>
-              </a:tr>
-              <a:tr h="457201">
-                <a:tc>
-                  <a:txBody>
-                    <a:bodyPr/>
-                    <a:lstStyle/>
-                    <a:p>
-                      <a:r>
-                        <a:rPr lang="en-GB" sz="2000"/>
-                        <a:t>City_pop</a:t>
-                      </a:r>
-                      <a:endParaRPr lang="en-US" sz="2000"/>
-                    </a:p>
-                  </a:txBody>
-                  <a:tcPr marL="103909" marR="103909" marT="51955" marB="51955"/>
-                </a:tc>
-                <a:extLst>
-                  <a:ext uri="{0D108BD9-81ED-4DB2-BD59-A6C34878D82A}">
-                    <a16:rowId xmlns:a16="http://schemas.microsoft.com/office/drawing/2014/main" val="3935554804"/>
-                  </a:ext>
-                </a:extLst>
-              </a:tr>
-              <a:tr h="457201">
-                <a:tc>
-                  <a:txBody>
-                    <a:bodyPr/>
-                    <a:lstStyle/>
-                    <a:p>
-                      <a:r>
-                        <a:rPr lang="en-GB" sz="2000" dirty="0" err="1"/>
-                        <a:t>Merch_long</a:t>
-                      </a:r>
-                      <a:endParaRPr lang="en-US" sz="2000" dirty="0"/>
-                    </a:p>
-                  </a:txBody>
-                  <a:tcPr marL="103909" marR="103909" marT="51955" marB="51955"/>
-                </a:tc>
-                <a:extLst>
-                  <a:ext uri="{0D108BD9-81ED-4DB2-BD59-A6C34878D82A}">
-                    <a16:rowId xmlns:a16="http://schemas.microsoft.com/office/drawing/2014/main" val="2111886529"/>
-                  </a:ext>
-                </a:extLst>
-              </a:tr>
-            </a:tbl>
-          </a:graphicData>
-        </a:graphic>
-      </p:graphicFrame>
+              <a:rPr lang="en-US" spc="530" dirty="0"/>
+              <a:t>5</a:t>
+            </a:r>
+            <a:br>
+              <a:rPr lang="en-US" spc="530" dirty="0"/>
+            </a:br>
+            <a:r>
+              <a:rPr lang="en-US" spc="530" dirty="0"/>
+              <a:t>Conclusion</a:t>
+            </a:r>
+          </a:p>
+        </p:txBody>
+      </p:sp>
     </p:spTree>
     <p:extLst>
       <p:ext uri="{BB962C8B-B14F-4D97-AF65-F5344CB8AC3E}">
-        <p14:creationId xmlns:p14="http://schemas.microsoft.com/office/powerpoint/2010/main" val="3308848648"/>
+        <p14:creationId xmlns:p14="http://schemas.microsoft.com/office/powerpoint/2010/main" val="425582523"/>
+      </p:ext>
+    </p:extLst>
+  </p:cSld>
+  <p:clrMapOvr>
+    <a:masterClrMapping/>
+  </p:clrMapOvr>
+</p:sld>
+</file>
+
+<file path=ppt/slides/slide13.xml><?xml version="1.0" encoding="utf-8"?>
+<p:sld xmlns:a="http://schemas.openxmlformats.org/drawingml/2006/main" xmlns:r="http://schemas.openxmlformats.org/officeDocument/2006/relationships" xmlns:p="http://schemas.openxmlformats.org/presentationml/2006/main">
+  <p:cSld>
+    <p:spTree>
+      <p:nvGrpSpPr>
+        <p:cNvPr id="1" name=""/>
+        <p:cNvGrpSpPr/>
+        <p:nvPr/>
+      </p:nvGrpSpPr>
+      <p:grpSpPr>
+        <a:xfrm>
+          <a:off x="0" y="0"/>
+          <a:ext cx="0" cy="0"/>
+          <a:chOff x="0" y="0"/>
+          <a:chExt cx="0" cy="0"/>
+        </a:xfrm>
+      </p:grpSpPr>
+      <p:sp>
+        <p:nvSpPr>
+          <p:cNvPr id="2" name="Title 1">
+            <a:extLst>
+              <a:ext uri="{FF2B5EF4-FFF2-40B4-BE49-F238E27FC236}">
+                <a16:creationId xmlns:a16="http://schemas.microsoft.com/office/drawing/2014/main" id="{315CA50B-9E9C-9529-6FFC-89E0A3C51C1F}"/>
+              </a:ext>
+            </a:extLst>
+          </p:cNvPr>
+          <p:cNvSpPr>
+            <a:spLocks noGrp="1"/>
+          </p:cNvSpPr>
+          <p:nvPr>
+            <p:ph type="title"/>
+          </p:nvPr>
+        </p:nvSpPr>
+        <p:spPr/>
+        <p:txBody>
+          <a:bodyPr/>
+          <a:lstStyle/>
+          <a:p>
+            <a:r>
+              <a:rPr lang="en-GB" dirty="0"/>
+              <a:t>Considerations</a:t>
+            </a:r>
+            <a:endParaRPr lang="en-US" dirty="0"/>
+          </a:p>
+        </p:txBody>
+      </p:sp>
+      <p:sp>
+        <p:nvSpPr>
+          <p:cNvPr id="3" name="Content Placeholder 2">
+            <a:extLst>
+              <a:ext uri="{FF2B5EF4-FFF2-40B4-BE49-F238E27FC236}">
+                <a16:creationId xmlns:a16="http://schemas.microsoft.com/office/drawing/2014/main" id="{9A14A692-4A1B-6682-35B2-2AB234C4F8FC}"/>
+              </a:ext>
+            </a:extLst>
+          </p:cNvPr>
+          <p:cNvSpPr>
+            <a:spLocks noGrp="1"/>
+          </p:cNvSpPr>
+          <p:nvPr>
+            <p:ph idx="1"/>
+          </p:nvPr>
+        </p:nvSpPr>
+        <p:spPr/>
+        <p:txBody>
+          <a:bodyPr>
+            <a:normAutofit/>
+          </a:bodyPr>
+          <a:lstStyle/>
+          <a:p>
+            <a:r>
+              <a:rPr lang="en-US" dirty="0"/>
+              <a:t>Synthetic Data Limitations: The current model is based on simulated data, which might not capture all real-world complexities and behavioral patterns.</a:t>
+            </a:r>
+          </a:p>
+          <a:p>
+            <a:r>
+              <a:rPr lang="en-US" dirty="0"/>
+              <a:t>Regional Specificity: The data and model are localized to the Western United States, which could limit applicability to different geographic areas with varying fraud dynamics.</a:t>
+            </a:r>
+          </a:p>
+          <a:p>
+            <a:r>
+              <a:rPr lang="en-US" dirty="0"/>
+              <a:t>Data Privacy Compliance: Continuous monitoring and updating of data privacy measures to ensure compliance while utilizing data effectively for fraud detection.</a:t>
+            </a:r>
+          </a:p>
+        </p:txBody>
+      </p:sp>
+    </p:spTree>
+    <p:extLst>
+      <p:ext uri="{BB962C8B-B14F-4D97-AF65-F5344CB8AC3E}">
+        <p14:creationId xmlns:p14="http://schemas.microsoft.com/office/powerpoint/2010/main" val="1636987395"/>
       </p:ext>
     </p:extLst>
   </p:cSld>
@@ -6072,7 +8287,7 @@
           <p:cNvPr id="2" name="Title 1">
             <a:extLst>
               <a:ext uri="{FF2B5EF4-FFF2-40B4-BE49-F238E27FC236}">
-                <a16:creationId xmlns:a16="http://schemas.microsoft.com/office/drawing/2014/main" id="{B6FBA6E6-8613-A8EE-80BA-B0E712A01BEA}"/>
+                <a16:creationId xmlns:a16="http://schemas.microsoft.com/office/drawing/2014/main" id="{E35E2BDE-CA48-8742-F291-F928B86E8FAC}"/>
               </a:ext>
             </a:extLst>
           </p:cNvPr>
@@ -6090,7 +8305,7 @@
           <a:p>
             <a:r>
               <a:rPr lang="en-GB" dirty="0"/>
-              <a:t>Correlation Analysis &amp; Univariate Selection </a:t>
+              <a:t>Future Directions</a:t>
             </a:r>
             <a:endParaRPr lang="en-US" dirty="0"/>
           </a:p>
@@ -6101,7 +8316,7 @@
           <p:cNvPr id="3" name="Content Placeholder 2">
             <a:extLst>
               <a:ext uri="{FF2B5EF4-FFF2-40B4-BE49-F238E27FC236}">
-                <a16:creationId xmlns:a16="http://schemas.microsoft.com/office/drawing/2014/main" id="{6E0C446A-96E9-1189-C144-2C7EC149B667}"/>
+                <a16:creationId xmlns:a16="http://schemas.microsoft.com/office/drawing/2014/main" id="{ACF0E13C-1565-9EB2-7332-1E543E28B750}"/>
               </a:ext>
             </a:extLst>
           </p:cNvPr>
@@ -6114,50 +8329,26 @@
         </p:nvSpPr>
         <p:spPr/>
         <p:txBody>
-          <a:bodyPr/>
+          <a:bodyPr>
+            <a:normAutofit/>
+          </a:bodyPr>
           <a:lstStyle/>
           <a:p>
             <a:r>
               <a:rPr lang="en-US" dirty="0"/>
-              <a:t>A correlation matrix helped identify highly correlated features to consider for removal. Features such as '</a:t>
-            </a:r>
-            <a:r>
-              <a:rPr lang="en-US" dirty="0" err="1"/>
-              <a:t>merch_long</a:t>
-            </a:r>
+              <a:t>Real-World Application: Plan to deploy the model in a controlled real-world environment to validate its practical effectiveness and refine it based on actual transaction data.</a:t>
+            </a:r>
+          </a:p>
+          <a:p>
             <a:r>
               <a:rPr lang="en-US" dirty="0"/>
-              <a:t>' and '</a:t>
-            </a:r>
-            <a:r>
-              <a:rPr lang="en-US" dirty="0" err="1"/>
-              <a:t>is_weekend</a:t>
-            </a:r>
+              <a:t>Broader Data Integration: To enhance generalization, consider incorporating data from various regions and countries, taking into account different types of fraud that may not have been represented in the synthetic dataset.</a:t>
+            </a:r>
+          </a:p>
+          <a:p>
             <a:r>
               <a:rPr lang="en-US" dirty="0"/>
-              <a:t>' have high correlation with other features and thus, are candidates for removal to reduce redundancy and potential multicollinearity in the model.</a:t>
-            </a:r>
-          </a:p>
-          <a:p>
-            <a:r>
-              <a:rPr lang="en-US" dirty="0"/>
-              <a:t>Using univariate selection techniques, I determined that seven features, including 'amt', '</a:t>
-            </a:r>
-            <a:r>
-              <a:rPr lang="en-US" dirty="0" err="1"/>
-              <a:t>age_at_transaction</a:t>
-            </a:r>
-            <a:r>
-              <a:rPr lang="en-US" dirty="0"/>
-              <a:t>', and '</a:t>
-            </a:r>
-            <a:r>
-              <a:rPr lang="en-US" dirty="0" err="1"/>
-              <a:t>category_mean_amt</a:t>
-            </a:r>
-            <a:r>
-              <a:rPr lang="en-US" dirty="0"/>
-              <a:t>', are significant on their own in predicting the target variable. This method complements the previous feature selection steps and reaffirms the importance of certain features.</a:t>
+              <a:t>Continuous Model Evolution: Implement mechanisms for the model to evolve with new fraud tactics using techniques like online learning or reinforcement learning to adapt to emerging fraud patterns.</a:t>
             </a:r>
           </a:p>
         </p:txBody>
@@ -6165,7 +8356,7 @@
     </p:spTree>
     <p:extLst>
       <p:ext uri="{BB962C8B-B14F-4D97-AF65-F5344CB8AC3E}">
-        <p14:creationId xmlns:p14="http://schemas.microsoft.com/office/powerpoint/2010/main" val="2077938820"/>
+        <p14:creationId xmlns:p14="http://schemas.microsoft.com/office/powerpoint/2010/main" val="2297161811"/>
       </p:ext>
     </p:extLst>
   </p:cSld>
@@ -6176,826 +8367,6 @@
 </file>
 
 <file path=ppt/slides/slide15.xml><?xml version="1.0" encoding="utf-8"?>
-<p:sld xmlns:a="http://schemas.openxmlformats.org/drawingml/2006/main" xmlns:r="http://schemas.openxmlformats.org/officeDocument/2006/relationships" xmlns:p="http://schemas.openxmlformats.org/presentationml/2006/main">
-  <p:cSld>
-    <p:spTree>
-      <p:nvGrpSpPr>
-        <p:cNvPr id="1" name=""/>
-        <p:cNvGrpSpPr/>
-        <p:nvPr/>
-      </p:nvGrpSpPr>
-      <p:grpSpPr>
-        <a:xfrm>
-          <a:off x="0" y="0"/>
-          <a:ext cx="0" cy="0"/>
-          <a:chOff x="0" y="0"/>
-          <a:chExt cx="0" cy="0"/>
-        </a:xfrm>
-      </p:grpSpPr>
-      <p:sp>
-        <p:nvSpPr>
-          <p:cNvPr id="2" name="Title 1">
-            <a:extLst>
-              <a:ext uri="{FF2B5EF4-FFF2-40B4-BE49-F238E27FC236}">
-                <a16:creationId xmlns:a16="http://schemas.microsoft.com/office/drawing/2014/main" id="{0CAD277C-2DFB-AB59-287B-E0985594EAA6}"/>
-              </a:ext>
-            </a:extLst>
-          </p:cNvPr>
-          <p:cNvSpPr>
-            <a:spLocks noGrp="1"/>
-          </p:cNvSpPr>
-          <p:nvPr>
-            <p:ph type="title"/>
-          </p:nvPr>
-        </p:nvSpPr>
-        <p:spPr/>
-        <p:txBody>
-          <a:bodyPr/>
-          <a:lstStyle/>
-          <a:p>
-            <a:r>
-              <a:rPr lang="en-GB" dirty="0"/>
-              <a:t>Final Features</a:t>
-            </a:r>
-            <a:endParaRPr lang="en-US" dirty="0"/>
-          </a:p>
-        </p:txBody>
-      </p:sp>
-      <p:sp>
-        <p:nvSpPr>
-          <p:cNvPr id="3" name="Content Placeholder 2">
-            <a:extLst>
-              <a:ext uri="{FF2B5EF4-FFF2-40B4-BE49-F238E27FC236}">
-                <a16:creationId xmlns:a16="http://schemas.microsoft.com/office/drawing/2014/main" id="{9E028BCE-ACBC-2F68-0CD9-12ED3E5943DA}"/>
-              </a:ext>
-            </a:extLst>
-          </p:cNvPr>
-          <p:cNvSpPr>
-            <a:spLocks noGrp="1"/>
-          </p:cNvSpPr>
-          <p:nvPr>
-            <p:ph idx="1"/>
-          </p:nvPr>
-        </p:nvSpPr>
-        <p:spPr/>
-        <p:txBody>
-          <a:bodyPr/>
-          <a:lstStyle/>
-          <a:p>
-            <a:pPr marL="342900" indent="-342900">
-              <a:buFont typeface="+mj-lt"/>
-              <a:buAutoNum type="arabicPeriod"/>
-            </a:pPr>
-            <a:r>
-              <a:rPr lang="en-US" dirty="0"/>
-              <a:t>'amt’</a:t>
-            </a:r>
-          </a:p>
-          <a:p>
-            <a:pPr marL="342900" indent="-342900">
-              <a:buFont typeface="+mj-lt"/>
-              <a:buAutoNum type="arabicPeriod"/>
-            </a:pPr>
-            <a:r>
-              <a:rPr lang="en-US" dirty="0"/>
-              <a:t>'</a:t>
-            </a:r>
-            <a:r>
-              <a:rPr lang="en-US" dirty="0" err="1"/>
-              <a:t>category_mean_amt</a:t>
-            </a:r>
-            <a:r>
-              <a:rPr lang="en-US" dirty="0"/>
-              <a:t>’</a:t>
-            </a:r>
-          </a:p>
-          <a:p>
-            <a:pPr marL="342900" indent="-342900">
-              <a:buFont typeface="+mj-lt"/>
-              <a:buAutoNum type="arabicPeriod"/>
-            </a:pPr>
-            <a:r>
-              <a:rPr lang="en-US" dirty="0"/>
-              <a:t>'</a:t>
-            </a:r>
-            <a:r>
-              <a:rPr lang="en-US" dirty="0" err="1"/>
-              <a:t>high_value_transaction</a:t>
-            </a:r>
-            <a:r>
-              <a:rPr lang="en-US" dirty="0"/>
-              <a:t>’</a:t>
-            </a:r>
-          </a:p>
-          <a:p>
-            <a:pPr marL="342900" indent="-342900">
-              <a:buFont typeface="+mj-lt"/>
-              <a:buAutoNum type="arabicPeriod"/>
-            </a:pPr>
-            <a:r>
-              <a:rPr lang="en-US" dirty="0"/>
-              <a:t>'</a:t>
-            </a:r>
-            <a:r>
-              <a:rPr lang="en-US" dirty="0" err="1"/>
-              <a:t>distance_km</a:t>
-            </a:r>
-            <a:r>
-              <a:rPr lang="en-US" dirty="0"/>
-              <a:t>’</a:t>
-            </a:r>
-          </a:p>
-          <a:p>
-            <a:pPr marL="342900" indent="-342900">
-              <a:buFont typeface="+mj-lt"/>
-              <a:buAutoNum type="arabicPeriod"/>
-            </a:pPr>
-            <a:r>
-              <a:rPr lang="en-US" dirty="0"/>
-              <a:t>'</a:t>
-            </a:r>
-            <a:r>
-              <a:rPr lang="en-US" dirty="0" err="1"/>
-              <a:t>age_at_transaction</a:t>
-            </a:r>
-            <a:r>
-              <a:rPr lang="en-US" dirty="0"/>
-              <a:t>’</a:t>
-            </a:r>
-          </a:p>
-          <a:p>
-            <a:pPr marL="342900" indent="-342900">
-              <a:buFont typeface="+mj-lt"/>
-              <a:buAutoNum type="arabicPeriod"/>
-            </a:pPr>
-            <a:r>
-              <a:rPr lang="en-US" dirty="0"/>
-              <a:t> '</a:t>
-            </a:r>
-            <a:r>
-              <a:rPr lang="en-US" dirty="0" err="1"/>
-              <a:t>transaction_hour</a:t>
-            </a:r>
-            <a:r>
-              <a:rPr lang="en-US" dirty="0"/>
-              <a:t>’</a:t>
-            </a:r>
-          </a:p>
-          <a:p>
-            <a:pPr marL="342900" indent="-342900">
-              <a:buFont typeface="+mj-lt"/>
-              <a:buAutoNum type="arabicPeriod"/>
-            </a:pPr>
-            <a:r>
-              <a:rPr lang="en-US" dirty="0"/>
-              <a:t>'category_freq'</a:t>
-            </a:r>
-          </a:p>
-        </p:txBody>
-      </p:sp>
-    </p:spTree>
-    <p:extLst>
-      <p:ext uri="{BB962C8B-B14F-4D97-AF65-F5344CB8AC3E}">
-        <p14:creationId xmlns:p14="http://schemas.microsoft.com/office/powerpoint/2010/main" val="2365061766"/>
-      </p:ext>
-    </p:extLst>
-  </p:cSld>
-  <p:clrMapOvr>
-    <a:masterClrMapping/>
-  </p:clrMapOvr>
-</p:sld>
-</file>
-
-<file path=ppt/slides/slide16.xml><?xml version="1.0" encoding="utf-8"?>
-<p:sld xmlns:a="http://schemas.openxmlformats.org/drawingml/2006/main" xmlns:r="http://schemas.openxmlformats.org/officeDocument/2006/relationships" xmlns:p="http://schemas.openxmlformats.org/presentationml/2006/main">
-  <p:cSld>
-    <p:spTree>
-      <p:nvGrpSpPr>
-        <p:cNvPr id="1" name=""/>
-        <p:cNvGrpSpPr/>
-        <p:nvPr/>
-      </p:nvGrpSpPr>
-      <p:grpSpPr>
-        <a:xfrm>
-          <a:off x="0" y="0"/>
-          <a:ext cx="0" cy="0"/>
-          <a:chOff x="0" y="0"/>
-          <a:chExt cx="0" cy="0"/>
-        </a:xfrm>
-      </p:grpSpPr>
-      <p:sp>
-        <p:nvSpPr>
-          <p:cNvPr id="4" name="Title 3">
-            <a:extLst>
-              <a:ext uri="{FF2B5EF4-FFF2-40B4-BE49-F238E27FC236}">
-                <a16:creationId xmlns:a16="http://schemas.microsoft.com/office/drawing/2014/main" id="{88B548FF-BF20-977A-873F-134B7BFF9427}"/>
-              </a:ext>
-            </a:extLst>
-          </p:cNvPr>
-          <p:cNvSpPr>
-            <a:spLocks noGrp="1"/>
-          </p:cNvSpPr>
-          <p:nvPr>
-            <p:ph type="title"/>
-          </p:nvPr>
-        </p:nvSpPr>
-        <p:spPr/>
-        <p:txBody>
-          <a:bodyPr/>
-          <a:lstStyle/>
-          <a:p>
-            <a:r>
-              <a:rPr lang="en-GB" dirty="0"/>
-              <a:t>Modelling </a:t>
-            </a:r>
-            <a:endParaRPr lang="en-US" dirty="0"/>
-          </a:p>
-        </p:txBody>
-      </p:sp>
-      <p:sp>
-        <p:nvSpPr>
-          <p:cNvPr id="5" name="Text Placeholder 4">
-            <a:extLst>
-              <a:ext uri="{FF2B5EF4-FFF2-40B4-BE49-F238E27FC236}">
-                <a16:creationId xmlns:a16="http://schemas.microsoft.com/office/drawing/2014/main" id="{EF5B0C71-1A82-E48D-52D5-4A4B65C99D20}"/>
-              </a:ext>
-            </a:extLst>
-          </p:cNvPr>
-          <p:cNvSpPr>
-            <a:spLocks noGrp="1"/>
-          </p:cNvSpPr>
-          <p:nvPr>
-            <p:ph type="body" idx="1"/>
-          </p:nvPr>
-        </p:nvSpPr>
-        <p:spPr/>
-        <p:txBody>
-          <a:bodyPr/>
-          <a:lstStyle/>
-          <a:p>
-            <a:r>
-              <a:rPr lang="en-GB" dirty="0"/>
-              <a:t>4</a:t>
-            </a:r>
-            <a:endParaRPr lang="en-US" dirty="0"/>
-          </a:p>
-        </p:txBody>
-      </p:sp>
-    </p:spTree>
-    <p:extLst>
-      <p:ext uri="{BB962C8B-B14F-4D97-AF65-F5344CB8AC3E}">
-        <p14:creationId xmlns:p14="http://schemas.microsoft.com/office/powerpoint/2010/main" val="3531615720"/>
-      </p:ext>
-    </p:extLst>
-  </p:cSld>
-  <p:clrMapOvr>
-    <a:masterClrMapping/>
-  </p:clrMapOvr>
-</p:sld>
-</file>
-
-<file path=ppt/slides/slide17.xml><?xml version="1.0" encoding="utf-8"?>
-<p:sld xmlns:a="http://schemas.openxmlformats.org/drawingml/2006/main" xmlns:r="http://schemas.openxmlformats.org/officeDocument/2006/relationships" xmlns:p="http://schemas.openxmlformats.org/presentationml/2006/main">
-  <p:cSld>
-    <p:spTree>
-      <p:nvGrpSpPr>
-        <p:cNvPr id="1" name=""/>
-        <p:cNvGrpSpPr/>
-        <p:nvPr/>
-      </p:nvGrpSpPr>
-      <p:grpSpPr>
-        <a:xfrm>
-          <a:off x="0" y="0"/>
-          <a:ext cx="0" cy="0"/>
-          <a:chOff x="0" y="0"/>
-          <a:chExt cx="0" cy="0"/>
-        </a:xfrm>
-      </p:grpSpPr>
-      <p:sp>
-        <p:nvSpPr>
-          <p:cNvPr id="4" name="Title 3">
-            <a:extLst>
-              <a:ext uri="{FF2B5EF4-FFF2-40B4-BE49-F238E27FC236}">
-                <a16:creationId xmlns:a16="http://schemas.microsoft.com/office/drawing/2014/main" id="{1ED5ABFC-C579-6D55-FB38-EC4A77C14B44}"/>
-              </a:ext>
-            </a:extLst>
-          </p:cNvPr>
-          <p:cNvSpPr>
-            <a:spLocks noGrp="1"/>
-          </p:cNvSpPr>
-          <p:nvPr>
-            <p:ph type="title"/>
-          </p:nvPr>
-        </p:nvSpPr>
-        <p:spPr/>
-        <p:txBody>
-          <a:bodyPr/>
-          <a:lstStyle/>
-          <a:p>
-            <a:r>
-              <a:rPr lang="en-GB" dirty="0"/>
-              <a:t>Comparative analysis of predictive models</a:t>
-            </a:r>
-            <a:endParaRPr lang="en-US" dirty="0"/>
-          </a:p>
-        </p:txBody>
-      </p:sp>
-      <p:sp>
-        <p:nvSpPr>
-          <p:cNvPr id="5" name="Content Placeholder 4">
-            <a:extLst>
-              <a:ext uri="{FF2B5EF4-FFF2-40B4-BE49-F238E27FC236}">
-                <a16:creationId xmlns:a16="http://schemas.microsoft.com/office/drawing/2014/main" id="{2B6A28D8-D6FC-D912-A4AD-5E57EE150DEF}"/>
-              </a:ext>
-            </a:extLst>
-          </p:cNvPr>
-          <p:cNvSpPr>
-            <a:spLocks noGrp="1"/>
-          </p:cNvSpPr>
-          <p:nvPr>
-            <p:ph idx="1"/>
-          </p:nvPr>
-        </p:nvSpPr>
-        <p:spPr/>
-        <p:txBody>
-          <a:bodyPr>
-            <a:normAutofit fontScale="70000" lnSpcReduction="20000"/>
-          </a:bodyPr>
-          <a:lstStyle/>
-          <a:p>
-            <a:r>
-              <a:rPr lang="en-GB" dirty="0"/>
-              <a:t>Overview: In </a:t>
-            </a:r>
-            <a:r>
-              <a:rPr lang="en-US" dirty="0"/>
-              <a:t>tackling this classification problem, we focus on models renowned for their predictive performance in binary outcomes—fraudulent or legitimate transactions.</a:t>
-            </a:r>
-          </a:p>
-          <a:p>
-            <a:r>
-              <a:rPr lang="en-US" dirty="0"/>
-              <a:t>Logistic regression: </a:t>
-            </a:r>
-          </a:p>
-          <a:p>
-            <a:pPr lvl="1"/>
-            <a:r>
-              <a:rPr lang="en-US" dirty="0"/>
-              <a:t>A fundamental classification algorithm. Selected for its efficiency, interpretability, and performance as a baseline.</a:t>
-            </a:r>
-          </a:p>
-          <a:p>
-            <a:r>
-              <a:rPr lang="en-US" dirty="0"/>
-              <a:t>Random Forest:</a:t>
-            </a:r>
-          </a:p>
-          <a:p>
-            <a:pPr lvl="1"/>
-            <a:r>
-              <a:rPr lang="en-US" dirty="0"/>
-              <a:t>An ensemble method that builds multiple decision trees and merges them to get a more accurate and stable prediction.</a:t>
-            </a:r>
-          </a:p>
-          <a:p>
-            <a:r>
-              <a:rPr lang="en-US" dirty="0"/>
-              <a:t>Gradient Boosting:</a:t>
-            </a:r>
-          </a:p>
-          <a:p>
-            <a:pPr lvl="1"/>
-            <a:r>
-              <a:rPr lang="en-US" dirty="0"/>
-              <a:t>An additive model that improves prediction iteratively by combining weak predictive models, typically decision trees.</a:t>
-            </a:r>
-          </a:p>
-          <a:p>
-            <a:r>
-              <a:rPr lang="en-US" dirty="0" err="1"/>
-              <a:t>XGBoost</a:t>
-            </a:r>
-            <a:r>
-              <a:rPr lang="en-US" dirty="0"/>
-              <a:t>:</a:t>
-            </a:r>
-          </a:p>
-          <a:p>
-            <a:pPr lvl="1"/>
-            <a:r>
-              <a:rPr lang="en-US" dirty="0"/>
-              <a:t>An optimized distributed gradient boosting library designed to be highly efficient, flexible, and portable.</a:t>
-            </a:r>
-          </a:p>
-          <a:p>
-            <a:pPr lvl="1"/>
-            <a:r>
-              <a:rPr lang="en-US" dirty="0"/>
-              <a:t>Reasons for Selection: Known for its speed and performance, </a:t>
-            </a:r>
-            <a:r>
-              <a:rPr lang="en-US" dirty="0" err="1"/>
-              <a:t>XGBoost</a:t>
-            </a:r>
-            <a:r>
-              <a:rPr lang="en-US" dirty="0"/>
-              <a:t> is particularly adept at handling large and complex datasets with unbalanced classes, which is common in fraud detection scenarios.</a:t>
-            </a:r>
-          </a:p>
-          <a:p>
-            <a:pPr lvl="2"/>
-            <a:endParaRPr lang="en-US" dirty="0"/>
-          </a:p>
-          <a:p>
-            <a:pPr lvl="1"/>
-            <a:endParaRPr lang="en-US" dirty="0"/>
-          </a:p>
-        </p:txBody>
-      </p:sp>
-    </p:spTree>
-    <p:extLst>
-      <p:ext uri="{BB962C8B-B14F-4D97-AF65-F5344CB8AC3E}">
-        <p14:creationId xmlns:p14="http://schemas.microsoft.com/office/powerpoint/2010/main" val="322756256"/>
-      </p:ext>
-    </p:extLst>
-  </p:cSld>
-  <p:clrMapOvr>
-    <a:masterClrMapping/>
-  </p:clrMapOvr>
-</p:sld>
-</file>
-
-<file path=ppt/slides/slide18.xml><?xml version="1.0" encoding="utf-8"?>
-<p:sld xmlns:a="http://schemas.openxmlformats.org/drawingml/2006/main" xmlns:r="http://schemas.openxmlformats.org/officeDocument/2006/relationships" xmlns:p="http://schemas.openxmlformats.org/presentationml/2006/main">
-  <p:cSld>
-    <p:bg>
-      <p:bgPr>
-        <a:solidFill>
-          <a:schemeClr val="bg1"/>
-        </a:solidFill>
-        <a:effectLst/>
-      </p:bgPr>
-    </p:bg>
-    <p:spTree>
-      <p:nvGrpSpPr>
-        <p:cNvPr id="1" name=""/>
-        <p:cNvGrpSpPr/>
-        <p:nvPr/>
-      </p:nvGrpSpPr>
-      <p:grpSpPr>
-        <a:xfrm>
-          <a:off x="0" y="0"/>
-          <a:ext cx="0" cy="0"/>
-          <a:chOff x="0" y="0"/>
-          <a:chExt cx="0" cy="0"/>
-        </a:xfrm>
-      </p:grpSpPr>
-      <p:pic>
-        <p:nvPicPr>
-          <p:cNvPr id="11" name="Picture 10">
-            <a:extLst>
-              <a:ext uri="{FF2B5EF4-FFF2-40B4-BE49-F238E27FC236}">
-                <a16:creationId xmlns:a16="http://schemas.microsoft.com/office/drawing/2014/main" id="{16AA8A51-3969-ED4A-59CE-7B82CC7244F6}"/>
-              </a:ext>
-            </a:extLst>
-          </p:cNvPr>
-          <p:cNvPicPr>
-            <a:picLocks noChangeAspect="1"/>
-          </p:cNvPicPr>
-          <p:nvPr/>
-        </p:nvPicPr>
-        <p:blipFill>
-          <a:blip r:embed="rId3"/>
-          <a:stretch>
-            <a:fillRect/>
-          </a:stretch>
-        </p:blipFill>
-        <p:spPr>
-          <a:xfrm>
-            <a:off x="1129115" y="980405"/>
-            <a:ext cx="4724569" cy="1869341"/>
-          </a:xfrm>
-          <a:prstGeom prst="rect">
-            <a:avLst/>
-          </a:prstGeom>
-        </p:spPr>
-      </p:pic>
-      <p:cxnSp>
-        <p:nvCxnSpPr>
-          <p:cNvPr id="16" name="Straight Connector 15">
-            <a:extLst>
-              <a:ext uri="{FF2B5EF4-FFF2-40B4-BE49-F238E27FC236}">
-                <a16:creationId xmlns:a16="http://schemas.microsoft.com/office/drawing/2014/main" id="{91B6081D-D3E8-4209-B85B-EB1C655A6272}"/>
-              </a:ext>
-              <a:ext uri="{C183D7F6-B498-43B3-948B-1728B52AA6E4}">
-                <adec:decorative xmlns:adec="http://schemas.microsoft.com/office/drawing/2017/decorative" val="1"/>
-              </a:ext>
-            </a:extLst>
-          </p:cNvPr>
-          <p:cNvCxnSpPr>
-            <a:cxnSpLocks noGrp="1" noRot="1" noChangeAspect="1" noMove="1" noResize="1" noEditPoints="1" noAdjustHandles="1" noChangeArrowheads="1" noChangeShapeType="1"/>
-          </p:cNvCxnSpPr>
-          <p:nvPr>
-            <p:extLst>
-              <p:ext uri="{386F3935-93C4-4BCD-93E2-E3B085C9AB24}">
-                <p16:designElem xmlns:p16="http://schemas.microsoft.com/office/powerpoint/2015/main" val="1"/>
-              </p:ext>
-            </p:extLst>
-          </p:nvPr>
-        </p:nvCxnSpPr>
-        <p:spPr>
-          <a:xfrm>
-            <a:off x="6091214" y="1111170"/>
-            <a:ext cx="11040" cy="4645103"/>
-          </a:xfrm>
-          <a:prstGeom prst="line">
-            <a:avLst/>
-          </a:prstGeom>
-          <a:ln w="19050">
-            <a:solidFill>
-              <a:srgbClr val="7F7F7F"/>
-            </a:solidFill>
-          </a:ln>
-        </p:spPr>
-        <p:style>
-          <a:lnRef idx="1">
-            <a:schemeClr val="accent1"/>
-          </a:lnRef>
-          <a:fillRef idx="0">
-            <a:schemeClr val="accent1"/>
-          </a:fillRef>
-          <a:effectRef idx="0">
-            <a:schemeClr val="accent1"/>
-          </a:effectRef>
-          <a:fontRef idx="minor">
-            <a:schemeClr val="tx1"/>
-          </a:fontRef>
-        </p:style>
-      </p:cxnSp>
-      <p:pic>
-        <p:nvPicPr>
-          <p:cNvPr id="5" name="Content Placeholder 4">
-            <a:extLst>
-              <a:ext uri="{FF2B5EF4-FFF2-40B4-BE49-F238E27FC236}">
-                <a16:creationId xmlns:a16="http://schemas.microsoft.com/office/drawing/2014/main" id="{17825346-F25C-653B-BAA6-C4CB915B48B9}"/>
-              </a:ext>
-            </a:extLst>
-          </p:cNvPr>
-          <p:cNvPicPr>
-            <a:picLocks noChangeAspect="1"/>
-          </p:cNvPicPr>
-          <p:nvPr/>
-        </p:nvPicPr>
-        <p:blipFill>
-          <a:blip r:embed="rId4"/>
-          <a:stretch>
-            <a:fillRect/>
-          </a:stretch>
-        </p:blipFill>
-        <p:spPr>
-          <a:xfrm>
-            <a:off x="6338316" y="1002861"/>
-            <a:ext cx="4732940" cy="1824428"/>
-          </a:xfrm>
-          <a:prstGeom prst="rect">
-            <a:avLst/>
-          </a:prstGeom>
-        </p:spPr>
-      </p:pic>
-      <p:cxnSp>
-        <p:nvCxnSpPr>
-          <p:cNvPr id="13" name="Straight Connector 12">
-            <a:extLst>
-              <a:ext uri="{FF2B5EF4-FFF2-40B4-BE49-F238E27FC236}">
-                <a16:creationId xmlns:a16="http://schemas.microsoft.com/office/drawing/2014/main" id="{28CA55E4-1295-45C8-BA05-5A9E705B749A}"/>
-              </a:ext>
-              <a:ext uri="{C183D7F6-B498-43B3-948B-1728B52AA6E4}">
-                <adec:decorative xmlns:adec="http://schemas.microsoft.com/office/drawing/2017/decorative" val="1"/>
-              </a:ext>
-            </a:extLst>
-          </p:cNvPr>
-          <p:cNvCxnSpPr>
-            <a:cxnSpLocks noGrp="1" noRot="1" noChangeAspect="1" noMove="1" noResize="1" noEditPoints="1" noAdjustHandles="1" noChangeArrowheads="1" noChangeShapeType="1"/>
-          </p:cNvCxnSpPr>
-          <p:nvPr>
-            <p:extLst>
-              <p:ext uri="{386F3935-93C4-4BCD-93E2-E3B085C9AB24}">
-                <p16:designElem xmlns:p16="http://schemas.microsoft.com/office/powerpoint/2015/main" val="1"/>
-              </p:ext>
-            </p:extLst>
-          </p:nvPr>
-        </p:nvCxnSpPr>
-        <p:spPr>
-          <a:xfrm>
-            <a:off x="1403027" y="3428998"/>
-            <a:ext cx="4188904" cy="1"/>
-          </a:xfrm>
-          <a:prstGeom prst="line">
-            <a:avLst/>
-          </a:prstGeom>
-          <a:ln w="19050">
-            <a:solidFill>
-              <a:srgbClr val="7F7F7F"/>
-            </a:solidFill>
-          </a:ln>
-        </p:spPr>
-        <p:style>
-          <a:lnRef idx="1">
-            <a:schemeClr val="accent1"/>
-          </a:lnRef>
-          <a:fillRef idx="0">
-            <a:schemeClr val="accent1"/>
-          </a:fillRef>
-          <a:effectRef idx="0">
-            <a:schemeClr val="accent1"/>
-          </a:effectRef>
-          <a:fontRef idx="minor">
-            <a:schemeClr val="tx1"/>
-          </a:fontRef>
-        </p:style>
-      </p:cxnSp>
-      <p:cxnSp>
-        <p:nvCxnSpPr>
-          <p:cNvPr id="14" name="Straight Connector 13">
-            <a:extLst>
-              <a:ext uri="{FF2B5EF4-FFF2-40B4-BE49-F238E27FC236}">
-                <a16:creationId xmlns:a16="http://schemas.microsoft.com/office/drawing/2014/main" id="{08C5794E-A9A1-4A23-AF68-C79A7822334C}"/>
-              </a:ext>
-              <a:ext uri="{C183D7F6-B498-43B3-948B-1728B52AA6E4}">
-                <adec:decorative xmlns:adec="http://schemas.microsoft.com/office/drawing/2017/decorative" val="1"/>
-              </a:ext>
-            </a:extLst>
-          </p:cNvPr>
-          <p:cNvCxnSpPr>
-            <a:cxnSpLocks noGrp="1" noRot="1" noChangeAspect="1" noMove="1" noResize="1" noEditPoints="1" noAdjustHandles="1" noChangeArrowheads="1" noChangeShapeType="1"/>
-          </p:cNvCxnSpPr>
-          <p:nvPr>
-            <p:extLst>
-              <p:ext uri="{386F3935-93C4-4BCD-93E2-E3B085C9AB24}">
-                <p16:designElem xmlns:p16="http://schemas.microsoft.com/office/powerpoint/2015/main" val="1"/>
-              </p:ext>
-            </p:extLst>
-          </p:nvPr>
-        </p:nvCxnSpPr>
-        <p:spPr>
-          <a:xfrm>
-            <a:off x="6610334" y="3428998"/>
-            <a:ext cx="4188904" cy="1"/>
-          </a:xfrm>
-          <a:prstGeom prst="line">
-            <a:avLst/>
-          </a:prstGeom>
-          <a:ln w="19050">
-            <a:solidFill>
-              <a:srgbClr val="7F7F7F"/>
-            </a:solidFill>
-          </a:ln>
-        </p:spPr>
-        <p:style>
-          <a:lnRef idx="1">
-            <a:schemeClr val="accent1"/>
-          </a:lnRef>
-          <a:fillRef idx="0">
-            <a:schemeClr val="accent1"/>
-          </a:fillRef>
-          <a:effectRef idx="0">
-            <a:schemeClr val="accent1"/>
-          </a:effectRef>
-          <a:fontRef idx="minor">
-            <a:schemeClr val="tx1"/>
-          </a:fontRef>
-        </p:style>
-      </p:cxnSp>
-      <p:pic>
-        <p:nvPicPr>
-          <p:cNvPr id="7" name="Picture 6">
-            <a:extLst>
-              <a:ext uri="{FF2B5EF4-FFF2-40B4-BE49-F238E27FC236}">
-                <a16:creationId xmlns:a16="http://schemas.microsoft.com/office/drawing/2014/main" id="{0E4F2042-BF84-E034-BA23-82FC649FB5EF}"/>
-              </a:ext>
-            </a:extLst>
-          </p:cNvPr>
-          <p:cNvPicPr>
-            <a:picLocks noChangeAspect="1"/>
-          </p:cNvPicPr>
-          <p:nvPr/>
-        </p:nvPicPr>
-        <p:blipFill>
-          <a:blip r:embed="rId5"/>
-          <a:stretch>
-            <a:fillRect/>
-          </a:stretch>
-        </p:blipFill>
-        <p:spPr>
-          <a:xfrm>
-            <a:off x="1129115" y="4003337"/>
-            <a:ext cx="4724569" cy="1881819"/>
-          </a:xfrm>
-          <a:prstGeom prst="rect">
-            <a:avLst/>
-          </a:prstGeom>
-        </p:spPr>
-      </p:pic>
-      <p:pic>
-        <p:nvPicPr>
-          <p:cNvPr id="9" name="Picture 8">
-            <a:extLst>
-              <a:ext uri="{FF2B5EF4-FFF2-40B4-BE49-F238E27FC236}">
-                <a16:creationId xmlns:a16="http://schemas.microsoft.com/office/drawing/2014/main" id="{E8B473AA-0970-DA46-AF35-895E177B8F26}"/>
-              </a:ext>
-            </a:extLst>
-          </p:cNvPr>
-          <p:cNvPicPr>
-            <a:picLocks noChangeAspect="1"/>
-          </p:cNvPicPr>
-          <p:nvPr/>
-        </p:nvPicPr>
-        <p:blipFill>
-          <a:blip r:embed="rId6"/>
-          <a:stretch>
-            <a:fillRect/>
-          </a:stretch>
-        </p:blipFill>
-        <p:spPr>
-          <a:xfrm>
-            <a:off x="6338316" y="3994603"/>
-            <a:ext cx="4732940" cy="1906894"/>
-          </a:xfrm>
-          <a:prstGeom prst="rect">
-            <a:avLst/>
-          </a:prstGeom>
-        </p:spPr>
-      </p:pic>
-      <p:sp>
-        <p:nvSpPr>
-          <p:cNvPr id="17" name="Title 1">
-            <a:extLst>
-              <a:ext uri="{FF2B5EF4-FFF2-40B4-BE49-F238E27FC236}">
-                <a16:creationId xmlns:a16="http://schemas.microsoft.com/office/drawing/2014/main" id="{96E488EB-6A11-8B35-AC69-77B143EAC7CA}"/>
-              </a:ext>
-            </a:extLst>
-          </p:cNvPr>
-          <p:cNvSpPr txBox="1">
-            <a:spLocks/>
-          </p:cNvSpPr>
-          <p:nvPr/>
-        </p:nvSpPr>
-        <p:spPr>
-          <a:xfrm>
-            <a:off x="1129115" y="-173186"/>
-            <a:ext cx="8977312" cy="1073150"/>
-          </a:xfrm>
-          <a:prstGeom prst="rect">
-            <a:avLst/>
-          </a:prstGeom>
-        </p:spPr>
-        <p:txBody>
-          <a:bodyPr vert="horz" lIns="91440" tIns="45720" rIns="91440" bIns="45720" rtlCol="0" anchor="b">
-            <a:normAutofit/>
-          </a:bodyPr>
-          <a:lstStyle>
-            <a:lvl1pPr algn="l" defTabSz="914400" rtl="0" eaLnBrk="1" latinLnBrk="0" hangingPunct="1">
-              <a:lnSpc>
-                <a:spcPct val="120000"/>
-              </a:lnSpc>
-              <a:spcBef>
-                <a:spcPct val="0"/>
-              </a:spcBef>
-              <a:buNone/>
-              <a:defRPr sz="2800" b="1" kern="1200" cap="all" spc="500" baseline="0">
-                <a:solidFill>
-                  <a:schemeClr val="tx1"/>
-                </a:solidFill>
-                <a:latin typeface="+mj-lt"/>
-                <a:ea typeface="+mj-ea"/>
-                <a:cs typeface="+mj-cs"/>
-              </a:defRPr>
-            </a:lvl1pPr>
-          </a:lstStyle>
-          <a:p>
-            <a:r>
-              <a:rPr lang="en-GB" dirty="0"/>
-              <a:t>Initial Model training and Evaluation</a:t>
-            </a:r>
-            <a:endParaRPr lang="en-US" dirty="0"/>
-          </a:p>
-        </p:txBody>
-      </p:sp>
-    </p:spTree>
-    <p:extLst>
-      <p:ext uri="{BB962C8B-B14F-4D97-AF65-F5344CB8AC3E}">
-        <p14:creationId xmlns:p14="http://schemas.microsoft.com/office/powerpoint/2010/main" val="4171455997"/>
-      </p:ext>
-    </p:extLst>
-  </p:cSld>
-  <p:clrMapOvr>
-    <a:masterClrMapping/>
-  </p:clrMapOvr>
-</p:sld>
-</file>
-
-<file path=ppt/slides/slide19.xml><?xml version="1.0" encoding="utf-8"?>
 <p:sld xmlns:a="http://schemas.openxmlformats.org/drawingml/2006/main" xmlns:r="http://schemas.openxmlformats.org/officeDocument/2006/relationships" xmlns:p="http://schemas.openxmlformats.org/presentationml/2006/main">
   <p:cSld>
     <p:bg>
@@ -7020,78 +8391,12 @@
           <a:chExt cx="0" cy="0"/>
         </a:xfrm>
       </p:grpSpPr>
-      <p:sp>
-        <p:nvSpPr>
-          <p:cNvPr id="17" name="Rectangle 16">
-            <a:extLst>
-              <a:ext uri="{FF2B5EF4-FFF2-40B4-BE49-F238E27FC236}">
-                <a16:creationId xmlns:a16="http://schemas.microsoft.com/office/drawing/2014/main" id="{5BE2A49E-0BD9-321C-F602-AFA2FCF9B27B}"/>
-              </a:ext>
-              <a:ext uri="{C183D7F6-B498-43B3-948B-1728B52AA6E4}">
-                <adec:decorative xmlns:adec="http://schemas.microsoft.com/office/drawing/2017/decorative" val="1"/>
-              </a:ext>
-            </a:extLst>
-          </p:cNvPr>
-          <p:cNvSpPr>
-            <a:spLocks noGrp="1" noRot="1" noChangeAspect="1" noMove="1" noResize="1" noEditPoints="1" noAdjustHandles="1" noChangeArrowheads="1" noChangeShapeType="1" noTextEdit="1"/>
-          </p:cNvSpPr>
-          <p:nvPr>
-            <p:extLst>
-              <p:ext uri="{386F3935-93C4-4BCD-93E2-E3B085C9AB24}">
-                <p16:designElem xmlns:p16="http://schemas.microsoft.com/office/powerpoint/2015/main" val="1"/>
-              </p:ext>
-            </p:extLst>
-          </p:nvPr>
-        </p:nvSpPr>
-        <p:spPr>
-          <a:xfrm>
-            <a:off x="933198" y="931857"/>
-            <a:ext cx="10326946" cy="4996302"/>
-          </a:xfrm>
-          <a:prstGeom prst="rect">
-            <a:avLst/>
-          </a:prstGeom>
-          <a:noFill/>
-          <a:ln w="38100">
-            <a:solidFill>
-              <a:schemeClr val="accent1">
-                <a:lumMod val="60000"/>
-                <a:lumOff val="40000"/>
-              </a:schemeClr>
-            </a:solidFill>
-          </a:ln>
-        </p:spPr>
-        <p:style>
-          <a:lnRef idx="2">
-            <a:schemeClr val="accent1">
-              <a:shade val="50000"/>
-            </a:schemeClr>
-          </a:lnRef>
-          <a:fillRef idx="1">
-            <a:schemeClr val="accent1"/>
-          </a:fillRef>
-          <a:effectRef idx="0">
-            <a:schemeClr val="accent1"/>
-          </a:effectRef>
-          <a:fontRef idx="minor">
-            <a:schemeClr val="lt1"/>
-          </a:fontRef>
-        </p:style>
-        <p:txBody>
-          <a:bodyPr rtlCol="0" anchor="ctr"/>
-          <a:lstStyle/>
-          <a:p>
-            <a:pPr algn="ctr"/>
-            <a:endParaRPr lang="en-US"/>
-          </a:p>
-        </p:txBody>
-      </p:sp>
       <p:sp useBgFill="1">
         <p:nvSpPr>
-          <p:cNvPr id="19" name="Rectangle 18">
-            <a:extLst>
-              <a:ext uri="{FF2B5EF4-FFF2-40B4-BE49-F238E27FC236}">
-                <a16:creationId xmlns:a16="http://schemas.microsoft.com/office/drawing/2014/main" id="{FAFDCCA3-5CE7-058C-1962-A071B76432F1}"/>
+          <p:cNvPr id="9" name="Rectangle 8">
+            <a:extLst>
+              <a:ext uri="{FF2B5EF4-FFF2-40B4-BE49-F238E27FC236}">
+                <a16:creationId xmlns:a16="http://schemas.microsoft.com/office/drawing/2014/main" id="{1FE4C150-80D5-770F-7B10-707225E5476B}"/>
               </a:ext>
               <a:ext uri="{C183D7F6-B498-43B3-948B-1728B52AA6E4}">
                 <adec:decorative xmlns:adec="http://schemas.microsoft.com/office/drawing/2017/decorative" val="1"/>
@@ -7164,80 +8469,10 @@
       </p:sp>
       <p:sp>
         <p:nvSpPr>
-          <p:cNvPr id="12" name="Title 1">
-            <a:extLst>
-              <a:ext uri="{FF2B5EF4-FFF2-40B4-BE49-F238E27FC236}">
-                <a16:creationId xmlns:a16="http://schemas.microsoft.com/office/drawing/2014/main" id="{E6762594-9EA4-33E3-370E-AB704ED2F330}"/>
-              </a:ext>
-            </a:extLst>
-          </p:cNvPr>
-          <p:cNvSpPr txBox="1">
-            <a:spLocks/>
-          </p:cNvSpPr>
-          <p:nvPr/>
-        </p:nvSpPr>
-        <p:spPr>
-          <a:xfrm>
-            <a:off x="533400" y="1131233"/>
-            <a:ext cx="3583093" cy="1801455"/>
-          </a:xfrm>
-          <a:prstGeom prst="rect">
-            <a:avLst/>
-          </a:prstGeom>
-          <a:noFill/>
-        </p:spPr>
-        <p:txBody>
-          <a:bodyPr vert="horz" lIns="91440" tIns="45720" rIns="91440" bIns="45720" rtlCol="0" anchor="b">
-            <a:normAutofit/>
-          </a:bodyPr>
-          <a:lstStyle>
-            <a:lvl1pPr algn="l" defTabSz="914400" rtl="0" eaLnBrk="1" latinLnBrk="0" hangingPunct="1">
-              <a:lnSpc>
-                <a:spcPct val="120000"/>
-              </a:lnSpc>
-              <a:spcBef>
-                <a:spcPct val="0"/>
-              </a:spcBef>
-              <a:buNone/>
-              <a:defRPr sz="2800" b="1" kern="1200" cap="all" spc="500" baseline="0">
-                <a:solidFill>
-                  <a:schemeClr val="tx1"/>
-                </a:solidFill>
-                <a:latin typeface="+mj-lt"/>
-                <a:ea typeface="+mj-ea"/>
-                <a:cs typeface="+mj-cs"/>
-              </a:defRPr>
-            </a:lvl1pPr>
-          </a:lstStyle>
-          <a:p>
-            <a:pPr>
-              <a:lnSpc>
-                <a:spcPct val="110000"/>
-              </a:lnSpc>
-              <a:spcAft>
-                <a:spcPts val="600"/>
-              </a:spcAft>
-            </a:pPr>
-            <a:r>
-              <a:rPr lang="en-US" sz="2400" b="1" kern="1200" cap="all" spc="500" baseline="0" dirty="0">
-                <a:solidFill>
-                  <a:schemeClr val="tx1"/>
-                </a:solidFill>
-                <a:latin typeface="+mj-lt"/>
-                <a:ea typeface="+mj-ea"/>
-                <a:cs typeface="+mj-cs"/>
-              </a:rPr>
-              <a:t>Hyperparameter Tuning and Model Optimization</a:t>
-            </a:r>
-          </a:p>
-        </p:txBody>
-      </p:sp>
-      <p:sp>
-        <p:nvSpPr>
-          <p:cNvPr id="21" name="Rectangle 20">
-            <a:extLst>
-              <a:ext uri="{FF2B5EF4-FFF2-40B4-BE49-F238E27FC236}">
-                <a16:creationId xmlns:a16="http://schemas.microsoft.com/office/drawing/2014/main" id="{1BF24CF1-EE7F-86B3-94A8-3CD26A1ADB0F}"/>
+          <p:cNvPr id="11" name="Rectangle 10">
+            <a:extLst>
+              <a:ext uri="{FF2B5EF4-FFF2-40B4-BE49-F238E27FC236}">
+                <a16:creationId xmlns:a16="http://schemas.microsoft.com/office/drawing/2014/main" id="{D150D424-378A-5EAF-BEF3-AB85F9E35F0E}"/>
               </a:ext>
               <a:ext uri="{C183D7F6-B498-43B3-948B-1728B52AA6E4}">
                 <adec:decorative xmlns:adec="http://schemas.microsoft.com/office/drawing/2017/decorative" val="1"/>
@@ -7257,8 +8492,8 @@
         </p:nvSpPr>
         <p:spPr>
           <a:xfrm>
-            <a:off x="5485030" y="936887"/>
-            <a:ext cx="5771037" cy="4337163"/>
+            <a:off x="934639" y="929119"/>
+            <a:ext cx="3713561" cy="4998841"/>
           </a:xfrm>
           <a:prstGeom prst="rect">
             <a:avLst/>
@@ -7298,128 +8533,76 @@
           </a:p>
         </p:txBody>
       </p:sp>
-      <p:pic>
-        <p:nvPicPr>
-          <p:cNvPr id="9" name="Picture 8" descr="A screenshot of a computer&#10;&#10;Description automatically generated">
-            <a:extLst>
-              <a:ext uri="{FF2B5EF4-FFF2-40B4-BE49-F238E27FC236}">
-                <a16:creationId xmlns:a16="http://schemas.microsoft.com/office/drawing/2014/main" id="{1EE060FF-8635-AF37-76D5-04588BE5D2C2}"/>
-              </a:ext>
-            </a:extLst>
-          </p:cNvPr>
-          <p:cNvPicPr>
-            <a:picLocks noChangeAspect="1"/>
-          </p:cNvPicPr>
-          <p:nvPr/>
-        </p:nvPicPr>
-        <p:blipFill rotWithShape="1">
-          <a:blip r:embed="rId3"/>
-          <a:srcRect r="21450" b="-2"/>
-          <a:stretch/>
-        </p:blipFill>
+      <p:sp>
+        <p:nvSpPr>
+          <p:cNvPr id="2" name="Title 1">
+            <a:extLst>
+              <a:ext uri="{FF2B5EF4-FFF2-40B4-BE49-F238E27FC236}">
+                <a16:creationId xmlns:a16="http://schemas.microsoft.com/office/drawing/2014/main" id="{57C03F70-8452-8713-B30E-CA93E913BD11}"/>
+              </a:ext>
+            </a:extLst>
+          </p:cNvPr>
+          <p:cNvSpPr>
+            <a:spLocks noGrp="1"/>
+          </p:cNvSpPr>
+          <p:nvPr>
+            <p:ph type="title"/>
+          </p:nvPr>
+        </p:nvSpPr>
         <p:spPr>
           <a:xfrm>
-            <a:off x="4844616" y="1606437"/>
-            <a:ext cx="2809530" cy="2082690"/>
+            <a:off x="758715" y="1573427"/>
+            <a:ext cx="3417870" cy="1589903"/>
           </a:xfrm>
-          <a:prstGeom prst="rect">
-            <a:avLst/>
-          </a:prstGeom>
         </p:spPr>
-      </p:pic>
-      <p:pic>
-        <p:nvPicPr>
-          <p:cNvPr id="11" name="Picture 10" descr="A screenshot of a computer&#10;&#10;Description automatically generated">
-            <a:extLst>
-              <a:ext uri="{FF2B5EF4-FFF2-40B4-BE49-F238E27FC236}">
-                <a16:creationId xmlns:a16="http://schemas.microsoft.com/office/drawing/2014/main" id="{A13A8AE2-93DA-CED9-530D-30ED168E41B3}"/>
-              </a:ext>
-            </a:extLst>
-          </p:cNvPr>
-          <p:cNvPicPr>
-            <a:picLocks noChangeAspect="1"/>
-          </p:cNvPicPr>
-          <p:nvPr/>
-        </p:nvPicPr>
-        <p:blipFill rotWithShape="1">
-          <a:blip r:embed="rId4"/>
-          <a:srcRect r="16392" b="3"/>
-          <a:stretch/>
-        </p:blipFill>
-        <p:spPr>
-          <a:xfrm>
-            <a:off x="7813857" y="1606437"/>
-            <a:ext cx="2807476" cy="2082690"/>
-          </a:xfrm>
-          <a:prstGeom prst="rect">
-            <a:avLst/>
-          </a:prstGeom>
-        </p:spPr>
-      </p:pic>
-      <p:pic>
-        <p:nvPicPr>
-          <p:cNvPr id="5" name="Content Placeholder 4" descr="A screenshot of a computer screen&#10;&#10;Description automatically generated">
-            <a:extLst>
-              <a:ext uri="{FF2B5EF4-FFF2-40B4-BE49-F238E27FC236}">
-                <a16:creationId xmlns:a16="http://schemas.microsoft.com/office/drawing/2014/main" id="{A16BB9F1-2B53-BAB2-1785-5BDDFFE8CC84}"/>
-              </a:ext>
-            </a:extLst>
-          </p:cNvPr>
-          <p:cNvPicPr>
-            <a:picLocks noGrp="1" noChangeAspect="1"/>
-          </p:cNvPicPr>
-          <p:nvPr>
-            <p:ph idx="4294967295"/>
-          </p:nvPr>
-        </p:nvPicPr>
-        <p:blipFill rotWithShape="1">
-          <a:blip r:embed="rId5"/>
-          <a:srcRect r="25588"/>
-          <a:stretch/>
-        </p:blipFill>
-        <p:spPr>
-          <a:xfrm>
-            <a:off x="4844616" y="3849994"/>
-            <a:ext cx="2809530" cy="2093606"/>
-          </a:xfrm>
-          <a:prstGeom prst="rect">
-            <a:avLst/>
-          </a:prstGeom>
-        </p:spPr>
-      </p:pic>
-      <p:pic>
-        <p:nvPicPr>
-          <p:cNvPr id="7" name="Picture 6" descr="A screenshot of a computer&#10;&#10;Description automatically generated">
-            <a:extLst>
-              <a:ext uri="{FF2B5EF4-FFF2-40B4-BE49-F238E27FC236}">
-                <a16:creationId xmlns:a16="http://schemas.microsoft.com/office/drawing/2014/main" id="{E58F75C9-C3F8-563A-720E-2B442F4BEDCF}"/>
-              </a:ext>
-            </a:extLst>
-          </p:cNvPr>
-          <p:cNvPicPr>
-            <a:picLocks noChangeAspect="1"/>
-          </p:cNvPicPr>
-          <p:nvPr/>
-        </p:nvPicPr>
-        <p:blipFill rotWithShape="1">
-          <a:blip r:embed="rId6"/>
-          <a:srcRect l="625" r="24370" b="-4"/>
-          <a:stretch/>
-        </p:blipFill>
-        <p:spPr>
-          <a:xfrm>
-            <a:off x="7813857" y="3849994"/>
-            <a:ext cx="2809530" cy="2093606"/>
-          </a:xfrm>
-          <a:prstGeom prst="rect">
-            <a:avLst/>
-          </a:prstGeom>
-        </p:spPr>
-      </p:pic>
+        <p:txBody>
+          <a:bodyPr anchor="t">
+            <a:normAutofit/>
+          </a:bodyPr>
+          <a:lstStyle/>
+          <a:p>
+            <a:r>
+              <a:rPr lang="en-US" dirty="0"/>
+              <a:t>Conclusion</a:t>
+            </a:r>
+          </a:p>
+        </p:txBody>
+      </p:sp>
+      <p:graphicFrame>
+        <p:nvGraphicFramePr>
+          <p:cNvPr id="17" name="Content Placeholder 2">
+            <a:extLst>
+              <a:ext uri="{FF2B5EF4-FFF2-40B4-BE49-F238E27FC236}">
+                <a16:creationId xmlns:a16="http://schemas.microsoft.com/office/drawing/2014/main" id="{6AA3E08D-3EB9-4C27-0C31-088690BD009B}"/>
+              </a:ext>
+            </a:extLst>
+          </p:cNvPr>
+          <p:cNvGraphicFramePr>
+            <a:graphicFrameLocks noGrp="1"/>
+          </p:cNvGraphicFramePr>
+          <p:nvPr>
+            <p:ph idx="1"/>
+            <p:extLst>
+              <p:ext uri="{D42A27DB-BD31-4B8C-83A1-F6EECF244321}">
+                <p14:modId xmlns:p14="http://schemas.microsoft.com/office/powerpoint/2010/main" val="553914714"/>
+              </p:ext>
+            </p:extLst>
+          </p:nvPr>
+        </p:nvGraphicFramePr>
+        <p:xfrm>
+          <a:off x="5662749" y="914400"/>
+          <a:ext cx="5401492" cy="5029201"/>
+        </p:xfrm>
+        <a:graphic>
+          <a:graphicData uri="http://schemas.openxmlformats.org/drawingml/2006/diagram">
+            <dgm:relIds xmlns:dgm="http://schemas.openxmlformats.org/drawingml/2006/diagram" xmlns:r="http://schemas.openxmlformats.org/officeDocument/2006/relationships" r:dm="rId3" r:lo="rId4" r:qs="rId5" r:cs="rId6"/>
+          </a:graphicData>
+        </a:graphic>
+      </p:graphicFrame>
     </p:spTree>
     <p:extLst>
       <p:ext uri="{BB962C8B-B14F-4D97-AF65-F5344CB8AC3E}">
-        <p14:creationId xmlns:p14="http://schemas.microsoft.com/office/powerpoint/2010/main" val="770177282"/>
+        <p14:creationId xmlns:p14="http://schemas.microsoft.com/office/powerpoint/2010/main" val="1896911900"/>
       </p:ext>
     </p:extLst>
   </p:cSld>
@@ -7429,216 +8612,7 @@
 </p:sld>
 </file>
 
-<file path=ppt/slides/slide2.xml><?xml version="1.0" encoding="utf-8"?>
-<p:sld xmlns:a="http://schemas.openxmlformats.org/drawingml/2006/main" xmlns:r="http://schemas.openxmlformats.org/officeDocument/2006/relationships" xmlns:p="http://schemas.openxmlformats.org/presentationml/2006/main">
-  <p:cSld>
-    <p:spTree>
-      <p:nvGrpSpPr>
-        <p:cNvPr id="1" name=""/>
-        <p:cNvGrpSpPr/>
-        <p:nvPr/>
-      </p:nvGrpSpPr>
-      <p:grpSpPr>
-        <a:xfrm>
-          <a:off x="0" y="0"/>
-          <a:ext cx="0" cy="0"/>
-          <a:chOff x="0" y="0"/>
-          <a:chExt cx="0" cy="0"/>
-        </a:xfrm>
-      </p:grpSpPr>
-      <p:sp>
-        <p:nvSpPr>
-          <p:cNvPr id="2" name="Title 1">
-            <a:extLst>
-              <a:ext uri="{FF2B5EF4-FFF2-40B4-BE49-F238E27FC236}">
-                <a16:creationId xmlns:a16="http://schemas.microsoft.com/office/drawing/2014/main" id="{FD0E4465-008A-840C-6C7A-AAD4F37D19EB}"/>
-              </a:ext>
-            </a:extLst>
-          </p:cNvPr>
-          <p:cNvSpPr>
-            <a:spLocks noGrp="1"/>
-          </p:cNvSpPr>
-          <p:nvPr>
-            <p:ph type="title"/>
-          </p:nvPr>
-        </p:nvSpPr>
-        <p:spPr/>
-        <p:txBody>
-          <a:bodyPr/>
-          <a:lstStyle/>
-          <a:p>
-            <a:r>
-              <a:rPr lang="en-US" dirty="0"/>
-              <a:t>Credit Card Fraud Detection Project</a:t>
-            </a:r>
-          </a:p>
-        </p:txBody>
-      </p:sp>
-      <p:sp>
-        <p:nvSpPr>
-          <p:cNvPr id="3" name="Content Placeholder 2">
-            <a:extLst>
-              <a:ext uri="{FF2B5EF4-FFF2-40B4-BE49-F238E27FC236}">
-                <a16:creationId xmlns:a16="http://schemas.microsoft.com/office/drawing/2014/main" id="{339F4A4D-8BBE-F929-069B-213AEEF7885C}"/>
-              </a:ext>
-            </a:extLst>
-          </p:cNvPr>
-          <p:cNvSpPr>
-            <a:spLocks noGrp="1"/>
-          </p:cNvSpPr>
-          <p:nvPr>
-            <p:ph idx="1"/>
-          </p:nvPr>
-        </p:nvSpPr>
-        <p:spPr/>
-        <p:txBody>
-          <a:bodyPr/>
-          <a:lstStyle/>
-          <a:p>
-            <a:pPr>
-              <a:buFontTx/>
-              <a:buChar char="-"/>
-            </a:pPr>
-            <a:r>
-              <a:rPr lang="en-GB" dirty="0"/>
-              <a:t>Background: Credit card Fraud </a:t>
-            </a:r>
-            <a:r>
-              <a:rPr lang="en-US" dirty="0"/>
-              <a:t>significantly impacts financial stability and consumer trust. With advancements in technology, the incidence of sophisticated fraudulent activities has risen, especially in the western United States.</a:t>
-            </a:r>
-          </a:p>
-          <a:p>
-            <a:pPr marL="0" indent="0">
-              <a:buNone/>
-            </a:pPr>
-            <a:endParaRPr lang="en-GB" dirty="0"/>
-          </a:p>
-          <a:p>
-            <a:pPr>
-              <a:buFontTx/>
-              <a:buChar char="-"/>
-            </a:pPr>
-            <a:r>
-              <a:rPr lang="en-GB" dirty="0"/>
-              <a:t>Objective: </a:t>
-            </a:r>
-            <a:r>
-              <a:rPr lang="en-US" dirty="0"/>
-              <a:t>Apply machine learning techniques to detect fraudulent activities within credit card transactions with a target detection rate of at least 95% accuracy.</a:t>
-            </a:r>
-          </a:p>
-          <a:p>
-            <a:pPr>
-              <a:buFontTx/>
-              <a:buChar char="-"/>
-            </a:pPr>
-            <a:endParaRPr lang="en-US" dirty="0"/>
-          </a:p>
-        </p:txBody>
-      </p:sp>
-    </p:spTree>
-    <p:extLst>
-      <p:ext uri="{BB962C8B-B14F-4D97-AF65-F5344CB8AC3E}">
-        <p14:creationId xmlns:p14="http://schemas.microsoft.com/office/powerpoint/2010/main" val="2812202331"/>
-      </p:ext>
-    </p:extLst>
-  </p:cSld>
-  <p:clrMapOvr>
-    <a:masterClrMapping/>
-  </p:clrMapOvr>
-</p:sld>
-</file>
-
-<file path=ppt/slides/slide20.xml><?xml version="1.0" encoding="utf-8"?>
-<p:sld xmlns:a="http://schemas.openxmlformats.org/drawingml/2006/main" xmlns:r="http://schemas.openxmlformats.org/officeDocument/2006/relationships" xmlns:p="http://schemas.openxmlformats.org/presentationml/2006/main">
-  <p:cSld>
-    <p:spTree>
-      <p:nvGrpSpPr>
-        <p:cNvPr id="1" name=""/>
-        <p:cNvGrpSpPr/>
-        <p:nvPr/>
-      </p:nvGrpSpPr>
-      <p:grpSpPr>
-        <a:xfrm>
-          <a:off x="0" y="0"/>
-          <a:ext cx="0" cy="0"/>
-          <a:chOff x="0" y="0"/>
-          <a:chExt cx="0" cy="0"/>
-        </a:xfrm>
-      </p:grpSpPr>
-      <p:sp>
-        <p:nvSpPr>
-          <p:cNvPr id="2" name="Title 1">
-            <a:extLst>
-              <a:ext uri="{FF2B5EF4-FFF2-40B4-BE49-F238E27FC236}">
-                <a16:creationId xmlns:a16="http://schemas.microsoft.com/office/drawing/2014/main" id="{1C433979-58ED-AAF7-5183-28D6097F2395}"/>
-              </a:ext>
-            </a:extLst>
-          </p:cNvPr>
-          <p:cNvSpPr>
-            <a:spLocks noGrp="1"/>
-          </p:cNvSpPr>
-          <p:nvPr>
-            <p:ph type="title"/>
-          </p:nvPr>
-        </p:nvSpPr>
-        <p:spPr/>
-        <p:txBody>
-          <a:bodyPr/>
-          <a:lstStyle/>
-          <a:p>
-            <a:r>
-              <a:rPr lang="en-GB" dirty="0"/>
-              <a:t>Model Insights and Interpretation</a:t>
-            </a:r>
-            <a:endParaRPr lang="en-US" dirty="0"/>
-          </a:p>
-        </p:txBody>
-      </p:sp>
-      <p:sp>
-        <p:nvSpPr>
-          <p:cNvPr id="3" name="Text Placeholder 2">
-            <a:extLst>
-              <a:ext uri="{FF2B5EF4-FFF2-40B4-BE49-F238E27FC236}">
-                <a16:creationId xmlns:a16="http://schemas.microsoft.com/office/drawing/2014/main" id="{7C8076AC-F6C7-4E8F-059C-ADDBDBBCD3CA}"/>
-              </a:ext>
-            </a:extLst>
-          </p:cNvPr>
-          <p:cNvSpPr>
-            <a:spLocks noGrp="1"/>
-          </p:cNvSpPr>
-          <p:nvPr>
-            <p:ph type="body" idx="1"/>
-          </p:nvPr>
-        </p:nvSpPr>
-        <p:spPr/>
-        <p:txBody>
-          <a:bodyPr/>
-          <a:lstStyle/>
-          <a:p>
-            <a:r>
-              <a:rPr lang="en-GB" dirty="0"/>
-              <a:t>Decoding the Predictive Patterns</a:t>
-            </a:r>
-            <a:endParaRPr lang="en-US" dirty="0"/>
-          </a:p>
-        </p:txBody>
-      </p:sp>
-    </p:spTree>
-    <p:extLst>
-      <p:ext uri="{BB962C8B-B14F-4D97-AF65-F5344CB8AC3E}">
-        <p14:creationId xmlns:p14="http://schemas.microsoft.com/office/powerpoint/2010/main" val="2823591769"/>
-      </p:ext>
-    </p:extLst>
-  </p:cSld>
-  <p:clrMapOvr>
-    <a:masterClrMapping/>
-  </p:clrMapOvr>
-</p:sld>
-</file>
-
-<file path=ppt/slides/slide21.xml><?xml version="1.0" encoding="utf-8"?>
+<file path=ppt/slides/slide16.xml><?xml version="1.0" encoding="utf-8"?>
 <p:sld xmlns:a="http://schemas.openxmlformats.org/drawingml/2006/main" xmlns:r="http://schemas.openxmlformats.org/officeDocument/2006/relationships" xmlns:p="http://schemas.openxmlformats.org/presentationml/2006/main">
   <p:cSld>
     <p:bg>
@@ -7663,12 +8637,78 @@
           <a:chExt cx="0" cy="0"/>
         </a:xfrm>
       </p:grpSpPr>
+      <p:sp>
+        <p:nvSpPr>
+          <p:cNvPr id="12" name="Rectangle 11">
+            <a:extLst>
+              <a:ext uri="{FF2B5EF4-FFF2-40B4-BE49-F238E27FC236}">
+                <a16:creationId xmlns:a16="http://schemas.microsoft.com/office/drawing/2014/main" id="{5BE2A49E-0BD9-321C-F602-AFA2FCF9B27B}"/>
+              </a:ext>
+              <a:ext uri="{C183D7F6-B498-43B3-948B-1728B52AA6E4}">
+                <adec:decorative xmlns:adec="http://schemas.microsoft.com/office/drawing/2017/decorative" val="1"/>
+              </a:ext>
+            </a:extLst>
+          </p:cNvPr>
+          <p:cNvSpPr>
+            <a:spLocks noGrp="1" noRot="1" noChangeAspect="1" noMove="1" noResize="1" noEditPoints="1" noAdjustHandles="1" noChangeArrowheads="1" noChangeShapeType="1" noTextEdit="1"/>
+          </p:cNvSpPr>
+          <p:nvPr>
+            <p:extLst>
+              <p:ext uri="{386F3935-93C4-4BCD-93E2-E3B085C9AB24}">
+                <p16:designElem xmlns:p16="http://schemas.microsoft.com/office/powerpoint/2015/main" val="1"/>
+              </p:ext>
+            </p:extLst>
+          </p:nvPr>
+        </p:nvSpPr>
+        <p:spPr>
+          <a:xfrm>
+            <a:off x="933198" y="931857"/>
+            <a:ext cx="10326946" cy="4996302"/>
+          </a:xfrm>
+          <a:prstGeom prst="rect">
+            <a:avLst/>
+          </a:prstGeom>
+          <a:noFill/>
+          <a:ln w="38100">
+            <a:solidFill>
+              <a:schemeClr val="accent1">
+                <a:lumMod val="60000"/>
+                <a:lumOff val="40000"/>
+              </a:schemeClr>
+            </a:solidFill>
+          </a:ln>
+        </p:spPr>
+        <p:style>
+          <a:lnRef idx="2">
+            <a:schemeClr val="accent1">
+              <a:shade val="50000"/>
+            </a:schemeClr>
+          </a:lnRef>
+          <a:fillRef idx="1">
+            <a:schemeClr val="accent1"/>
+          </a:fillRef>
+          <a:effectRef idx="0">
+            <a:schemeClr val="accent1"/>
+          </a:effectRef>
+          <a:fontRef idx="minor">
+            <a:schemeClr val="lt1"/>
+          </a:fontRef>
+        </p:style>
+        <p:txBody>
+          <a:bodyPr rtlCol="0" anchor="ctr"/>
+          <a:lstStyle/>
+          <a:p>
+            <a:pPr algn="ctr"/>
+            <a:endParaRPr lang="en-US"/>
+          </a:p>
+        </p:txBody>
+      </p:sp>
       <p:sp useBgFill="1">
         <p:nvSpPr>
-          <p:cNvPr id="26" name="Rectangle 25">
-            <a:extLst>
-              <a:ext uri="{FF2B5EF4-FFF2-40B4-BE49-F238E27FC236}">
-                <a16:creationId xmlns:a16="http://schemas.microsoft.com/office/drawing/2014/main" id="{FAFDCCA3-5CE7-058C-1962-A071B76432F1}"/>
+          <p:cNvPr id="14" name="Rectangle 13">
+            <a:extLst>
+              <a:ext uri="{FF2B5EF4-FFF2-40B4-BE49-F238E27FC236}">
+                <a16:creationId xmlns:a16="http://schemas.microsoft.com/office/drawing/2014/main" id="{178DC1FE-8814-4858-2D62-947BC8044584}"/>
               </a:ext>
               <a:ext uri="{C183D7F6-B498-43B3-948B-1728B52AA6E4}">
                 <adec:decorative xmlns:adec="http://schemas.microsoft.com/office/drawing/2017/decorative" val="1"/>
@@ -7741,10 +8781,10 @@
       </p:sp>
       <p:sp>
         <p:nvSpPr>
-          <p:cNvPr id="28" name="Rectangle 27">
-            <a:extLst>
-              <a:ext uri="{FF2B5EF4-FFF2-40B4-BE49-F238E27FC236}">
-                <a16:creationId xmlns:a16="http://schemas.microsoft.com/office/drawing/2014/main" id="{5DF26DB3-6D44-7E9C-C8CF-3265DD460001}"/>
+          <p:cNvPr id="16" name="Rectangle 15">
+            <a:extLst>
+              <a:ext uri="{FF2B5EF4-FFF2-40B4-BE49-F238E27FC236}">
+                <a16:creationId xmlns:a16="http://schemas.microsoft.com/office/drawing/2014/main" id="{FA6B968A-A417-B33C-613C-7B1B45542CF1}"/>
               </a:ext>
               <a:ext uri="{C183D7F6-B498-43B3-948B-1728B52AA6E4}">
                 <adec:decorative xmlns:adec="http://schemas.microsoft.com/office/drawing/2017/decorative" val="1"/>
@@ -7764,8 +8804,8 @@
         </p:nvSpPr>
         <p:spPr>
           <a:xfrm>
-            <a:off x="7357224" y="1402873"/>
-            <a:ext cx="3908293" cy="4088260"/>
+            <a:off x="933198" y="930849"/>
+            <a:ext cx="10344402" cy="4996302"/>
           </a:xfrm>
           <a:prstGeom prst="rect">
             <a:avLst/>
@@ -7807,88 +8847,54 @@
       </p:sp>
       <p:sp>
         <p:nvSpPr>
-          <p:cNvPr id="11" name="Content Placeholder 10">
-            <a:extLst>
-              <a:ext uri="{FF2B5EF4-FFF2-40B4-BE49-F238E27FC236}">
-                <a16:creationId xmlns:a16="http://schemas.microsoft.com/office/drawing/2014/main" id="{465803E4-F67D-E8C4-5FED-77589D20D78E}"/>
-              </a:ext>
-            </a:extLst>
-          </p:cNvPr>
-          <p:cNvSpPr>
-            <a:spLocks noGrp="1"/>
-          </p:cNvSpPr>
-          <p:nvPr>
-            <p:ph idx="1"/>
-          </p:nvPr>
+          <p:cNvPr id="5" name="TextBox 4">
+            <a:extLst>
+              <a:ext uri="{FF2B5EF4-FFF2-40B4-BE49-F238E27FC236}">
+                <a16:creationId xmlns:a16="http://schemas.microsoft.com/office/drawing/2014/main" id="{C6850039-4592-B6F7-93D3-F269CDEE98E1}"/>
+              </a:ext>
+            </a:extLst>
+          </p:cNvPr>
+          <p:cNvSpPr txBox="1"/>
+          <p:nvPr/>
         </p:nvSpPr>
         <p:spPr>
           <a:xfrm>
-            <a:off x="7304091" y="1920643"/>
-            <a:ext cx="3908293" cy="3321400"/>
+            <a:off x="1620445" y="2890881"/>
+            <a:ext cx="4475555" cy="2633866"/>
           </a:xfrm>
+          <a:prstGeom prst="rect">
+            <a:avLst/>
+          </a:prstGeom>
         </p:spPr>
         <p:txBody>
-          <a:bodyPr>
-            <a:normAutofit lnSpcReduction="10000"/>
+          <a:bodyPr vert="horz" lIns="91440" tIns="45720" rIns="91440" bIns="45720" rtlCol="0">
+            <a:normAutofit/>
           </a:bodyPr>
           <a:lstStyle/>
           <a:p>
-            <a:pPr>
+            <a:pPr indent="-228600">
               <a:lnSpc>
-                <a:spcPct val="110000"/>
+                <a:spcPct val="120000"/>
               </a:lnSpc>
+              <a:spcAft>
+                <a:spcPts val="600"/>
+              </a:spcAft>
+              <a:buFont typeface="Arial" panose="020B0604020202020204" pitchFamily="34" charset="0"/>
+              <a:buChar char="•"/>
             </a:pPr>
             <a:r>
-              <a:rPr lang="en-US" sz="1300" dirty="0"/>
-              <a:t>Permutation Importance: Highlights 'amt' and '</a:t>
-            </a:r>
-            <a:r>
-              <a:rPr lang="en-US" sz="1300" dirty="0" err="1"/>
-              <a:t>transaction_hour</a:t>
-            </a:r>
-            <a:r>
-              <a:rPr lang="en-US" sz="1300" dirty="0"/>
-              <a:t>' as critical predictors in the </a:t>
-            </a:r>
-            <a:r>
-              <a:rPr lang="en-US" sz="1300" dirty="0" err="1"/>
-              <a:t>XGBoost</a:t>
-            </a:r>
-            <a:r>
-              <a:rPr lang="en-US" sz="1300" dirty="0"/>
-              <a:t> model, confirming the pivotal role of transaction amount and timing in fraud detection.</a:t>
-            </a:r>
-          </a:p>
-          <a:p>
-            <a:pPr>
-              <a:lnSpc>
-                <a:spcPct val="110000"/>
-              </a:lnSpc>
-            </a:pPr>
-            <a:r>
-              <a:rPr lang="en-US" sz="1300" dirty="0"/>
-              <a:t>Partial Dependence Plots: Demonstrates how features like 'amt' exert a non-linear effect on fraud predictions, indicating complex relationships between transaction values and fraud likelihood.</a:t>
-            </a:r>
-          </a:p>
-          <a:p>
-            <a:pPr>
-              <a:lnSpc>
-                <a:spcPct val="110000"/>
-              </a:lnSpc>
-            </a:pPr>
-            <a:r>
-              <a:rPr lang="en-US" sz="1300" dirty="0"/>
-              <a:t>SHAP Values: Offers detailed insights into the impact of individual features, with 'amt' having a substantial and variable influence, thus validating its importance in the model's decision-making process.</a:t>
+              <a:rPr lang="en-US" sz="5400" dirty="0"/>
+              <a:t>      Any Questions?</a:t>
             </a:r>
           </a:p>
         </p:txBody>
       </p:sp>
       <p:pic>
         <p:nvPicPr>
-          <p:cNvPr id="9" name="Picture 8" descr="A screenshot of a graph&#10;&#10;Description automatically generated">
-            <a:extLst>
-              <a:ext uri="{FF2B5EF4-FFF2-40B4-BE49-F238E27FC236}">
-                <a16:creationId xmlns:a16="http://schemas.microsoft.com/office/drawing/2014/main" id="{D9C1927F-4BE4-06A4-DCA8-54F12BB3CB99}"/>
+          <p:cNvPr id="9" name="Graphic 8" descr="Question mark">
+            <a:extLst>
+              <a:ext uri="{FF2B5EF4-FFF2-40B4-BE49-F238E27FC236}">
+                <a16:creationId xmlns:a16="http://schemas.microsoft.com/office/drawing/2014/main" id="{79C86383-74C0-6897-C029-EEAC5544C562}"/>
               </a:ext>
             </a:extLst>
           </p:cNvPr>
@@ -7897,21 +8903,25 @@
           </p:cNvPicPr>
           <p:nvPr/>
         </p:nvPicPr>
-        <p:blipFill rotWithShape="1">
+        <p:blipFill>
           <a:blip r:embed="rId2">
             <a:extLst>
               <a:ext uri="{28A0092B-C50C-407E-A947-70E740481C1C}">
                 <a14:useLocalDpi xmlns:a14="http://schemas.microsoft.com/office/drawing/2010/main" val="0"/>
               </a:ext>
+              <a:ext uri="{96DAC541-7B7A-43D3-8B79-37D633B846F1}">
+                <asvg:svgBlip xmlns:asvg="http://schemas.microsoft.com/office/drawing/2016/SVG/main" r:embed="rId3"/>
+              </a:ext>
             </a:extLst>
           </a:blip>
-          <a:srcRect t="32907"/>
-          <a:stretch/>
+          <a:stretch>
+            <a:fillRect/>
+          </a:stretch>
         </p:blipFill>
         <p:spPr>
           <a:xfrm>
-            <a:off x="142348" y="3447003"/>
-            <a:ext cx="3877464" cy="1795040"/>
+            <a:off x="5702610" y="3000651"/>
+            <a:ext cx="3593119" cy="3593119"/>
           </a:xfrm>
           <a:prstGeom prst="rect">
             <a:avLst/>
@@ -7920,10 +8930,10 @@
       </p:pic>
       <p:pic>
         <p:nvPicPr>
-          <p:cNvPr id="5" name="Picture 4">
-            <a:extLst>
-              <a:ext uri="{FF2B5EF4-FFF2-40B4-BE49-F238E27FC236}">
-                <a16:creationId xmlns:a16="http://schemas.microsoft.com/office/drawing/2014/main" id="{DFF70198-B566-B6E1-5233-3D66ED4691A2}"/>
+          <p:cNvPr id="6" name="Graphic 5" descr="Question mark">
+            <a:extLst>
+              <a:ext uri="{FF2B5EF4-FFF2-40B4-BE49-F238E27FC236}">
+                <a16:creationId xmlns:a16="http://schemas.microsoft.com/office/drawing/2014/main" id="{905E6BFC-9ECD-AE66-D32E-1D068A9341DE}"/>
               </a:ext>
             </a:extLst>
           </p:cNvPr>
@@ -7933,15 +8943,24 @@
           <p:nvPr/>
         </p:nvPicPr>
         <p:blipFill>
-          <a:blip r:embed="rId3"/>
+          <a:blip r:embed="rId2">
+            <a:extLst>
+              <a:ext uri="{28A0092B-C50C-407E-A947-70E740481C1C}">
+                <a14:useLocalDpi xmlns:a14="http://schemas.microsoft.com/office/drawing/2010/main" val="0"/>
+              </a:ext>
+              <a:ext uri="{96DAC541-7B7A-43D3-8B79-37D633B846F1}">
+                <asvg:svgBlip xmlns:asvg="http://schemas.microsoft.com/office/drawing/2016/SVG/main" r:embed="rId3"/>
+              </a:ext>
+            </a:extLst>
+          </a:blip>
           <a:stretch>
             <a:fillRect/>
           </a:stretch>
         </p:blipFill>
         <p:spPr>
           <a:xfrm>
-            <a:off x="4279772" y="477221"/>
-            <a:ext cx="2989220" cy="5786419"/>
+            <a:off x="7706911" y="1194141"/>
+            <a:ext cx="3177636" cy="3177636"/>
           </a:xfrm>
           <a:prstGeom prst="rect">
             <a:avLst/>
@@ -7950,10 +8969,10 @@
       </p:pic>
       <p:pic>
         <p:nvPicPr>
-          <p:cNvPr id="7" name="Picture 6" descr="A screenshot of a computer&#10;&#10;Description automatically generated">
-            <a:extLst>
-              <a:ext uri="{FF2B5EF4-FFF2-40B4-BE49-F238E27FC236}">
-                <a16:creationId xmlns:a16="http://schemas.microsoft.com/office/drawing/2014/main" id="{78DDBA61-32E9-7DE6-21E3-0FFFE4FFC878}"/>
+          <p:cNvPr id="7" name="Graphic 6" descr="Question mark">
+            <a:extLst>
+              <a:ext uri="{FF2B5EF4-FFF2-40B4-BE49-F238E27FC236}">
+                <a16:creationId xmlns:a16="http://schemas.microsoft.com/office/drawing/2014/main" id="{8299DC69-9C5C-7C7D-58BA-CDDDF301DF4D}"/>
               </a:ext>
             </a:extLst>
           </p:cNvPr>
@@ -7962,21 +8981,64 @@
           </p:cNvPicPr>
           <p:nvPr/>
         </p:nvPicPr>
-        <p:blipFill rotWithShape="1">
-          <a:blip r:embed="rId4">
+        <p:blipFill>
+          <a:blip r:embed="rId2">
             <a:extLst>
               <a:ext uri="{28A0092B-C50C-407E-A947-70E740481C1C}">
                 <a14:useLocalDpi xmlns:a14="http://schemas.microsoft.com/office/drawing/2010/main" val="0"/>
               </a:ext>
+              <a:ext uri="{96DAC541-7B7A-43D3-8B79-37D633B846F1}">
+                <asvg:svgBlip xmlns:asvg="http://schemas.microsoft.com/office/drawing/2016/SVG/main" r:embed="rId3"/>
+              </a:ext>
             </a:extLst>
           </a:blip>
-          <a:srcRect t="41333"/>
-          <a:stretch/>
+          <a:stretch>
+            <a:fillRect/>
+          </a:stretch>
         </p:blipFill>
         <p:spPr>
           <a:xfrm>
-            <a:off x="233737" y="384252"/>
-            <a:ext cx="4054475" cy="1968323"/>
+            <a:off x="9275852" y="3000727"/>
+            <a:ext cx="2591405" cy="2591405"/>
+          </a:xfrm>
+          <a:prstGeom prst="rect">
+            <a:avLst/>
+          </a:prstGeom>
+        </p:spPr>
+      </p:pic>
+      <p:pic>
+        <p:nvPicPr>
+          <p:cNvPr id="8" name="Graphic 7" descr="Question mark">
+            <a:extLst>
+              <a:ext uri="{FF2B5EF4-FFF2-40B4-BE49-F238E27FC236}">
+                <a16:creationId xmlns:a16="http://schemas.microsoft.com/office/drawing/2014/main" id="{579E35C8-1682-E334-5212-C5A9ED19C1E6}"/>
+              </a:ext>
+            </a:extLst>
+          </p:cNvPr>
+          <p:cNvPicPr>
+            <a:picLocks noChangeAspect="1"/>
+          </p:cNvPicPr>
+          <p:nvPr/>
+        </p:nvPicPr>
+        <p:blipFill>
+          <a:blip r:embed="rId2">
+            <a:extLst>
+              <a:ext uri="{28A0092B-C50C-407E-A947-70E740481C1C}">
+                <a14:useLocalDpi xmlns:a14="http://schemas.microsoft.com/office/drawing/2010/main" val="0"/>
+              </a:ext>
+              <a:ext uri="{96DAC541-7B7A-43D3-8B79-37D633B846F1}">
+                <asvg:svgBlip xmlns:asvg="http://schemas.microsoft.com/office/drawing/2016/SVG/main" r:embed="rId3"/>
+              </a:ext>
+            </a:extLst>
+          </a:blip>
+          <a:stretch>
+            <a:fillRect/>
+          </a:stretch>
+        </p:blipFill>
+        <p:spPr>
+          <a:xfrm>
+            <a:off x="5629775" y="1146359"/>
+            <a:ext cx="2295026" cy="2295026"/>
           </a:xfrm>
           <a:prstGeom prst="rect">
             <a:avLst/>
@@ -7986,7 +9048,7 @@
     </p:spTree>
     <p:extLst>
       <p:ext uri="{BB962C8B-B14F-4D97-AF65-F5344CB8AC3E}">
-        <p14:creationId xmlns:p14="http://schemas.microsoft.com/office/powerpoint/2010/main" val="2151423209"/>
+        <p14:creationId xmlns:p14="http://schemas.microsoft.com/office/powerpoint/2010/main" val="4211038496"/>
       </p:ext>
     </p:extLst>
   </p:cSld>
@@ -7996,7 +9058,7 @@
 </p:sld>
 </file>
 
-<file path=ppt/slides/slide22.xml><?xml version="1.0" encoding="utf-8"?>
+<file path=ppt/slides/slide2.xml><?xml version="1.0" encoding="utf-8"?>
 <p:sld xmlns:a="http://schemas.openxmlformats.org/drawingml/2006/main" xmlns:r="http://schemas.openxmlformats.org/officeDocument/2006/relationships" xmlns:p="http://schemas.openxmlformats.org/presentationml/2006/main">
   <p:cSld>
     <p:spTree>
@@ -8018,7 +9080,7 @@
           <p:cNvPr id="2" name="Title 1">
             <a:extLst>
               <a:ext uri="{FF2B5EF4-FFF2-40B4-BE49-F238E27FC236}">
-                <a16:creationId xmlns:a16="http://schemas.microsoft.com/office/drawing/2014/main" id="{E5EC4452-C206-88B5-796A-23244D226828}"/>
+                <a16:creationId xmlns:a16="http://schemas.microsoft.com/office/drawing/2014/main" id="{FD0E4465-008A-840C-6C7A-AAD4F37D19EB}"/>
               </a:ext>
             </a:extLst>
           </p:cNvPr>
@@ -8035,436 +9097,79 @@
           <a:lstStyle/>
           <a:p>
             <a:r>
+              <a:rPr lang="en-US" dirty="0"/>
+              <a:t>Credit Card Fraud Detection Project</a:t>
+            </a:r>
+          </a:p>
+        </p:txBody>
+      </p:sp>
+      <p:sp>
+        <p:nvSpPr>
+          <p:cNvPr id="3" name="Content Placeholder 2">
+            <a:extLst>
+              <a:ext uri="{FF2B5EF4-FFF2-40B4-BE49-F238E27FC236}">
+                <a16:creationId xmlns:a16="http://schemas.microsoft.com/office/drawing/2014/main" id="{339F4A4D-8BBE-F929-069B-213AEEF7885C}"/>
+              </a:ext>
+            </a:extLst>
+          </p:cNvPr>
+          <p:cNvSpPr>
+            <a:spLocks noGrp="1"/>
+          </p:cNvSpPr>
+          <p:nvPr>
+            <p:ph idx="1"/>
+          </p:nvPr>
+        </p:nvSpPr>
+        <p:spPr/>
+        <p:txBody>
+          <a:bodyPr/>
+          <a:lstStyle/>
+          <a:p>
+            <a:pPr>
+              <a:buFontTx/>
+              <a:buChar char="-"/>
+            </a:pPr>
+            <a:r>
               <a:rPr lang="en-GB" dirty="0"/>
-              <a:t>Conclusion: Hypothesis and Objectives Evaluation</a:t>
-            </a:r>
+              <a:t>Background: Credit card Fraud </a:t>
+            </a:r>
+            <a:r>
+              <a:rPr lang="en-US" dirty="0"/>
+              <a:t>significantly impacts financial stability and consumer trust. With advancements in technology, the incidence of sophisticated fraudulent activities has risen, especially in the western United States.</a:t>
+            </a:r>
+          </a:p>
+          <a:p>
+            <a:pPr marL="0" indent="0">
+              <a:buNone/>
+            </a:pPr>
+            <a:endParaRPr lang="en-GB" dirty="0"/>
+          </a:p>
+          <a:p>
+            <a:pPr>
+              <a:buFontTx/>
+              <a:buChar char="-"/>
+            </a:pPr>
+            <a:r>
+              <a:rPr lang="en-GB" dirty="0"/>
+              <a:t>Objective: </a:t>
+            </a:r>
+            <a:r>
+              <a:rPr lang="en-US" dirty="0"/>
+              <a:t>Apply machine learning techniques to detect fraudulent activities within credit card transactions with a target detection rate of at least 95% accuracy.</a:t>
+            </a:r>
+          </a:p>
+          <a:p>
+            <a:pPr>
+              <a:buFontTx/>
+              <a:buChar char="-"/>
+            </a:pPr>
             <a:endParaRPr lang="en-US" dirty="0"/>
-          </a:p>
-        </p:txBody>
-      </p:sp>
-      <p:sp>
-        <p:nvSpPr>
-          <p:cNvPr id="3" name="Content Placeholder 2">
-            <a:extLst>
-              <a:ext uri="{FF2B5EF4-FFF2-40B4-BE49-F238E27FC236}">
-                <a16:creationId xmlns:a16="http://schemas.microsoft.com/office/drawing/2014/main" id="{2C32202B-DE61-81B1-92ED-640E385F561D}"/>
-              </a:ext>
-            </a:extLst>
-          </p:cNvPr>
-          <p:cNvSpPr>
-            <a:spLocks noGrp="1"/>
-          </p:cNvSpPr>
-          <p:nvPr>
-            <p:ph idx="1"/>
-          </p:nvPr>
-        </p:nvSpPr>
-        <p:spPr/>
-        <p:txBody>
-          <a:bodyPr>
-            <a:normAutofit fontScale="85000" lnSpcReduction="20000"/>
-          </a:bodyPr>
-          <a:lstStyle/>
-          <a:p>
-            <a:r>
-              <a:rPr lang="en-US" dirty="0"/>
-              <a:t>Project Hypothesis: Investigated whether applying machine learning techniques to credit card transaction data can detect fraud with at least 95% accuracy.</a:t>
-            </a:r>
-          </a:p>
-          <a:p>
-            <a:r>
-              <a:rPr lang="en-US" dirty="0"/>
-              <a:t>Objective Achieved: The </a:t>
-            </a:r>
-            <a:r>
-              <a:rPr lang="en-US" dirty="0" err="1"/>
-              <a:t>XGBoost</a:t>
-            </a:r>
-            <a:r>
-              <a:rPr lang="en-US" dirty="0"/>
-              <a:t> model, after rigorous tuning and evaluation, consistently exceeded the target, demonstrating a robust detection rate that aligns with the project goal.</a:t>
-            </a:r>
-          </a:p>
-          <a:p>
-            <a:r>
-              <a:rPr lang="en-US" dirty="0"/>
-              <a:t>Data Handling: Comprehensive data cleaning and feature engineering paved the way for effective modeling, supporting the hypothesis that detailed transaction data is critical for fraud detection.</a:t>
-            </a:r>
-          </a:p>
-          <a:p>
-            <a:r>
-              <a:rPr lang="en-US" dirty="0"/>
-              <a:t>Feature Selection Rigor: Through a structured approach employing multiple feature selection methods, the project confirmed that selecting the right features is crucial for high model accuracy.</a:t>
-            </a:r>
-          </a:p>
-          <a:p>
-            <a:r>
-              <a:rPr lang="en-US" dirty="0"/>
-              <a:t>Model Performance Confirmation: The </a:t>
-            </a:r>
-            <a:r>
-              <a:rPr lang="en-US" dirty="0" err="1"/>
-              <a:t>XGBoost</a:t>
-            </a:r>
-            <a:r>
-              <a:rPr lang="en-US" dirty="0"/>
-              <a:t> model not only met but surpassed the success criterion with exceptional precision and recall, reaffirming the effectiveness of advanced machine learning techniques in fraud detection.</a:t>
-            </a:r>
           </a:p>
         </p:txBody>
       </p:sp>
     </p:spTree>
     <p:extLst>
       <p:ext uri="{BB962C8B-B14F-4D97-AF65-F5344CB8AC3E}">
-        <p14:creationId xmlns:p14="http://schemas.microsoft.com/office/powerpoint/2010/main" val="1507444167"/>
-      </p:ext>
-    </p:extLst>
-  </p:cSld>
-  <p:clrMapOvr>
-    <a:masterClrMapping/>
-  </p:clrMapOvr>
-</p:sld>
-</file>
-
-<file path=ppt/slides/slide23.xml><?xml version="1.0" encoding="utf-8"?>
-<p:sld xmlns:a="http://schemas.openxmlformats.org/drawingml/2006/main" xmlns:r="http://schemas.openxmlformats.org/officeDocument/2006/relationships" xmlns:p="http://schemas.openxmlformats.org/presentationml/2006/main">
-  <p:cSld>
-    <p:spTree>
-      <p:nvGrpSpPr>
-        <p:cNvPr id="1" name=""/>
-        <p:cNvGrpSpPr/>
-        <p:nvPr/>
-      </p:nvGrpSpPr>
-      <p:grpSpPr>
-        <a:xfrm>
-          <a:off x="0" y="0"/>
-          <a:ext cx="0" cy="0"/>
-          <a:chOff x="0" y="0"/>
-          <a:chExt cx="0" cy="0"/>
-        </a:xfrm>
-      </p:grpSpPr>
-      <p:sp>
-        <p:nvSpPr>
-          <p:cNvPr id="2" name="Title 1">
-            <a:extLst>
-              <a:ext uri="{FF2B5EF4-FFF2-40B4-BE49-F238E27FC236}">
-                <a16:creationId xmlns:a16="http://schemas.microsoft.com/office/drawing/2014/main" id="{E5EC4452-C206-88B5-796A-23244D226828}"/>
-              </a:ext>
-            </a:extLst>
-          </p:cNvPr>
-          <p:cNvSpPr>
-            <a:spLocks noGrp="1"/>
-          </p:cNvSpPr>
-          <p:nvPr>
-            <p:ph type="title"/>
-          </p:nvPr>
-        </p:nvSpPr>
-        <p:spPr/>
-        <p:txBody>
-          <a:bodyPr/>
-          <a:lstStyle/>
-          <a:p>
-            <a:r>
-              <a:rPr lang="en-GB" dirty="0"/>
-              <a:t>Conclusion: Model Impact and Future Implications</a:t>
-            </a:r>
-            <a:endParaRPr lang="en-US" dirty="0"/>
-          </a:p>
-        </p:txBody>
-      </p:sp>
-      <p:sp>
-        <p:nvSpPr>
-          <p:cNvPr id="3" name="Content Placeholder 2">
-            <a:extLst>
-              <a:ext uri="{FF2B5EF4-FFF2-40B4-BE49-F238E27FC236}">
-                <a16:creationId xmlns:a16="http://schemas.microsoft.com/office/drawing/2014/main" id="{2C32202B-DE61-81B1-92ED-640E385F561D}"/>
-              </a:ext>
-            </a:extLst>
-          </p:cNvPr>
-          <p:cNvSpPr>
-            <a:spLocks noGrp="1"/>
-          </p:cNvSpPr>
-          <p:nvPr>
-            <p:ph idx="1"/>
-          </p:nvPr>
-        </p:nvSpPr>
-        <p:spPr/>
-        <p:txBody>
-          <a:bodyPr>
-            <a:normAutofit fontScale="85000" lnSpcReduction="10000"/>
-          </a:bodyPr>
-          <a:lstStyle/>
-          <a:p>
-            <a:r>
-              <a:rPr lang="en-US" dirty="0"/>
-              <a:t>Success in Model Accuracy: The </a:t>
-            </a:r>
-            <a:r>
-              <a:rPr lang="en-US" dirty="0" err="1"/>
-              <a:t>XGBoost</a:t>
-            </a:r>
-            <a:r>
-              <a:rPr lang="en-US" dirty="0"/>
-              <a:t> model's accuracy met the project's stringent success criteria, validating the original hypothesis and objectives.</a:t>
-            </a:r>
-          </a:p>
-          <a:p>
-            <a:r>
-              <a:rPr lang="en-US" dirty="0"/>
-              <a:t>Importance of Feature Engineering: Key features like 'transaction amount' and 'transaction time' were instrumental in model performance, underscoring the value of thorough data preparation.</a:t>
-            </a:r>
-          </a:p>
-          <a:p>
-            <a:r>
-              <a:rPr lang="en-US" dirty="0"/>
-              <a:t>Efficacy of Model Selection and Training: The comparative analysis of different models and the final selection of </a:t>
-            </a:r>
-            <a:r>
-              <a:rPr lang="en-US" dirty="0" err="1"/>
-              <a:t>XGBoost</a:t>
-            </a:r>
-            <a:r>
-              <a:rPr lang="en-US" dirty="0"/>
-              <a:t> showcased the project's methodical approach to find the best solution.</a:t>
-            </a:r>
-          </a:p>
-          <a:p>
-            <a:r>
-              <a:rPr lang="en-US" dirty="0"/>
-              <a:t>Tuning and Insights: Hyperparameter tuning and interpretability analysis, including SHAP values, provided deep insights into the model's decisions, ensuring trustworthiness and applicability.</a:t>
-            </a:r>
-          </a:p>
-        </p:txBody>
-      </p:sp>
-    </p:spTree>
-    <p:extLst>
-      <p:ext uri="{BB962C8B-B14F-4D97-AF65-F5344CB8AC3E}">
-        <p14:creationId xmlns:p14="http://schemas.microsoft.com/office/powerpoint/2010/main" val="4293956434"/>
-      </p:ext>
-    </p:extLst>
-  </p:cSld>
-  <p:clrMapOvr>
-    <a:masterClrMapping/>
-  </p:clrMapOvr>
-</p:sld>
-</file>
-
-<file path=ppt/slides/slide24.xml><?xml version="1.0" encoding="utf-8"?>
-<p:sld xmlns:a="http://schemas.openxmlformats.org/drawingml/2006/main" xmlns:r="http://schemas.openxmlformats.org/officeDocument/2006/relationships" xmlns:p="http://schemas.openxmlformats.org/presentationml/2006/main">
-  <p:cSld>
-    <p:spTree>
-      <p:nvGrpSpPr>
-        <p:cNvPr id="1" name=""/>
-        <p:cNvGrpSpPr/>
-        <p:nvPr/>
-      </p:nvGrpSpPr>
-      <p:grpSpPr>
-        <a:xfrm>
-          <a:off x="0" y="0"/>
-          <a:ext cx="0" cy="0"/>
-          <a:chOff x="0" y="0"/>
-          <a:chExt cx="0" cy="0"/>
-        </a:xfrm>
-      </p:grpSpPr>
-      <p:sp>
-        <p:nvSpPr>
-          <p:cNvPr id="2" name="Title 1">
-            <a:extLst>
-              <a:ext uri="{FF2B5EF4-FFF2-40B4-BE49-F238E27FC236}">
-                <a16:creationId xmlns:a16="http://schemas.microsoft.com/office/drawing/2014/main" id="{E35E2BDE-CA48-8742-F291-F928B86E8FAC}"/>
-              </a:ext>
-            </a:extLst>
-          </p:cNvPr>
-          <p:cNvSpPr>
-            <a:spLocks noGrp="1"/>
-          </p:cNvSpPr>
-          <p:nvPr>
-            <p:ph type="title"/>
-          </p:nvPr>
-        </p:nvSpPr>
-        <p:spPr/>
-        <p:txBody>
-          <a:bodyPr/>
-          <a:lstStyle/>
-          <a:p>
-            <a:r>
-              <a:rPr lang="en-GB" dirty="0"/>
-              <a:t>Considerations and Limitations of the </a:t>
-            </a:r>
-            <a:r>
-              <a:rPr lang="en-GB" dirty="0" err="1"/>
-              <a:t>STudy</a:t>
-            </a:r>
-            <a:endParaRPr lang="en-US" dirty="0"/>
-          </a:p>
-        </p:txBody>
-      </p:sp>
-      <p:sp>
-        <p:nvSpPr>
-          <p:cNvPr id="3" name="Content Placeholder 2">
-            <a:extLst>
-              <a:ext uri="{FF2B5EF4-FFF2-40B4-BE49-F238E27FC236}">
-                <a16:creationId xmlns:a16="http://schemas.microsoft.com/office/drawing/2014/main" id="{ACF0E13C-1565-9EB2-7332-1E543E28B750}"/>
-              </a:ext>
-            </a:extLst>
-          </p:cNvPr>
-          <p:cNvSpPr>
-            <a:spLocks noGrp="1"/>
-          </p:cNvSpPr>
-          <p:nvPr>
-            <p:ph idx="1"/>
-          </p:nvPr>
-        </p:nvSpPr>
-        <p:spPr/>
-        <p:txBody>
-          <a:bodyPr>
-            <a:normAutofit fontScale="92500"/>
-          </a:bodyPr>
-          <a:lstStyle/>
-          <a:p>
-            <a:r>
-              <a:rPr lang="en-US" dirty="0"/>
-              <a:t>Synthetic Data Limitations: The model was trained on simulated data, which may not capture all the complexities and behavioral patterns present in real-world fraud scenarios.</a:t>
-            </a:r>
-          </a:p>
-          <a:p>
-            <a:r>
-              <a:rPr lang="en-US" dirty="0"/>
-              <a:t>Regional Specificity: The data and resulting model are localized to the Western United States, potentially limiting its applicability to different geographic areas with varying fraud dynamics.</a:t>
-            </a:r>
-          </a:p>
-          <a:p>
-            <a:r>
-              <a:rPr lang="en-US" dirty="0"/>
-              <a:t>Model Generalizability: While the </a:t>
-            </a:r>
-            <a:r>
-              <a:rPr lang="en-US" dirty="0" err="1"/>
-              <a:t>XGBoost</a:t>
-            </a:r>
-            <a:r>
-              <a:rPr lang="en-US" dirty="0"/>
-              <a:t> model performed well on the given dataset, its effectiveness on live, diverse, and evolving transaction data remains to be tested.</a:t>
-            </a:r>
-          </a:p>
-          <a:p>
-            <a:r>
-              <a:rPr lang="en-US" dirty="0"/>
-              <a:t>Data Privacy Compliance: The necessity to mask data to adhere to privacy regulations may have excluded potentially useful information that could enhance fraud detection.</a:t>
-            </a:r>
-          </a:p>
-        </p:txBody>
-      </p:sp>
-    </p:spTree>
-    <p:extLst>
-      <p:ext uri="{BB962C8B-B14F-4D97-AF65-F5344CB8AC3E}">
-        <p14:creationId xmlns:p14="http://schemas.microsoft.com/office/powerpoint/2010/main" val="2297161811"/>
-      </p:ext>
-    </p:extLst>
-  </p:cSld>
-  <p:clrMapOvr>
-    <a:masterClrMapping/>
-  </p:clrMapOvr>
-</p:sld>
-</file>
-
-<file path=ppt/slides/slide25.xml><?xml version="1.0" encoding="utf-8"?>
-<p:sld xmlns:a="http://schemas.openxmlformats.org/drawingml/2006/main" xmlns:r="http://schemas.openxmlformats.org/officeDocument/2006/relationships" xmlns:p="http://schemas.openxmlformats.org/presentationml/2006/main">
-  <p:cSld>
-    <p:spTree>
-      <p:nvGrpSpPr>
-        <p:cNvPr id="1" name=""/>
-        <p:cNvGrpSpPr/>
-        <p:nvPr/>
-      </p:nvGrpSpPr>
-      <p:grpSpPr>
-        <a:xfrm>
-          <a:off x="0" y="0"/>
-          <a:ext cx="0" cy="0"/>
-          <a:chOff x="0" y="0"/>
-          <a:chExt cx="0" cy="0"/>
-        </a:xfrm>
-      </p:grpSpPr>
-      <p:sp>
-        <p:nvSpPr>
-          <p:cNvPr id="2" name="Title 1">
-            <a:extLst>
-              <a:ext uri="{FF2B5EF4-FFF2-40B4-BE49-F238E27FC236}">
-                <a16:creationId xmlns:a16="http://schemas.microsoft.com/office/drawing/2014/main" id="{315CA50B-9E9C-9529-6FFC-89E0A3C51C1F}"/>
-              </a:ext>
-            </a:extLst>
-          </p:cNvPr>
-          <p:cNvSpPr>
-            <a:spLocks noGrp="1"/>
-          </p:cNvSpPr>
-          <p:nvPr>
-            <p:ph type="title"/>
-          </p:nvPr>
-        </p:nvSpPr>
-        <p:spPr/>
-        <p:txBody>
-          <a:bodyPr/>
-          <a:lstStyle/>
-          <a:p>
-            <a:r>
-              <a:rPr lang="en-GB" dirty="0"/>
-              <a:t>Expanding the Horizon – future work and alternatives</a:t>
-            </a:r>
-            <a:endParaRPr lang="en-US" dirty="0"/>
-          </a:p>
-        </p:txBody>
-      </p:sp>
-      <p:sp>
-        <p:nvSpPr>
-          <p:cNvPr id="3" name="Content Placeholder 2">
-            <a:extLst>
-              <a:ext uri="{FF2B5EF4-FFF2-40B4-BE49-F238E27FC236}">
-                <a16:creationId xmlns:a16="http://schemas.microsoft.com/office/drawing/2014/main" id="{9A14A692-4A1B-6682-35B2-2AB234C4F8FC}"/>
-              </a:ext>
-            </a:extLst>
-          </p:cNvPr>
-          <p:cNvSpPr>
-            <a:spLocks noGrp="1"/>
-          </p:cNvSpPr>
-          <p:nvPr>
-            <p:ph idx="1"/>
-          </p:nvPr>
-        </p:nvSpPr>
-        <p:spPr/>
-        <p:txBody>
-          <a:bodyPr>
-            <a:normAutofit fontScale="85000" lnSpcReduction="10000"/>
-          </a:bodyPr>
-          <a:lstStyle/>
-          <a:p>
-            <a:r>
-              <a:rPr lang="en-US" dirty="0"/>
-              <a:t>Real-World Application: Deploy the model in a controlled real-world environment to validate its practical effectiveness and refine it with actual transaction data.</a:t>
-            </a:r>
-          </a:p>
-          <a:p>
-            <a:r>
-              <a:rPr lang="en-US" dirty="0"/>
-              <a:t>Broader Data Integration: To enhance generalization, incorporate data from various regions and countries, considering different types of fraud that may not have been represented in the synthetic dataset.</a:t>
-            </a:r>
-          </a:p>
-          <a:p>
-            <a:r>
-              <a:rPr lang="en-US" dirty="0"/>
-              <a:t>Alternative Approaches: Explore complementary methods such as anomaly detection algorithms or deep learning models that may capture complex patterns in high-dimensional data.</a:t>
-            </a:r>
-          </a:p>
-          <a:p>
-            <a:r>
-              <a:rPr lang="en-US" dirty="0"/>
-              <a:t>Continuous Model Evolution: Implement mechanisms for the model to evolve with new fraud tactics, using techniques like online learning or reinforcement learning to adapt to emerging fraud patterns.</a:t>
-            </a:r>
-          </a:p>
-        </p:txBody>
-      </p:sp>
-    </p:spTree>
-    <p:extLst>
-      <p:ext uri="{BB962C8B-B14F-4D97-AF65-F5344CB8AC3E}">
-        <p14:creationId xmlns:p14="http://schemas.microsoft.com/office/powerpoint/2010/main" val="1636987395"/>
+        <p14:creationId xmlns:p14="http://schemas.microsoft.com/office/powerpoint/2010/main" val="2812202331"/>
       </p:ext>
     </p:extLst>
   </p:cSld>
@@ -8507,7 +9212,12 @@
             <p:ph type="title"/>
           </p:nvPr>
         </p:nvSpPr>
-        <p:spPr/>
+        <p:spPr>
+          <a:xfrm>
+            <a:off x="1607244" y="960483"/>
+            <a:ext cx="8977511" cy="1073825"/>
+          </a:xfrm>
+        </p:spPr>
         <p:txBody>
           <a:bodyPr/>
           <a:lstStyle/>
@@ -8535,29 +9245,27 @@
             <p:ph idx="1"/>
           </p:nvPr>
         </p:nvSpPr>
-        <p:spPr/>
+        <p:spPr>
+          <a:xfrm>
+            <a:off x="1607244" y="2227134"/>
+            <a:ext cx="8977509" cy="3141785"/>
+          </a:xfrm>
+        </p:spPr>
         <p:txBody>
           <a:bodyPr>
             <a:normAutofit fontScale="92500" lnSpcReduction="10000"/>
           </a:bodyPr>
           <a:lstStyle/>
           <a:p>
-            <a:r>
-              <a:rPr lang="en-GB" dirty="0"/>
-              <a:t>Scope:</a:t>
-            </a:r>
-          </a:p>
-          <a:p>
             <a:pPr marL="457200" lvl="1" indent="0">
               <a:buNone/>
             </a:pPr>
+            <a:endParaRPr lang="en-GB" dirty="0"/>
+          </a:p>
+          <a:p>
             <a:r>
               <a:rPr lang="en-GB" dirty="0"/>
-              <a:t>1. </a:t>
-            </a:r>
-            <a:r>
-              <a:rPr lang="en-US" dirty="0"/>
-              <a:t>Data Cleaning: Handling missing values, outliers, and standardizing features.</a:t>
+              <a:t>Scope:</a:t>
             </a:r>
           </a:p>
           <a:p>
@@ -8565,8 +9273,12 @@
               <a:buNone/>
             </a:pPr>
             <a:r>
+              <a:rPr lang="en-GB" dirty="0"/>
+              <a:t>1. </a:t>
+            </a:r>
+            <a:r>
               <a:rPr lang="en-US" dirty="0"/>
-              <a:t>2. Data Exploration: Analyzing transaction patterns and features influencing fraud detection.</a:t>
+              <a:t>Data Cleaning: Handling missing values, outliers, and standardizing features.</a:t>
             </a:r>
           </a:p>
           <a:p>
@@ -8575,7 +9287,7 @@
             </a:pPr>
             <a:r>
               <a:rPr lang="en-US" dirty="0"/>
-              <a:t>3. Model Training: Employing algorithms like logistic regression and decision trees.</a:t>
+              <a:t>2. Data Exploration: Analyzing transaction patterns and features influencing fraud detection.</a:t>
             </a:r>
           </a:p>
           <a:p>
@@ -8584,34 +9296,7 @@
             </a:pPr>
             <a:r>
               <a:rPr lang="en-US" dirty="0"/>
-              <a:t>4. Evaluation: Using precision, recall, and F1-score to assess performance.</a:t>
-            </a:r>
-          </a:p>
-          <a:p>
-            <a:r>
-              <a:rPr lang="en-US" dirty="0"/>
-              <a:t>Data Description:</a:t>
-            </a:r>
-          </a:p>
-          <a:p>
-            <a:pPr marL="0" indent="0">
-              <a:buNone/>
-            </a:pPr>
-            <a:r>
-              <a:rPr lang="en-US" dirty="0"/>
-              <a:t>          </a:t>
-            </a:r>
-            <a:r>
-              <a:rPr lang="en-US" sz="1600" dirty="0"/>
-              <a:t>1. Source: Simulated dataset from </a:t>
-            </a:r>
-            <a:r>
-              <a:rPr lang="en-US" sz="1600" dirty="0" err="1"/>
-              <a:t>DataCamp</a:t>
-            </a:r>
-            <a:r>
-              <a:rPr lang="en-US" sz="1600" dirty="0"/>
-              <a:t>, derived from Kaggle.</a:t>
+              <a:t>3. Model Training: Utilized advanced machine learning techniques to develop the fraud detection model.</a:t>
             </a:r>
           </a:p>
           <a:p>
@@ -8620,18 +9305,33 @@
             </a:pPr>
             <a:r>
               <a:rPr lang="en-US" dirty="0"/>
-              <a:t>2. Details: Involves 1,000 customers and 800 merchants over two years.</a:t>
+              <a:t>4. Evaluation: Assessed the model's performance to ensure it meets our accuracy targets.</a:t>
+            </a:r>
+          </a:p>
+          <a:p>
+            <a:r>
+              <a:rPr lang="en-US" dirty="0"/>
+              <a:t>Results:</a:t>
+            </a:r>
+          </a:p>
+          <a:p>
+            <a:pPr lvl="1"/>
+            <a:r>
+              <a:rPr lang="en-US" dirty="0"/>
+              <a:t>Successfully developed a fraud detection system that meets our goal of 95% accuracy.</a:t>
             </a:r>
           </a:p>
           <a:p>
             <a:pPr marL="457200" lvl="1" indent="0">
               <a:buNone/>
             </a:pPr>
-            <a:r>
-              <a:rPr lang="en-US" dirty="0"/>
-              <a:t>3.  Variables: Includes transaction amount, merchant details, location, and fraud labels.</a:t>
-            </a:r>
-            <a:endParaRPr lang="en-GB" dirty="0"/>
+            <a:endParaRPr lang="en-US" dirty="0"/>
+          </a:p>
+          <a:p>
+            <a:pPr marL="457200" lvl="1" indent="0">
+              <a:buNone/>
+            </a:pPr>
+            <a:endParaRPr lang="en-US" dirty="0"/>
           </a:p>
           <a:p>
             <a:pPr marL="457200" lvl="1" indent="0">
@@ -8673,10 +9373,10 @@
       </p:grpSpPr>
       <p:sp>
         <p:nvSpPr>
-          <p:cNvPr id="2" name="Title 1">
-            <a:extLst>
-              <a:ext uri="{FF2B5EF4-FFF2-40B4-BE49-F238E27FC236}">
-                <a16:creationId xmlns:a16="http://schemas.microsoft.com/office/drawing/2014/main" id="{C023C5C3-B6D0-2DEE-D1E4-E777A0825713}"/>
+          <p:cNvPr id="4" name="Title 3">
+            <a:extLst>
+              <a:ext uri="{FF2B5EF4-FFF2-40B4-BE49-F238E27FC236}">
+                <a16:creationId xmlns:a16="http://schemas.microsoft.com/office/drawing/2014/main" id="{A9DEF1B5-E010-4323-89DA-9453EA7FDC8A}"/>
               </a:ext>
             </a:extLst>
           </p:cNvPr>
@@ -8693,133 +9393,6 @@
           <a:lstStyle/>
           <a:p>
             <a:r>
-              <a:rPr lang="en-US" dirty="0"/>
-              <a:t>Challenges &amp; Next Steps</a:t>
-            </a:r>
-          </a:p>
-        </p:txBody>
-      </p:sp>
-      <p:sp>
-        <p:nvSpPr>
-          <p:cNvPr id="3" name="Content Placeholder 2">
-            <a:extLst>
-              <a:ext uri="{FF2B5EF4-FFF2-40B4-BE49-F238E27FC236}">
-                <a16:creationId xmlns:a16="http://schemas.microsoft.com/office/drawing/2014/main" id="{EB965A68-8521-C62A-3DC2-5BE3AB9F0CE5}"/>
-              </a:ext>
-            </a:extLst>
-          </p:cNvPr>
-          <p:cNvSpPr>
-            <a:spLocks noGrp="1"/>
-          </p:cNvSpPr>
-          <p:nvPr>
-            <p:ph idx="1"/>
-          </p:nvPr>
-        </p:nvSpPr>
-        <p:spPr/>
-        <p:txBody>
-          <a:bodyPr/>
-          <a:lstStyle/>
-          <a:p>
-            <a:r>
-              <a:rPr lang="en-US" dirty="0"/>
-              <a:t>Challenges:</a:t>
-            </a:r>
-          </a:p>
-          <a:p>
-            <a:pPr lvl="1"/>
-            <a:r>
-              <a:rPr lang="en-US" dirty="0"/>
-              <a:t>Data Privacy: Ensuring compliance with data privacy regulations.</a:t>
-            </a:r>
-          </a:p>
-          <a:p>
-            <a:pPr lvl="1"/>
-            <a:r>
-              <a:rPr lang="en-US" dirty="0"/>
-              <a:t>Handling Volume: Developing scalable algorithms for large volumes of data.</a:t>
-            </a:r>
-          </a:p>
-          <a:p>
-            <a:pPr lvl="1"/>
-            <a:r>
-              <a:rPr lang="en-US" dirty="0"/>
-              <a:t>Infrastructure: Securing adequate computational resources for processing and training.</a:t>
-            </a:r>
-          </a:p>
-          <a:p>
-            <a:r>
-              <a:rPr lang="en-US" dirty="0"/>
-              <a:t>Next Steps:</a:t>
-            </a:r>
-          </a:p>
-          <a:p>
-            <a:pPr lvl="1"/>
-            <a:r>
-              <a:rPr lang="en-US" dirty="0"/>
-              <a:t>Deepen exploratory data analysis to identify more complex patterns.</a:t>
-            </a:r>
-          </a:p>
-          <a:p>
-            <a:pPr lvl="1"/>
-            <a:r>
-              <a:rPr lang="en-US" dirty="0"/>
-              <a:t>Enhance feature engineering and prepare data for effective model training.</a:t>
-            </a:r>
-          </a:p>
-        </p:txBody>
-      </p:sp>
-    </p:spTree>
-    <p:extLst>
-      <p:ext uri="{BB962C8B-B14F-4D97-AF65-F5344CB8AC3E}">
-        <p14:creationId xmlns:p14="http://schemas.microsoft.com/office/powerpoint/2010/main" val="3110368485"/>
-      </p:ext>
-    </p:extLst>
-  </p:cSld>
-  <p:clrMapOvr>
-    <a:masterClrMapping/>
-  </p:clrMapOvr>
-</p:sld>
-</file>
-
-<file path=ppt/slides/slide5.xml><?xml version="1.0" encoding="utf-8"?>
-<p:sld xmlns:a="http://schemas.openxmlformats.org/drawingml/2006/main" xmlns:r="http://schemas.openxmlformats.org/officeDocument/2006/relationships" xmlns:p="http://schemas.openxmlformats.org/presentationml/2006/main">
-  <p:cSld>
-    <p:spTree>
-      <p:nvGrpSpPr>
-        <p:cNvPr id="1" name=""/>
-        <p:cNvGrpSpPr/>
-        <p:nvPr/>
-      </p:nvGrpSpPr>
-      <p:grpSpPr>
-        <a:xfrm>
-          <a:off x="0" y="0"/>
-          <a:ext cx="0" cy="0"/>
-          <a:chOff x="0" y="0"/>
-          <a:chExt cx="0" cy="0"/>
-        </a:xfrm>
-      </p:grpSpPr>
-      <p:sp>
-        <p:nvSpPr>
-          <p:cNvPr id="4" name="Title 3">
-            <a:extLst>
-              <a:ext uri="{FF2B5EF4-FFF2-40B4-BE49-F238E27FC236}">
-                <a16:creationId xmlns:a16="http://schemas.microsoft.com/office/drawing/2014/main" id="{A9DEF1B5-E010-4323-89DA-9453EA7FDC8A}"/>
-              </a:ext>
-            </a:extLst>
-          </p:cNvPr>
-          <p:cNvSpPr>
-            <a:spLocks noGrp="1"/>
-          </p:cNvSpPr>
-          <p:nvPr>
-            <p:ph type="title"/>
-          </p:nvPr>
-        </p:nvSpPr>
-        <p:spPr/>
-        <p:txBody>
-          <a:bodyPr/>
-          <a:lstStyle/>
-          <a:p>
-            <a:r>
               <a:rPr lang="en-GB" dirty="0"/>
               <a:t>Data Wrangling &amp; EDA</a:t>
             </a:r>
@@ -8845,14 +9418,16 @@
         </p:nvSpPr>
         <p:spPr/>
         <p:txBody>
-          <a:bodyPr/>
+          <a:bodyPr>
+            <a:normAutofit/>
+          </a:bodyPr>
           <a:lstStyle/>
           <a:p>
             <a:r>
-              <a:rPr lang="en-GB" dirty="0"/>
+              <a:rPr lang="en-GB" sz="3600" b="1" dirty="0"/>
               <a:t>2</a:t>
             </a:r>
-            <a:endParaRPr lang="en-US" dirty="0"/>
+            <a:endParaRPr lang="en-US" sz="3600" b="1" dirty="0"/>
           </a:p>
         </p:txBody>
       </p:sp>
@@ -8869,7 +9444,7 @@
 </p:sld>
 </file>
 
-<file path=ppt/slides/slide6.xml><?xml version="1.0" encoding="utf-8"?>
+<file path=ppt/slides/slide5.xml><?xml version="1.0" encoding="utf-8"?>
 <p:sld xmlns:a="http://schemas.openxmlformats.org/drawingml/2006/main" xmlns:r="http://schemas.openxmlformats.org/officeDocument/2006/relationships" xmlns:p="http://schemas.openxmlformats.org/presentationml/2006/main">
   <p:cSld>
     <p:bg>
@@ -9185,7 +9760,7 @@
 </p:sld>
 </file>
 
-<file path=ppt/slides/slide7.xml><?xml version="1.0" encoding="utf-8"?>
+<file path=ppt/slides/slide6.xml><?xml version="1.0" encoding="utf-8"?>
 <p:sld xmlns:a="http://schemas.openxmlformats.org/drawingml/2006/main" xmlns:r="http://schemas.openxmlformats.org/officeDocument/2006/relationships" xmlns:p="http://schemas.openxmlformats.org/presentationml/2006/main">
   <p:cSld>
     <p:bg>
@@ -9479,7 +10054,7 @@
 </p:sld>
 </file>
 
-<file path=ppt/slides/slide8.xml><?xml version="1.0" encoding="utf-8"?>
+<file path=ppt/slides/slide7.xml><?xml version="1.0" encoding="utf-8"?>
 <p:sld xmlns:a="http://schemas.openxmlformats.org/drawingml/2006/main" xmlns:r="http://schemas.openxmlformats.org/officeDocument/2006/relationships" xmlns:p="http://schemas.openxmlformats.org/presentationml/2006/main">
   <p:cSld>
     <p:bg>
@@ -9506,7 +10081,7 @@
       </p:grpSpPr>
       <p:sp>
         <p:nvSpPr>
-          <p:cNvPr id="14" name="Rectangle 13">
+          <p:cNvPr id="32" name="Rectangle 31">
             <a:extLst>
               <a:ext uri="{FF2B5EF4-FFF2-40B4-BE49-F238E27FC236}">
                 <a16:creationId xmlns:a16="http://schemas.microsoft.com/office/drawing/2014/main" id="{5BE2A49E-0BD9-321C-F602-AFA2FCF9B27B}"/>
@@ -9572,7 +10147,7 @@
       </p:sp>
       <p:sp useBgFill="1">
         <p:nvSpPr>
-          <p:cNvPr id="16" name="Rectangle 15">
+          <p:cNvPr id="34" name="Rectangle 33">
             <a:extLst>
               <a:ext uri="{FF2B5EF4-FFF2-40B4-BE49-F238E27FC236}">
                 <a16:creationId xmlns:a16="http://schemas.microsoft.com/office/drawing/2014/main" id="{2D0267C2-9A87-5888-0384-969AD9365463}"/>
@@ -9635,7 +10210,7 @@
       </p:sp>
       <p:sp>
         <p:nvSpPr>
-          <p:cNvPr id="18" name="Rectangle 17">
+          <p:cNvPr id="36" name="Rectangle 35">
             <a:extLst>
               <a:ext uri="{FF2B5EF4-FFF2-40B4-BE49-F238E27FC236}">
                 <a16:creationId xmlns:a16="http://schemas.microsoft.com/office/drawing/2014/main" id="{E4AEFA6A-E623-CF1A-3DDF-C38D3A7E2CE2}"/>
@@ -9658,8 +10233,8 @@
         </p:nvSpPr>
         <p:spPr>
           <a:xfrm>
-            <a:off x="938570" y="930513"/>
-            <a:ext cx="4237092" cy="4989589"/>
+            <a:off x="938570" y="934206"/>
+            <a:ext cx="10336262" cy="4989589"/>
           </a:xfrm>
           <a:prstGeom prst="rect">
             <a:avLst/>
@@ -9717,7 +10292,7 @@
         </p:nvSpPr>
         <p:spPr>
           <a:xfrm>
-            <a:off x="938570" y="2552699"/>
+            <a:off x="745044" y="2743199"/>
             <a:ext cx="3903156" cy="1828800"/>
           </a:xfrm>
         </p:spPr>
@@ -9736,19 +10311,17 @@
       </p:sp>
       <p:pic>
         <p:nvPicPr>
-          <p:cNvPr id="5" name="Content Placeholder 4" descr="A graph of green bars&#10;&#10;Description automatically generated">
-            <a:extLst>
-              <a:ext uri="{FF2B5EF4-FFF2-40B4-BE49-F238E27FC236}">
-                <a16:creationId xmlns:a16="http://schemas.microsoft.com/office/drawing/2014/main" id="{4801842E-F5D7-8702-B576-44DBE3B02C59}"/>
+          <p:cNvPr id="7" name="Picture 6" descr="A graph with blue bars&#10;&#10;Description automatically generated">
+            <a:extLst>
+              <a:ext uri="{FF2B5EF4-FFF2-40B4-BE49-F238E27FC236}">
+                <a16:creationId xmlns:a16="http://schemas.microsoft.com/office/drawing/2014/main" id="{1ACA3023-D284-0839-FF05-00E26D7D61D9}"/>
               </a:ext>
             </a:extLst>
           </p:cNvPr>
           <p:cNvPicPr>
-            <a:picLocks noGrp="1" noChangeAspect="1"/>
+            <a:picLocks noChangeAspect="1"/>
           </p:cNvPicPr>
-          <p:nvPr>
-            <p:ph idx="1"/>
-          </p:nvPr>
+          <p:nvPr/>
         </p:nvPicPr>
         <p:blipFill rotWithShape="1">
           <a:blip r:embed="rId2">
@@ -9758,13 +10331,50 @@
               </a:ext>
             </a:extLst>
           </a:blip>
-          <a:srcRect l="22474" r="23584" b="-1"/>
+          <a:srcRect l="10934" r="6327" b="-1"/>
           <a:stretch/>
         </p:blipFill>
         <p:spPr>
           <a:xfrm>
-            <a:off x="6099169" y="10"/>
-            <a:ext cx="3116969" cy="3467089"/>
+            <a:off x="7426816" y="513681"/>
+            <a:ext cx="4020140" cy="2915319"/>
+          </a:xfrm>
+          <a:prstGeom prst="rect">
+            <a:avLst/>
+          </a:prstGeom>
+        </p:spPr>
+      </p:pic>
+      <p:pic>
+        <p:nvPicPr>
+          <p:cNvPr id="5" name="Content Placeholder 4" descr="A graph of green bars&#10;&#10;Description automatically generated">
+            <a:extLst>
+              <a:ext uri="{FF2B5EF4-FFF2-40B4-BE49-F238E27FC236}">
+                <a16:creationId xmlns:a16="http://schemas.microsoft.com/office/drawing/2014/main" id="{4801842E-F5D7-8702-B576-44DBE3B02C59}"/>
+              </a:ext>
+            </a:extLst>
+          </p:cNvPr>
+          <p:cNvPicPr>
+            <a:picLocks noGrp="1" noChangeAspect="1"/>
+          </p:cNvPicPr>
+          <p:nvPr>
+            <p:ph idx="1"/>
+          </p:nvPr>
+        </p:nvPicPr>
+        <p:blipFill rotWithShape="1">
+          <a:blip r:embed="rId3">
+            <a:extLst>
+              <a:ext uri="{28A0092B-C50C-407E-A947-70E740481C1C}">
+                <a14:useLocalDpi xmlns:a14="http://schemas.microsoft.com/office/drawing/2010/main" val="0"/>
+              </a:ext>
+            </a:extLst>
+          </a:blip>
+          <a:srcRect l="8498" r="9614" b="4"/>
+          <a:stretch/>
+        </p:blipFill>
+        <p:spPr>
+          <a:xfrm>
+            <a:off x="3580810" y="541460"/>
+            <a:ext cx="3903156" cy="2859759"/>
           </a:xfrm>
           <a:prstGeom prst="rect">
             <a:avLst/>
@@ -9786,55 +10396,20 @@
           <p:nvPr/>
         </p:nvPicPr>
         <p:blipFill rotWithShape="1">
-          <a:blip r:embed="rId3">
+          <a:blip r:embed="rId4">
             <a:extLst>
               <a:ext uri="{28A0092B-C50C-407E-A947-70E740481C1C}">
                 <a14:useLocalDpi xmlns:a14="http://schemas.microsoft.com/office/drawing/2010/main" val="0"/>
               </a:ext>
             </a:extLst>
           </a:blip>
-          <a:srcRect l="26930" r="21570" b="-1"/>
+          <a:srcRect l="12268" r="6914" b="4"/>
           <a:stretch/>
         </p:blipFill>
         <p:spPr>
           <a:xfrm>
-            <a:off x="9216138" y="10"/>
-            <a:ext cx="2975862" cy="3467089"/>
-          </a:xfrm>
-          <a:prstGeom prst="rect">
-            <a:avLst/>
-          </a:prstGeom>
-        </p:spPr>
-      </p:pic>
-      <p:pic>
-        <p:nvPicPr>
-          <p:cNvPr id="7" name="Picture 6" descr="A graph with blue bars&#10;&#10;Description automatically generated">
-            <a:extLst>
-              <a:ext uri="{FF2B5EF4-FFF2-40B4-BE49-F238E27FC236}">
-                <a16:creationId xmlns:a16="http://schemas.microsoft.com/office/drawing/2014/main" id="{1ACA3023-D284-0839-FF05-00E26D7D61D9}"/>
-              </a:ext>
-            </a:extLst>
-          </p:cNvPr>
-          <p:cNvPicPr>
-            <a:picLocks noChangeAspect="1"/>
-          </p:cNvPicPr>
-          <p:nvPr/>
-        </p:nvPicPr>
-        <p:blipFill rotWithShape="1">
-          <a:blip r:embed="rId4">
-            <a:extLst>
-              <a:ext uri="{28A0092B-C50C-407E-A947-70E740481C1C}">
-                <a14:useLocalDpi xmlns:a14="http://schemas.microsoft.com/office/drawing/2010/main" val="0"/>
-              </a:ext>
-            </a:extLst>
-          </a:blip>
-          <a:srcRect t="7292"/>
-          <a:stretch/>
-        </p:blipFill>
-        <p:spPr>
-          <a:xfrm>
-            <a:off x="6096000" y="3467100"/>
-            <a:ext cx="6096000" cy="3390900"/>
+            <a:off x="5924425" y="3441262"/>
+            <a:ext cx="4059493" cy="3013683"/>
           </a:xfrm>
           <a:prstGeom prst="rect">
             <a:avLst/>
@@ -9854,17 +10429,9 @@
 </p:sld>
 </file>
 
-<file path=ppt/slides/slide9.xml><?xml version="1.0" encoding="utf-8"?>
+<file path=ppt/slides/slide8.xml><?xml version="1.0" encoding="utf-8"?>
 <p:sld xmlns:a="http://schemas.openxmlformats.org/drawingml/2006/main" xmlns:r="http://schemas.openxmlformats.org/officeDocument/2006/relationships" xmlns:p="http://schemas.openxmlformats.org/presentationml/2006/main">
   <p:cSld>
-    <p:bg>
-      <p:bgPr>
-        <a:solidFill>
-          <a:schemeClr val="bg2"/>
-        </a:solidFill>
-        <a:effectLst/>
-      </p:bgPr>
-    </p:bg>
     <p:spTree>
       <p:nvGrpSpPr>
         <p:cNvPr id="1" name=""/>
@@ -9879,154 +10446,41 @@
           <a:chExt cx="0" cy="0"/>
         </a:xfrm>
       </p:grpSpPr>
-      <p:sp useBgFill="1">
-        <p:nvSpPr>
-          <p:cNvPr id="10" name="Rectangle 9">
-            <a:extLst>
-              <a:ext uri="{FF2B5EF4-FFF2-40B4-BE49-F238E27FC236}">
-                <a16:creationId xmlns:a16="http://schemas.microsoft.com/office/drawing/2014/main" id="{FAFDCCA3-5CE7-058C-1962-A071B76432F1}"/>
-              </a:ext>
-              <a:ext uri="{C183D7F6-B498-43B3-948B-1728B52AA6E4}">
-                <adec:decorative xmlns:adec="http://schemas.microsoft.com/office/drawing/2017/decorative" val="1"/>
-              </a:ext>
-            </a:extLst>
-          </p:cNvPr>
-          <p:cNvSpPr>
-            <a:spLocks noGrp="1" noRot="1" noChangeAspect="1" noMove="1" noResize="1" noEditPoints="1" noAdjustHandles="1" noChangeArrowheads="1" noChangeShapeType="1" noTextEdit="1"/>
-          </p:cNvSpPr>
-          <p:nvPr>
-            <p:extLst>
-              <p:ext uri="{386F3935-93C4-4BCD-93E2-E3B085C9AB24}">
-                <p16:designElem xmlns:p16="http://schemas.microsoft.com/office/powerpoint/2015/main" val="1"/>
-              </p:ext>
-            </p:extLst>
-          </p:nvPr>
-        </p:nvSpPr>
-        <p:spPr>
-          <a:xfrm>
-            <a:off x="0" y="0"/>
-            <a:ext cx="12192000" cy="6858000"/>
-          </a:xfrm>
-          <a:prstGeom prst="rect">
-            <a:avLst/>
-          </a:prstGeom>
-          <a:ln w="12700" cap="flat" cmpd="sng" algn="ctr">
-            <a:noFill/>
-            <a:prstDash val="solid"/>
-            <a:miter lim="800000"/>
-          </a:ln>
-          <a:effectLst/>
-          <a:extLst>
-            <a:ext uri="{91240B29-F687-4F45-9708-019B960494DF}">
-              <a14:hiddenLine xmlns:a14="http://schemas.microsoft.com/office/drawing/2010/main" w="12700" cap="flat" cmpd="sng" algn="ctr">
-                <a:solidFill>
-                  <a:schemeClr val="accent1">
-                    <a:shade val="50000"/>
-                  </a:schemeClr>
-                </a:solidFill>
-                <a:prstDash val="solid"/>
-                <a:miter lim="800000"/>
-              </a14:hiddenLine>
-            </a:ext>
-          </a:extLst>
-        </p:spPr>
-        <p:style>
-          <a:lnRef idx="2">
-            <a:schemeClr val="accent1">
-              <a:shade val="50000"/>
-            </a:schemeClr>
-          </a:lnRef>
-          <a:fillRef idx="1">
-            <a:schemeClr val="accent1"/>
-          </a:fillRef>
-          <a:effectRef idx="0">
-            <a:schemeClr val="accent1"/>
-          </a:effectRef>
-          <a:fontRef idx="minor">
-            <a:schemeClr val="lt1"/>
-          </a:fontRef>
-        </p:style>
-        <p:txBody>
-          <a:bodyPr rtlCol="0" anchor="ctr"/>
+      <p:sp>
+        <p:nvSpPr>
+          <p:cNvPr id="4" name="Title 3">
+            <a:extLst>
+              <a:ext uri="{FF2B5EF4-FFF2-40B4-BE49-F238E27FC236}">
+                <a16:creationId xmlns:a16="http://schemas.microsoft.com/office/drawing/2014/main" id="{88B548FF-BF20-977A-873F-134B7BFF9427}"/>
+              </a:ext>
+            </a:extLst>
+          </p:cNvPr>
+          <p:cNvSpPr>
+            <a:spLocks noGrp="1"/>
+          </p:cNvSpPr>
+          <p:nvPr>
+            <p:ph type="title"/>
+          </p:nvPr>
+        </p:nvSpPr>
+        <p:spPr/>
+        <p:txBody>
+          <a:bodyPr/>
           <a:lstStyle/>
           <a:p>
-            <a:pPr algn="ctr"/>
-            <a:endParaRPr lang="en-US"/>
-          </a:p>
-        </p:txBody>
-      </p:sp>
-      <p:sp>
-        <p:nvSpPr>
-          <p:cNvPr id="12" name="Rectangle 11">
-            <a:extLst>
-              <a:ext uri="{FF2B5EF4-FFF2-40B4-BE49-F238E27FC236}">
-                <a16:creationId xmlns:a16="http://schemas.microsoft.com/office/drawing/2014/main" id="{1BF24CF1-EE7F-86B3-94A8-3CD26A1ADB0F}"/>
-              </a:ext>
-              <a:ext uri="{C183D7F6-B498-43B3-948B-1728B52AA6E4}">
-                <adec:decorative xmlns:adec="http://schemas.microsoft.com/office/drawing/2017/decorative" val="1"/>
-              </a:ext>
-            </a:extLst>
-          </p:cNvPr>
-          <p:cNvSpPr>
-            <a:spLocks noGrp="1" noRot="1" noChangeAspect="1" noMove="1" noResize="1" noEditPoints="1" noAdjustHandles="1" noChangeArrowheads="1" noChangeShapeType="1" noTextEdit="1"/>
-          </p:cNvSpPr>
-          <p:nvPr>
-            <p:extLst>
-              <p:ext uri="{386F3935-93C4-4BCD-93E2-E3B085C9AB24}">
-                <p16:designElem xmlns:p16="http://schemas.microsoft.com/office/powerpoint/2015/main" val="1"/>
-              </p:ext>
-            </p:extLst>
-          </p:nvPr>
-        </p:nvSpPr>
-        <p:spPr>
-          <a:xfrm>
-            <a:off x="5308233" y="936887"/>
-            <a:ext cx="5947834" cy="4337163"/>
-          </a:xfrm>
-          <a:prstGeom prst="rect">
-            <a:avLst/>
-          </a:prstGeom>
-          <a:noFill/>
-          <a:ln w="38100">
-            <a:solidFill>
-              <a:schemeClr val="accent1">
-                <a:lumMod val="60000"/>
-                <a:lumOff val="40000"/>
-              </a:schemeClr>
-            </a:solidFill>
-          </a:ln>
-        </p:spPr>
-        <p:style>
-          <a:lnRef idx="2">
-            <a:schemeClr val="accent1">
-              <a:shade val="50000"/>
-            </a:schemeClr>
-          </a:lnRef>
-          <a:fillRef idx="1">
-            <a:schemeClr val="accent1"/>
-          </a:fillRef>
-          <a:effectRef idx="0">
-            <a:schemeClr val="accent1"/>
-          </a:effectRef>
-          <a:fontRef idx="minor">
-            <a:schemeClr val="lt1"/>
-          </a:fontRef>
-        </p:style>
-        <p:txBody>
-          <a:bodyPr rtlCol="0" anchor="ctr"/>
-          <a:lstStyle/>
-          <a:p>
-            <a:pPr algn="ctr"/>
-            <a:endParaRPr lang="en-US"/>
-          </a:p>
-        </p:txBody>
-      </p:sp>
-      <p:sp>
-        <p:nvSpPr>
-          <p:cNvPr id="2" name="Title 1">
-            <a:extLst>
-              <a:ext uri="{FF2B5EF4-FFF2-40B4-BE49-F238E27FC236}">
-                <a16:creationId xmlns:a16="http://schemas.microsoft.com/office/drawing/2014/main" id="{192BC819-D939-6BB2-1658-9D378FA7DF58}"/>
+            <a:r>
+              <a:rPr lang="en-GB" dirty="0"/>
+              <a:t>Modelling </a:t>
+            </a:r>
+            <a:endParaRPr lang="en-US" dirty="0"/>
+          </a:p>
+        </p:txBody>
+      </p:sp>
+      <p:sp>
+        <p:nvSpPr>
+          <p:cNvPr id="5" name="Text Placeholder 4">
+            <a:extLst>
+              <a:ext uri="{FF2B5EF4-FFF2-40B4-BE49-F238E27FC236}">
+                <a16:creationId xmlns:a16="http://schemas.microsoft.com/office/drawing/2014/main" id="{EF5B0C71-1A82-E48D-52D5-4A4B65C99D20}"/>
               </a:ext>
             </a:extLst>
           </p:cNvPr>
@@ -10034,16 +10488,10 @@
             <a:spLocks noGrp="1"/>
           </p:cNvSpPr>
           <p:nvPr>
-            <p:ph type="title"/>
-          </p:nvPr>
-        </p:nvSpPr>
-        <p:spPr>
-          <a:xfrm>
-            <a:off x="914397" y="950441"/>
-            <a:ext cx="3184637" cy="1801455"/>
-          </a:xfrm>
-          <a:noFill/>
-        </p:spPr>
+            <p:ph type="body" idx="1"/>
+          </p:nvPr>
+        </p:nvSpPr>
+        <p:spPr/>
         <p:txBody>
           <a:bodyPr>
             <a:normAutofit/>
@@ -10051,101 +10499,161 @@
           <a:lstStyle/>
           <a:p>
             <a:r>
-              <a:rPr lang="en-GB" dirty="0"/>
-              <a:t>Feature Correlation </a:t>
-            </a:r>
-            <a:endParaRPr lang="en-US" dirty="0"/>
-          </a:p>
-        </p:txBody>
-      </p:sp>
-      <p:sp>
-        <p:nvSpPr>
-          <p:cNvPr id="3" name="Content Placeholder 2">
-            <a:extLst>
-              <a:ext uri="{FF2B5EF4-FFF2-40B4-BE49-F238E27FC236}">
-                <a16:creationId xmlns:a16="http://schemas.microsoft.com/office/drawing/2014/main" id="{191C9D90-7F63-2A6D-5C09-ED5ABA0ADC08}"/>
-              </a:ext>
-            </a:extLst>
-          </p:cNvPr>
-          <p:cNvSpPr>
-            <a:spLocks noGrp="1"/>
-          </p:cNvSpPr>
-          <p:nvPr>
-            <p:ph idx="1"/>
-          </p:nvPr>
-        </p:nvSpPr>
-        <p:spPr>
-          <a:xfrm>
-            <a:off x="914400" y="2890881"/>
-            <a:ext cx="3184633" cy="3052719"/>
-          </a:xfrm>
-        </p:spPr>
-        <p:txBody>
-          <a:bodyPr>
-            <a:normAutofit/>
-          </a:bodyPr>
-          <a:lstStyle/>
-          <a:p>
-            <a:pPr>
-              <a:lnSpc>
-                <a:spcPct val="110000"/>
-              </a:lnSpc>
-            </a:pPr>
-            <a:r>
-              <a:rPr lang="en-US" sz="1500"/>
-              <a:t>The correlation matrix revealed that while some features showed notable correlations with fraud, many did not exhibit strong linear relationships. For instance, a positive correlation (0.201) was observed between the transaction amount (amt) and the occurrence of fraud (</a:t>
-            </a:r>
-            <a:r>
-              <a:rPr lang="en-US" sz="1500" err="1"/>
-              <a:t>is_fraud</a:t>
-            </a:r>
-            <a:r>
-              <a:rPr lang="en-US" sz="1500"/>
-              <a:t>).</a:t>
-            </a:r>
-          </a:p>
-        </p:txBody>
-      </p:sp>
-      <p:pic>
-        <p:nvPicPr>
-          <p:cNvPr id="5" name="Picture 4" descr="A screenshot of a graph&#10;&#10;Description automatically generated">
-            <a:extLst>
-              <a:ext uri="{FF2B5EF4-FFF2-40B4-BE49-F238E27FC236}">
-                <a16:creationId xmlns:a16="http://schemas.microsoft.com/office/drawing/2014/main" id="{19656318-FA4D-16C2-E207-FD235B2D3B4E}"/>
-              </a:ext>
-            </a:extLst>
-          </p:cNvPr>
-          <p:cNvPicPr>
-            <a:picLocks noChangeAspect="1"/>
-          </p:cNvPicPr>
-          <p:nvPr/>
-        </p:nvPicPr>
-        <p:blipFill>
-          <a:blip r:embed="rId2">
-            <a:extLst>
-              <a:ext uri="{28A0092B-C50C-407E-A947-70E740481C1C}">
-                <a14:useLocalDpi xmlns:a14="http://schemas.microsoft.com/office/drawing/2010/main" val="0"/>
-              </a:ext>
-            </a:extLst>
-          </a:blip>
-          <a:stretch>
-            <a:fillRect/>
-          </a:stretch>
-        </p:blipFill>
-        <p:spPr>
-          <a:xfrm>
-            <a:off x="4715134" y="1606437"/>
-            <a:ext cx="5880899" cy="4337163"/>
-          </a:xfrm>
-          <a:prstGeom prst="rect">
-            <a:avLst/>
-          </a:prstGeom>
-        </p:spPr>
-      </p:pic>
+              <a:rPr lang="en-GB" sz="3600" b="1" dirty="0"/>
+              <a:t>3</a:t>
+            </a:r>
+            <a:endParaRPr lang="en-US" sz="3600" b="1" dirty="0"/>
+          </a:p>
+        </p:txBody>
+      </p:sp>
     </p:spTree>
     <p:extLst>
       <p:ext uri="{BB962C8B-B14F-4D97-AF65-F5344CB8AC3E}">
-        <p14:creationId xmlns:p14="http://schemas.microsoft.com/office/powerpoint/2010/main" val="913153577"/>
+        <p14:creationId xmlns:p14="http://schemas.microsoft.com/office/powerpoint/2010/main" val="3531615720"/>
+      </p:ext>
+    </p:extLst>
+  </p:cSld>
+  <p:clrMapOvr>
+    <a:masterClrMapping/>
+  </p:clrMapOvr>
+</p:sld>
+</file>
+
+<file path=ppt/slides/slide9.xml><?xml version="1.0" encoding="utf-8"?>
+<p:sld xmlns:a="http://schemas.openxmlformats.org/drawingml/2006/main" xmlns:r="http://schemas.openxmlformats.org/officeDocument/2006/relationships" xmlns:p="http://schemas.openxmlformats.org/presentationml/2006/main">
+  <p:cSld>
+    <p:spTree>
+      <p:nvGrpSpPr>
+        <p:cNvPr id="1" name=""/>
+        <p:cNvGrpSpPr/>
+        <p:nvPr/>
+      </p:nvGrpSpPr>
+      <p:grpSpPr>
+        <a:xfrm>
+          <a:off x="0" y="0"/>
+          <a:ext cx="0" cy="0"/>
+          <a:chOff x="0" y="0"/>
+          <a:chExt cx="0" cy="0"/>
+        </a:xfrm>
+      </p:grpSpPr>
+      <p:sp>
+        <p:nvSpPr>
+          <p:cNvPr id="4" name="Title 3">
+            <a:extLst>
+              <a:ext uri="{FF2B5EF4-FFF2-40B4-BE49-F238E27FC236}">
+                <a16:creationId xmlns:a16="http://schemas.microsoft.com/office/drawing/2014/main" id="{1ED5ABFC-C579-6D55-FB38-EC4A77C14B44}"/>
+              </a:ext>
+            </a:extLst>
+          </p:cNvPr>
+          <p:cNvSpPr>
+            <a:spLocks noGrp="1"/>
+          </p:cNvSpPr>
+          <p:nvPr>
+            <p:ph type="title"/>
+          </p:nvPr>
+        </p:nvSpPr>
+        <p:spPr/>
+        <p:txBody>
+          <a:bodyPr/>
+          <a:lstStyle/>
+          <a:p>
+            <a:r>
+              <a:rPr lang="en-US" dirty="0"/>
+              <a:t>Model Performance and Business Impact</a:t>
+            </a:r>
+          </a:p>
+        </p:txBody>
+      </p:sp>
+      <p:sp>
+        <p:nvSpPr>
+          <p:cNvPr id="5" name="Content Placeholder 4">
+            <a:extLst>
+              <a:ext uri="{FF2B5EF4-FFF2-40B4-BE49-F238E27FC236}">
+                <a16:creationId xmlns:a16="http://schemas.microsoft.com/office/drawing/2014/main" id="{2B6A28D8-D6FC-D912-A4AD-5E57EE150DEF}"/>
+              </a:ext>
+            </a:extLst>
+          </p:cNvPr>
+          <p:cNvSpPr>
+            <a:spLocks noGrp="1"/>
+          </p:cNvSpPr>
+          <p:nvPr>
+            <p:ph idx="1"/>
+          </p:nvPr>
+        </p:nvSpPr>
+        <p:spPr/>
+        <p:txBody>
+          <a:bodyPr>
+            <a:normAutofit fontScale="85000" lnSpcReduction="20000"/>
+          </a:bodyPr>
+          <a:lstStyle/>
+          <a:p>
+            <a:pPr marL="0" indent="0">
+              <a:buNone/>
+            </a:pPr>
+            <a:endParaRPr lang="en-US" dirty="0"/>
+          </a:p>
+          <a:p>
+            <a:r>
+              <a:rPr lang="en-US" dirty="0"/>
+              <a:t>Model Choice</a:t>
+            </a:r>
+          </a:p>
+          <a:p>
+            <a:pPr lvl="1"/>
+            <a:r>
+              <a:rPr lang="en-US" dirty="0"/>
+              <a:t>Selected </a:t>
+            </a:r>
+            <a:r>
+              <a:rPr lang="en-US" dirty="0" err="1"/>
+              <a:t>XGBoost</a:t>
+            </a:r>
+            <a:r>
+              <a:rPr lang="en-US" dirty="0"/>
+              <a:t> due to its excellent balance of speed and accuracy, proving to be highly effective in handling unbalanced datasets typical of fraud detection scenarios.</a:t>
+            </a:r>
+          </a:p>
+          <a:p>
+            <a:r>
+              <a:rPr lang="en-US" dirty="0"/>
+              <a:t>Business Impact:</a:t>
+            </a:r>
+          </a:p>
+          <a:p>
+            <a:pPr lvl="1"/>
+            <a:r>
+              <a:rPr lang="en-US" dirty="0"/>
+              <a:t>Enhanced Security: The improved detection rate minimizes potential financial losses from fraud, protecting both the company's assets and customer transactions.</a:t>
+            </a:r>
+          </a:p>
+          <a:p>
+            <a:pPr lvl="1"/>
+            <a:r>
+              <a:rPr lang="en-US" dirty="0"/>
+              <a:t>Increased Trust: High accuracy in fraud detection boosts customer confidence, reinforcing our reputation as a safe and trustworthy service provider.</a:t>
+            </a:r>
+          </a:p>
+          <a:p>
+            <a:pPr lvl="1"/>
+            <a:r>
+              <a:rPr lang="en-US" dirty="0"/>
+              <a:t>Operational Efficiency: Streamlining fraud detection processes reduces the need for manual review, allowing resources to be allocated to other critical areas of operation.</a:t>
+            </a:r>
+          </a:p>
+          <a:p>
+            <a:pPr lvl="2"/>
+            <a:endParaRPr lang="en-US" dirty="0"/>
+          </a:p>
+          <a:p>
+            <a:pPr lvl="1"/>
+            <a:endParaRPr lang="en-US" dirty="0"/>
+          </a:p>
+        </p:txBody>
+      </p:sp>
+    </p:spTree>
+    <p:extLst>
+      <p:ext uri="{BB962C8B-B14F-4D97-AF65-F5344CB8AC3E}">
+        <p14:creationId xmlns:p14="http://schemas.microsoft.com/office/powerpoint/2010/main" val="322756256"/>
       </p:ext>
     </p:extLst>
   </p:cSld>
